--- a/icons.pptx
+++ b/icons.pptx
@@ -6,6 +6,11 @@
   </p:sldMasterIdLst>
   <p:sldIdLst>
     <p:sldId id="256" r:id="rId2"/>
+    <p:sldId id="257" r:id="rId3"/>
+    <p:sldId id="258" r:id="rId4"/>
+    <p:sldId id="259" r:id="rId5"/>
+    <p:sldId id="260" r:id="rId6"/>
+    <p:sldId id="261" r:id="rId7"/>
   </p:sldIdLst>
   <p:sldSz cx="12192000" cy="6858000"/>
   <p:notesSz cx="6858000" cy="9144000"/>
@@ -104,6 +109,11 @@
       </a:defRPr>
     </a:lvl9pPr>
   </p:defaultTextStyle>
+  <p:extLst>
+    <p:ext uri="{EFAFB233-063F-42B5-8137-9DF3F51BA10A}">
+      <p15:sldGuideLst xmlns:p15="http://schemas.microsoft.com/office/powerpoint/2012/main"/>
+    </p:ext>
+  </p:extLst>
 </p:presentation>
 </file>
 
@@ -4456,10 +4466,7770 @@
           </p:style>
         </p:cxnSp>
       </p:grpSp>
+      <p:sp>
+        <p:nvSpPr>
+          <p:cNvPr id="2" name="TextBox 1">
+            <a:extLst>
+              <a:ext uri="{FF2B5EF4-FFF2-40B4-BE49-F238E27FC236}">
+                <a16:creationId xmlns:a16="http://schemas.microsoft.com/office/drawing/2014/main" id="{4F5E555E-28F8-908B-ECBA-A216D27BE5DE}"/>
+              </a:ext>
+            </a:extLst>
+          </p:cNvPr>
+          <p:cNvSpPr txBox="1"/>
+          <p:nvPr/>
+        </p:nvSpPr>
+        <p:spPr>
+          <a:xfrm>
+            <a:off x="7915275" y="2009775"/>
+            <a:ext cx="4057650" cy="369332"/>
+          </a:xfrm>
+          <a:prstGeom prst="rect">
+            <a:avLst/>
+          </a:prstGeom>
+          <a:noFill/>
+        </p:spPr>
+        <p:txBody>
+          <a:bodyPr wrap="square" rtlCol="0">
+            <a:spAutoFit/>
+          </a:bodyPr>
+          <a:lstStyle/>
+          <a:p>
+            <a:r>
+              <a:rPr lang="en-US" dirty="0" err="1"/>
+              <a:t>logbookicon</a:t>
+            </a:r>
+            <a:endParaRPr lang="en-GB" dirty="0"/>
+          </a:p>
+        </p:txBody>
+      </p:sp>
     </p:spTree>
     <p:extLst>
       <p:ext uri="{BB962C8B-B14F-4D97-AF65-F5344CB8AC3E}">
         <p14:creationId xmlns:p14="http://schemas.microsoft.com/office/powerpoint/2010/main" val="3052631904"/>
+      </p:ext>
+    </p:extLst>
+  </p:cSld>
+  <p:clrMapOvr>
+    <a:masterClrMapping/>
+  </p:clrMapOvr>
+</p:sld>
+</file>
+
+<file path=ppt/slides/slide2.xml><?xml version="1.0" encoding="utf-8"?>
+<p:sld xmlns:a="http://schemas.openxmlformats.org/drawingml/2006/main" xmlns:r="http://schemas.openxmlformats.org/officeDocument/2006/relationships" xmlns:p="http://schemas.openxmlformats.org/presentationml/2006/main">
+  <p:cSld>
+    <p:spTree>
+      <p:nvGrpSpPr>
+        <p:cNvPr id="1" name=""/>
+        <p:cNvGrpSpPr/>
+        <p:nvPr/>
+      </p:nvGrpSpPr>
+      <p:grpSpPr>
+        <a:xfrm>
+          <a:off x="0" y="0"/>
+          <a:ext cx="0" cy="0"/>
+          <a:chOff x="0" y="0"/>
+          <a:chExt cx="0" cy="0"/>
+        </a:xfrm>
+      </p:grpSpPr>
+      <p:sp>
+        <p:nvSpPr>
+          <p:cNvPr id="4" name="TextBox 3">
+            <a:extLst>
+              <a:ext uri="{FF2B5EF4-FFF2-40B4-BE49-F238E27FC236}">
+                <a16:creationId xmlns:a16="http://schemas.microsoft.com/office/drawing/2014/main" id="{4FA6AD11-870F-487E-8633-9693E016A0DE}"/>
+              </a:ext>
+            </a:extLst>
+          </p:cNvPr>
+          <p:cNvSpPr txBox="1"/>
+          <p:nvPr/>
+        </p:nvSpPr>
+        <p:spPr>
+          <a:xfrm>
+            <a:off x="7743825" y="1055070"/>
+            <a:ext cx="4057650" cy="369332"/>
+          </a:xfrm>
+          <a:prstGeom prst="rect">
+            <a:avLst/>
+          </a:prstGeom>
+          <a:noFill/>
+        </p:spPr>
+        <p:txBody>
+          <a:bodyPr wrap="square" rtlCol="0">
+            <a:spAutoFit/>
+          </a:bodyPr>
+          <a:lstStyle/>
+          <a:p>
+            <a:r>
+              <a:rPr lang="en-US" dirty="0" err="1"/>
+              <a:t>iscpicon</a:t>
+            </a:r>
+            <a:endParaRPr lang="en-GB" dirty="0"/>
+          </a:p>
+        </p:txBody>
+      </p:sp>
+      <p:grpSp>
+        <p:nvGrpSpPr>
+          <p:cNvPr id="29" name="Group 28">
+            <a:extLst>
+              <a:ext uri="{FF2B5EF4-FFF2-40B4-BE49-F238E27FC236}">
+                <a16:creationId xmlns:a16="http://schemas.microsoft.com/office/drawing/2014/main" id="{5C3E11DD-D3E9-32B1-7BA0-2B61C5F8589E}"/>
+              </a:ext>
+            </a:extLst>
+          </p:cNvPr>
+          <p:cNvGrpSpPr/>
+          <p:nvPr/>
+        </p:nvGrpSpPr>
+        <p:grpSpPr>
+          <a:xfrm>
+            <a:off x="3563628" y="2322629"/>
+            <a:ext cx="1882267" cy="1435662"/>
+            <a:chOff x="4941015" y="5054254"/>
+            <a:chExt cx="1882267" cy="1435662"/>
+          </a:xfrm>
+        </p:grpSpPr>
+        <p:sp>
+          <p:nvSpPr>
+            <p:cNvPr id="11" name="Isosceles Triangle 10">
+              <a:extLst>
+                <a:ext uri="{FF2B5EF4-FFF2-40B4-BE49-F238E27FC236}">
+                  <a16:creationId xmlns:a16="http://schemas.microsoft.com/office/drawing/2014/main" id="{1E2D92F5-6479-3D81-7A8F-9DFCADDBAAE6}"/>
+                </a:ext>
+              </a:extLst>
+            </p:cNvPr>
+            <p:cNvSpPr/>
+            <p:nvPr/>
+          </p:nvSpPr>
+          <p:spPr>
+            <a:xfrm rot="10800000">
+              <a:off x="6272981" y="5467360"/>
+              <a:ext cx="550301" cy="1022556"/>
+            </a:xfrm>
+            <a:prstGeom prst="triangle">
+              <a:avLst/>
+            </a:prstGeom>
+            <a:solidFill>
+              <a:schemeClr val="bg1">
+                <a:lumMod val="50000"/>
+              </a:schemeClr>
+            </a:solidFill>
+          </p:spPr>
+          <p:style>
+            <a:lnRef idx="2">
+              <a:schemeClr val="dk1">
+                <a:shade val="15000"/>
+              </a:schemeClr>
+            </a:lnRef>
+            <a:fillRef idx="1">
+              <a:schemeClr val="dk1"/>
+            </a:fillRef>
+            <a:effectRef idx="0">
+              <a:schemeClr val="dk1"/>
+            </a:effectRef>
+            <a:fontRef idx="minor">
+              <a:schemeClr val="lt1"/>
+            </a:fontRef>
+          </p:style>
+          <p:txBody>
+            <a:bodyPr rtlCol="0" anchor="ctr"/>
+            <a:lstStyle/>
+            <a:p>
+              <a:pPr algn="ctr"/>
+              <a:endParaRPr lang="en-GB"/>
+            </a:p>
+          </p:txBody>
+        </p:sp>
+        <p:sp>
+          <p:nvSpPr>
+            <p:cNvPr id="14" name="Rectangle: Rounded Corners 13">
+              <a:extLst>
+                <a:ext uri="{FF2B5EF4-FFF2-40B4-BE49-F238E27FC236}">
+                  <a16:creationId xmlns:a16="http://schemas.microsoft.com/office/drawing/2014/main" id="{D5C93622-5D9C-DD3C-4514-251103ECB054}"/>
+                </a:ext>
+              </a:extLst>
+            </p:cNvPr>
+            <p:cNvSpPr/>
+            <p:nvPr/>
+          </p:nvSpPr>
+          <p:spPr>
+            <a:xfrm rot="16200000">
+              <a:off x="5554914" y="4842387"/>
+              <a:ext cx="973393" cy="1397127"/>
+            </a:xfrm>
+            <a:prstGeom prst="roundRect">
+              <a:avLst>
+                <a:gd name="adj" fmla="val 6048"/>
+              </a:avLst>
+            </a:prstGeom>
+            <a:solidFill>
+              <a:schemeClr val="bg1"/>
+            </a:solidFill>
+            <a:ln w="76200">
+              <a:solidFill>
+                <a:schemeClr val="tx1"/>
+              </a:solidFill>
+            </a:ln>
+          </p:spPr>
+          <p:style>
+            <a:lnRef idx="2">
+              <a:schemeClr val="accent1">
+                <a:shade val="15000"/>
+              </a:schemeClr>
+            </a:lnRef>
+            <a:fillRef idx="1">
+              <a:schemeClr val="accent1"/>
+            </a:fillRef>
+            <a:effectRef idx="0">
+              <a:schemeClr val="accent1"/>
+            </a:effectRef>
+            <a:fontRef idx="minor">
+              <a:schemeClr val="lt1"/>
+            </a:fontRef>
+          </p:style>
+          <p:txBody>
+            <a:bodyPr rtlCol="0" anchor="ctr"/>
+            <a:lstStyle/>
+            <a:p>
+              <a:pPr algn="ctr"/>
+              <a:endParaRPr lang="en-GB"/>
+            </a:p>
+          </p:txBody>
+        </p:sp>
+        <p:sp>
+          <p:nvSpPr>
+            <p:cNvPr id="13" name="Rectangle: Rounded Corners 12">
+              <a:extLst>
+                <a:ext uri="{FF2B5EF4-FFF2-40B4-BE49-F238E27FC236}">
+                  <a16:creationId xmlns:a16="http://schemas.microsoft.com/office/drawing/2014/main" id="{D15281FC-6DB8-ABAC-2C65-479A69B5F2D5}"/>
+                </a:ext>
+              </a:extLst>
+            </p:cNvPr>
+            <p:cNvSpPr/>
+            <p:nvPr/>
+          </p:nvSpPr>
+          <p:spPr>
+            <a:xfrm rot="16200000">
+              <a:off x="5394365" y="5007077"/>
+              <a:ext cx="973393" cy="1397127"/>
+            </a:xfrm>
+            <a:prstGeom prst="roundRect">
+              <a:avLst>
+                <a:gd name="adj" fmla="val 6048"/>
+              </a:avLst>
+            </a:prstGeom>
+            <a:solidFill>
+              <a:schemeClr val="bg1"/>
+            </a:solidFill>
+            <a:ln w="76200">
+              <a:solidFill>
+                <a:schemeClr val="tx1"/>
+              </a:solidFill>
+            </a:ln>
+          </p:spPr>
+          <p:style>
+            <a:lnRef idx="2">
+              <a:schemeClr val="accent1">
+                <a:shade val="15000"/>
+              </a:schemeClr>
+            </a:lnRef>
+            <a:fillRef idx="1">
+              <a:schemeClr val="accent1"/>
+            </a:fillRef>
+            <a:effectRef idx="0">
+              <a:schemeClr val="accent1"/>
+            </a:effectRef>
+            <a:fontRef idx="minor">
+              <a:schemeClr val="lt1"/>
+            </a:fontRef>
+          </p:style>
+          <p:txBody>
+            <a:bodyPr rtlCol="0" anchor="ctr"/>
+            <a:lstStyle/>
+            <a:p>
+              <a:pPr algn="ctr"/>
+              <a:endParaRPr lang="en-GB"/>
+            </a:p>
+          </p:txBody>
+        </p:sp>
+        <p:sp>
+          <p:nvSpPr>
+            <p:cNvPr id="9" name="Parallelogram 8">
+              <a:extLst>
+                <a:ext uri="{FF2B5EF4-FFF2-40B4-BE49-F238E27FC236}">
+                  <a16:creationId xmlns:a16="http://schemas.microsoft.com/office/drawing/2014/main" id="{1A779B61-A981-3E97-90A4-CE6A6D65206D}"/>
+                </a:ext>
+              </a:extLst>
+            </p:cNvPr>
+            <p:cNvSpPr/>
+            <p:nvPr/>
+          </p:nvSpPr>
+          <p:spPr>
+            <a:xfrm rot="10800000" flipV="1">
+              <a:off x="4941015" y="5467360"/>
+              <a:ext cx="1607269" cy="1022555"/>
+            </a:xfrm>
+            <a:prstGeom prst="parallelogram">
+              <a:avLst>
+                <a:gd name="adj" fmla="val 25715"/>
+              </a:avLst>
+            </a:prstGeom>
+          </p:spPr>
+          <p:style>
+            <a:lnRef idx="2">
+              <a:schemeClr val="dk1">
+                <a:shade val="15000"/>
+              </a:schemeClr>
+            </a:lnRef>
+            <a:fillRef idx="1">
+              <a:schemeClr val="dk1"/>
+            </a:fillRef>
+            <a:effectRef idx="0">
+              <a:schemeClr val="dk1"/>
+            </a:effectRef>
+            <a:fontRef idx="minor">
+              <a:schemeClr val="lt1"/>
+            </a:fontRef>
+          </p:style>
+          <p:txBody>
+            <a:bodyPr rtlCol="0" anchor="ctr"/>
+            <a:lstStyle/>
+            <a:p>
+              <a:pPr algn="ctr"/>
+              <a:endParaRPr lang="en-GB"/>
+            </a:p>
+          </p:txBody>
+        </p:sp>
+        <p:sp>
+          <p:nvSpPr>
+            <p:cNvPr id="10" name="Parallelogram 9">
+              <a:extLst>
+                <a:ext uri="{FF2B5EF4-FFF2-40B4-BE49-F238E27FC236}">
+                  <a16:creationId xmlns:a16="http://schemas.microsoft.com/office/drawing/2014/main" id="{F2299D82-D96A-8863-E8BF-838315680966}"/>
+                </a:ext>
+              </a:extLst>
+            </p:cNvPr>
+            <p:cNvSpPr/>
+            <p:nvPr/>
+          </p:nvSpPr>
+          <p:spPr>
+            <a:xfrm rot="10800000" flipV="1">
+              <a:off x="5063919" y="5302670"/>
+              <a:ext cx="550300" cy="329380"/>
+            </a:xfrm>
+            <a:prstGeom prst="parallelogram">
+              <a:avLst>
+                <a:gd name="adj" fmla="val 25715"/>
+              </a:avLst>
+            </a:prstGeom>
+          </p:spPr>
+          <p:style>
+            <a:lnRef idx="2">
+              <a:schemeClr val="dk1">
+                <a:shade val="15000"/>
+              </a:schemeClr>
+            </a:lnRef>
+            <a:fillRef idx="1">
+              <a:schemeClr val="dk1"/>
+            </a:fillRef>
+            <a:effectRef idx="0">
+              <a:schemeClr val="dk1"/>
+            </a:effectRef>
+            <a:fontRef idx="minor">
+              <a:schemeClr val="lt1"/>
+            </a:fontRef>
+          </p:style>
+          <p:txBody>
+            <a:bodyPr rtlCol="0" anchor="ctr"/>
+            <a:lstStyle/>
+            <a:p>
+              <a:pPr algn="ctr"/>
+              <a:endParaRPr lang="en-GB"/>
+            </a:p>
+          </p:txBody>
+        </p:sp>
+        <p:cxnSp>
+          <p:nvCxnSpPr>
+            <p:cNvPr id="19" name="Straight Connector 18">
+              <a:extLst>
+                <a:ext uri="{FF2B5EF4-FFF2-40B4-BE49-F238E27FC236}">
+                  <a16:creationId xmlns:a16="http://schemas.microsoft.com/office/drawing/2014/main" id="{A34B9E19-769E-67AE-38D7-0F40AFB1BB58}"/>
+                </a:ext>
+              </a:extLst>
+            </p:cNvPr>
+            <p:cNvCxnSpPr>
+              <a:cxnSpLocks/>
+            </p:cNvCxnSpPr>
+            <p:nvPr/>
+          </p:nvCxnSpPr>
+          <p:spPr>
+            <a:xfrm>
+              <a:off x="5712165" y="5340670"/>
+              <a:ext cx="0" cy="334769"/>
+            </a:xfrm>
+            <a:prstGeom prst="line">
+              <a:avLst/>
+            </a:prstGeom>
+            <a:ln w="76200" cap="rnd">
+              <a:solidFill>
+                <a:schemeClr val="tx1"/>
+              </a:solidFill>
+            </a:ln>
+          </p:spPr>
+          <p:style>
+            <a:lnRef idx="2">
+              <a:schemeClr val="accent1"/>
+            </a:lnRef>
+            <a:fillRef idx="0">
+              <a:schemeClr val="accent1"/>
+            </a:fillRef>
+            <a:effectRef idx="1">
+              <a:schemeClr val="accent1"/>
+            </a:effectRef>
+            <a:fontRef idx="minor">
+              <a:schemeClr val="tx1"/>
+            </a:fontRef>
+          </p:style>
+        </p:cxnSp>
+        <p:cxnSp>
+          <p:nvCxnSpPr>
+            <p:cNvPr id="22" name="Straight Connector 21">
+              <a:extLst>
+                <a:ext uri="{FF2B5EF4-FFF2-40B4-BE49-F238E27FC236}">
+                  <a16:creationId xmlns:a16="http://schemas.microsoft.com/office/drawing/2014/main" id="{1AF10744-976C-09F4-6728-D349B79127EA}"/>
+                </a:ext>
+              </a:extLst>
+            </p:cNvPr>
+            <p:cNvCxnSpPr>
+              <a:cxnSpLocks/>
+            </p:cNvCxnSpPr>
+            <p:nvPr/>
+          </p:nvCxnSpPr>
+          <p:spPr>
+            <a:xfrm>
+              <a:off x="6172581" y="5340670"/>
+              <a:ext cx="0" cy="334769"/>
+            </a:xfrm>
+            <a:prstGeom prst="line">
+              <a:avLst/>
+            </a:prstGeom>
+            <a:ln w="76200" cap="rnd">
+              <a:solidFill>
+                <a:schemeClr val="tx1"/>
+              </a:solidFill>
+            </a:ln>
+          </p:spPr>
+          <p:style>
+            <a:lnRef idx="2">
+              <a:schemeClr val="accent1"/>
+            </a:lnRef>
+            <a:fillRef idx="0">
+              <a:schemeClr val="accent1"/>
+            </a:fillRef>
+            <a:effectRef idx="1">
+              <a:schemeClr val="accent1"/>
+            </a:effectRef>
+            <a:fontRef idx="minor">
+              <a:schemeClr val="tx1"/>
+            </a:fontRef>
+          </p:style>
+        </p:cxnSp>
+        <p:cxnSp>
+          <p:nvCxnSpPr>
+            <p:cNvPr id="23" name="Straight Connector 22">
+              <a:extLst>
+                <a:ext uri="{FF2B5EF4-FFF2-40B4-BE49-F238E27FC236}">
+                  <a16:creationId xmlns:a16="http://schemas.microsoft.com/office/drawing/2014/main" id="{AE87F644-4D4C-FBCD-DDC3-C5C771082EB3}"/>
+                </a:ext>
+              </a:extLst>
+            </p:cNvPr>
+            <p:cNvCxnSpPr>
+              <a:cxnSpLocks/>
+            </p:cNvCxnSpPr>
+            <p:nvPr/>
+          </p:nvCxnSpPr>
+          <p:spPr>
+            <a:xfrm>
+              <a:off x="5942373" y="5340670"/>
+              <a:ext cx="0" cy="334769"/>
+            </a:xfrm>
+            <a:prstGeom prst="line">
+              <a:avLst/>
+            </a:prstGeom>
+            <a:ln w="76200" cap="rnd">
+              <a:solidFill>
+                <a:schemeClr val="tx1"/>
+              </a:solidFill>
+            </a:ln>
+          </p:spPr>
+          <p:style>
+            <a:lnRef idx="2">
+              <a:schemeClr val="accent1"/>
+            </a:lnRef>
+            <a:fillRef idx="0">
+              <a:schemeClr val="accent1"/>
+            </a:fillRef>
+            <a:effectRef idx="1">
+              <a:schemeClr val="accent1"/>
+            </a:effectRef>
+            <a:fontRef idx="minor">
+              <a:schemeClr val="tx1"/>
+            </a:fontRef>
+          </p:style>
+        </p:cxnSp>
+        <p:cxnSp>
+          <p:nvCxnSpPr>
+            <p:cNvPr id="25" name="Straight Connector 24">
+              <a:extLst>
+                <a:ext uri="{FF2B5EF4-FFF2-40B4-BE49-F238E27FC236}">
+                  <a16:creationId xmlns:a16="http://schemas.microsoft.com/office/drawing/2014/main" id="{8C6639D1-6181-14C8-4A79-58E26FF596E3}"/>
+                </a:ext>
+              </a:extLst>
+            </p:cNvPr>
+            <p:cNvCxnSpPr>
+              <a:cxnSpLocks/>
+            </p:cNvCxnSpPr>
+            <p:nvPr/>
+          </p:nvCxnSpPr>
+          <p:spPr>
+            <a:xfrm>
+              <a:off x="6402788" y="5340670"/>
+              <a:ext cx="22592" cy="696727"/>
+            </a:xfrm>
+            <a:prstGeom prst="line">
+              <a:avLst/>
+            </a:prstGeom>
+            <a:ln w="76200" cap="rnd">
+              <a:solidFill>
+                <a:schemeClr val="tx1"/>
+              </a:solidFill>
+            </a:ln>
+          </p:spPr>
+          <p:style>
+            <a:lnRef idx="2">
+              <a:schemeClr val="accent1"/>
+            </a:lnRef>
+            <a:fillRef idx="0">
+              <a:schemeClr val="accent1"/>
+            </a:fillRef>
+            <a:effectRef idx="1">
+              <a:schemeClr val="accent1"/>
+            </a:effectRef>
+            <a:fontRef idx="minor">
+              <a:schemeClr val="tx1"/>
+            </a:fontRef>
+          </p:style>
+        </p:cxnSp>
+        <p:sp>
+          <p:nvSpPr>
+            <p:cNvPr id="28" name="TextBox 27">
+              <a:extLst>
+                <a:ext uri="{FF2B5EF4-FFF2-40B4-BE49-F238E27FC236}">
+                  <a16:creationId xmlns:a16="http://schemas.microsoft.com/office/drawing/2014/main" id="{4A8F5D15-7126-88F2-A4C1-4583925C6E7F}"/>
+                </a:ext>
+              </a:extLst>
+            </p:cNvPr>
+            <p:cNvSpPr txBox="1"/>
+            <p:nvPr/>
+          </p:nvSpPr>
+          <p:spPr>
+            <a:xfrm>
+              <a:off x="5382612" y="5762016"/>
+              <a:ext cx="937068" cy="369332"/>
+            </a:xfrm>
+            <a:prstGeom prst="rect">
+              <a:avLst/>
+            </a:prstGeom>
+            <a:noFill/>
+          </p:spPr>
+          <p:txBody>
+            <a:bodyPr wrap="square" rtlCol="0">
+              <a:spAutoFit/>
+            </a:bodyPr>
+            <a:lstStyle/>
+            <a:p>
+              <a:r>
+                <a:rPr lang="en-US" b="1" i="1" dirty="0">
+                  <a:solidFill>
+                    <a:schemeClr val="bg1">
+                      <a:lumMod val="95000"/>
+                    </a:schemeClr>
+                  </a:solidFill>
+                </a:rPr>
+                <a:t>ISCP</a:t>
+              </a:r>
+              <a:endParaRPr lang="en-GB" b="1" i="1" dirty="0">
+                <a:solidFill>
+                  <a:schemeClr val="bg1">
+                    <a:lumMod val="95000"/>
+                  </a:schemeClr>
+                </a:solidFill>
+              </a:endParaRPr>
+            </a:p>
+          </p:txBody>
+        </p:sp>
+      </p:grpSp>
+    </p:spTree>
+    <p:extLst>
+      <p:ext uri="{BB962C8B-B14F-4D97-AF65-F5344CB8AC3E}">
+        <p14:creationId xmlns:p14="http://schemas.microsoft.com/office/powerpoint/2010/main" val="2533849277"/>
+      </p:ext>
+    </p:extLst>
+  </p:cSld>
+  <p:clrMapOvr>
+    <a:masterClrMapping/>
+  </p:clrMapOvr>
+</p:sld>
+</file>
+
+<file path=ppt/slides/slide3.xml><?xml version="1.0" encoding="utf-8"?>
+<p:sld xmlns:a="http://schemas.openxmlformats.org/drawingml/2006/main" xmlns:r="http://schemas.openxmlformats.org/officeDocument/2006/relationships" xmlns:p="http://schemas.openxmlformats.org/presentationml/2006/main">
+  <p:cSld>
+    <p:spTree>
+      <p:nvGrpSpPr>
+        <p:cNvPr id="1" name=""/>
+        <p:cNvGrpSpPr/>
+        <p:nvPr/>
+      </p:nvGrpSpPr>
+      <p:grpSpPr>
+        <a:xfrm>
+          <a:off x="0" y="0"/>
+          <a:ext cx="0" cy="0"/>
+          <a:chOff x="0" y="0"/>
+          <a:chExt cx="0" cy="0"/>
+        </a:xfrm>
+      </p:grpSpPr>
+      <p:sp>
+        <p:nvSpPr>
+          <p:cNvPr id="2" name="TextBox 1">
+            <a:extLst>
+              <a:ext uri="{FF2B5EF4-FFF2-40B4-BE49-F238E27FC236}">
+                <a16:creationId xmlns:a16="http://schemas.microsoft.com/office/drawing/2014/main" id="{2A287EB9-7AB7-C88B-7AA2-A96032C8B54B}"/>
+              </a:ext>
+            </a:extLst>
+          </p:cNvPr>
+          <p:cNvSpPr txBox="1"/>
+          <p:nvPr/>
+        </p:nvSpPr>
+        <p:spPr>
+          <a:xfrm>
+            <a:off x="7915275" y="2009775"/>
+            <a:ext cx="4057650" cy="369332"/>
+          </a:xfrm>
+          <a:prstGeom prst="rect">
+            <a:avLst/>
+          </a:prstGeom>
+          <a:noFill/>
+        </p:spPr>
+        <p:txBody>
+          <a:bodyPr wrap="square" rtlCol="0">
+            <a:spAutoFit/>
+          </a:bodyPr>
+          <a:lstStyle/>
+          <a:p>
+            <a:r>
+              <a:rPr lang="en-US" dirty="0" err="1"/>
+              <a:t>jcsticon</a:t>
+            </a:r>
+            <a:endParaRPr lang="en-GB" dirty="0"/>
+          </a:p>
+        </p:txBody>
+      </p:sp>
+      <p:pic>
+        <p:nvPicPr>
+          <p:cNvPr id="4" name="Picture 3">
+            <a:extLst>
+              <a:ext uri="{FF2B5EF4-FFF2-40B4-BE49-F238E27FC236}">
+                <a16:creationId xmlns:a16="http://schemas.microsoft.com/office/drawing/2014/main" id="{8F067A75-93D3-E19C-471B-D0DF69BC7AEA}"/>
+              </a:ext>
+            </a:extLst>
+          </p:cNvPr>
+          <p:cNvPicPr>
+            <a:picLocks noChangeAspect="1"/>
+          </p:cNvPicPr>
+          <p:nvPr/>
+        </p:nvPicPr>
+        <p:blipFill>
+          <a:blip r:embed="rId2"/>
+          <a:stretch>
+            <a:fillRect/>
+          </a:stretch>
+        </p:blipFill>
+        <p:spPr>
+          <a:xfrm>
+            <a:off x="888747" y="796129"/>
+            <a:ext cx="2976590" cy="2422506"/>
+          </a:xfrm>
+          <a:prstGeom prst="rect">
+            <a:avLst/>
+          </a:prstGeom>
+        </p:spPr>
+      </p:pic>
+      <p:grpSp>
+        <p:nvGrpSpPr>
+          <p:cNvPr id="6" name="Group 5">
+            <a:extLst>
+              <a:ext uri="{FF2B5EF4-FFF2-40B4-BE49-F238E27FC236}">
+                <a16:creationId xmlns:a16="http://schemas.microsoft.com/office/drawing/2014/main" id="{55A7DA2F-1542-7C15-570C-47CA5D09EA70}"/>
+              </a:ext>
+            </a:extLst>
+          </p:cNvPr>
+          <p:cNvGrpSpPr/>
+          <p:nvPr/>
+        </p:nvGrpSpPr>
+        <p:grpSpPr>
+          <a:xfrm>
+            <a:off x="4618471" y="2896766"/>
+            <a:ext cx="1785148" cy="2538262"/>
+            <a:chOff x="4618471" y="2896766"/>
+            <a:chExt cx="1785148" cy="2538262"/>
+          </a:xfrm>
+        </p:grpSpPr>
+        <p:grpSp>
+          <p:nvGrpSpPr>
+            <p:cNvPr id="12" name="Group 11">
+              <a:extLst>
+                <a:ext uri="{FF2B5EF4-FFF2-40B4-BE49-F238E27FC236}">
+                  <a16:creationId xmlns:a16="http://schemas.microsoft.com/office/drawing/2014/main" id="{DD274199-A8B5-1100-CE78-7BE89AE05BCD}"/>
+                </a:ext>
+              </a:extLst>
+            </p:cNvPr>
+            <p:cNvGrpSpPr/>
+            <p:nvPr/>
+          </p:nvGrpSpPr>
+          <p:grpSpPr>
+            <a:xfrm>
+              <a:off x="4618471" y="2896766"/>
+              <a:ext cx="1785148" cy="1638363"/>
+              <a:chOff x="4618471" y="2896766"/>
+              <a:chExt cx="1785148" cy="1638363"/>
+            </a:xfrm>
+          </p:grpSpPr>
+          <p:grpSp>
+            <p:nvGrpSpPr>
+              <p:cNvPr id="26" name="Group 25">
+                <a:extLst>
+                  <a:ext uri="{FF2B5EF4-FFF2-40B4-BE49-F238E27FC236}">
+                    <a16:creationId xmlns:a16="http://schemas.microsoft.com/office/drawing/2014/main" id="{4BB110E0-D2DA-B119-57AA-EC8BF8287C68}"/>
+                  </a:ext>
+                </a:extLst>
+              </p:cNvPr>
+              <p:cNvGrpSpPr/>
+              <p:nvPr/>
+            </p:nvGrpSpPr>
+            <p:grpSpPr>
+              <a:xfrm>
+                <a:off x="5930878" y="3065368"/>
+                <a:ext cx="190437" cy="649254"/>
+                <a:chOff x="8650840" y="3748732"/>
+                <a:chExt cx="610348" cy="1994514"/>
+              </a:xfrm>
+            </p:grpSpPr>
+            <p:sp>
+              <p:nvSpPr>
+                <p:cNvPr id="27" name="Rectangle: Rounded Corners 26">
+                  <a:extLst>
+                    <a:ext uri="{FF2B5EF4-FFF2-40B4-BE49-F238E27FC236}">
+                      <a16:creationId xmlns:a16="http://schemas.microsoft.com/office/drawing/2014/main" id="{3EABBEA8-B414-3C06-A7AF-C5CF462C9577}"/>
+                    </a:ext>
+                  </a:extLst>
+                </p:cNvPr>
+                <p:cNvSpPr/>
+                <p:nvPr/>
+              </p:nvSpPr>
+              <p:spPr>
+                <a:xfrm>
+                  <a:off x="8650840" y="4202028"/>
+                  <a:ext cx="610348" cy="1541218"/>
+                </a:xfrm>
+                <a:prstGeom prst="roundRect">
+                  <a:avLst>
+                    <a:gd name="adj" fmla="val 50000"/>
+                  </a:avLst>
+                </a:prstGeom>
+                <a:solidFill>
+                  <a:schemeClr val="bg1"/>
+                </a:solidFill>
+                <a:ln w="38100">
+                  <a:solidFill>
+                    <a:schemeClr val="tx1"/>
+                  </a:solidFill>
+                </a:ln>
+              </p:spPr>
+              <p:style>
+                <a:lnRef idx="2">
+                  <a:schemeClr val="accent1">
+                    <a:shade val="15000"/>
+                  </a:schemeClr>
+                </a:lnRef>
+                <a:fillRef idx="1">
+                  <a:schemeClr val="accent1"/>
+                </a:fillRef>
+                <a:effectRef idx="0">
+                  <a:schemeClr val="accent1"/>
+                </a:effectRef>
+                <a:fontRef idx="minor">
+                  <a:schemeClr val="lt1"/>
+                </a:fontRef>
+              </p:style>
+              <p:txBody>
+                <a:bodyPr rtlCol="0" anchor="ctr"/>
+                <a:lstStyle/>
+                <a:p>
+                  <a:pPr algn="ctr"/>
+                  <a:endParaRPr lang="en-GB"/>
+                </a:p>
+              </p:txBody>
+            </p:sp>
+            <p:sp>
+              <p:nvSpPr>
+                <p:cNvPr id="28" name="Oval 27">
+                  <a:extLst>
+                    <a:ext uri="{FF2B5EF4-FFF2-40B4-BE49-F238E27FC236}">
+                      <a16:creationId xmlns:a16="http://schemas.microsoft.com/office/drawing/2014/main" id="{7A04EAD4-7DFE-2413-92C5-DA6B35615320}"/>
+                    </a:ext>
+                  </a:extLst>
+                </p:cNvPr>
+                <p:cNvSpPr/>
+                <p:nvPr/>
+              </p:nvSpPr>
+              <p:spPr>
+                <a:xfrm>
+                  <a:off x="8714571" y="3748732"/>
+                  <a:ext cx="482886" cy="486992"/>
+                </a:xfrm>
+                <a:prstGeom prst="ellipse">
+                  <a:avLst/>
+                </a:prstGeom>
+                <a:solidFill>
+                  <a:schemeClr val="bg1"/>
+                </a:solidFill>
+                <a:ln w="38100">
+                  <a:solidFill>
+                    <a:schemeClr val="tx1"/>
+                  </a:solidFill>
+                </a:ln>
+              </p:spPr>
+              <p:style>
+                <a:lnRef idx="2">
+                  <a:schemeClr val="accent1">
+                    <a:shade val="15000"/>
+                  </a:schemeClr>
+                </a:lnRef>
+                <a:fillRef idx="1">
+                  <a:schemeClr val="accent1"/>
+                </a:fillRef>
+                <a:effectRef idx="0">
+                  <a:schemeClr val="accent1"/>
+                </a:effectRef>
+                <a:fontRef idx="minor">
+                  <a:schemeClr val="lt1"/>
+                </a:fontRef>
+              </p:style>
+              <p:txBody>
+                <a:bodyPr rtlCol="0" anchor="ctr"/>
+                <a:lstStyle/>
+                <a:p>
+                  <a:pPr algn="ctr"/>
+                  <a:endParaRPr lang="en-GB"/>
+                </a:p>
+              </p:txBody>
+            </p:sp>
+          </p:grpSp>
+          <p:grpSp>
+            <p:nvGrpSpPr>
+              <p:cNvPr id="29" name="Group 28">
+                <a:extLst>
+                  <a:ext uri="{FF2B5EF4-FFF2-40B4-BE49-F238E27FC236}">
+                    <a16:creationId xmlns:a16="http://schemas.microsoft.com/office/drawing/2014/main" id="{257ED239-83BD-680D-519A-0AEEA5BB18AC}"/>
+                  </a:ext>
+                </a:extLst>
+              </p:cNvPr>
+              <p:cNvGrpSpPr/>
+              <p:nvPr/>
+            </p:nvGrpSpPr>
+            <p:grpSpPr>
+              <a:xfrm>
+                <a:off x="6126217" y="3435316"/>
+                <a:ext cx="277402" cy="719059"/>
+                <a:chOff x="8650840" y="3748732"/>
+                <a:chExt cx="610348" cy="1994514"/>
+              </a:xfrm>
+            </p:grpSpPr>
+            <p:sp>
+              <p:nvSpPr>
+                <p:cNvPr id="30" name="Rectangle: Rounded Corners 29">
+                  <a:extLst>
+                    <a:ext uri="{FF2B5EF4-FFF2-40B4-BE49-F238E27FC236}">
+                      <a16:creationId xmlns:a16="http://schemas.microsoft.com/office/drawing/2014/main" id="{98D4E3EE-52A8-021B-7BB1-9107035464F1}"/>
+                    </a:ext>
+                  </a:extLst>
+                </p:cNvPr>
+                <p:cNvSpPr/>
+                <p:nvPr/>
+              </p:nvSpPr>
+              <p:spPr>
+                <a:xfrm>
+                  <a:off x="8650840" y="4202028"/>
+                  <a:ext cx="610348" cy="1541218"/>
+                </a:xfrm>
+                <a:prstGeom prst="roundRect">
+                  <a:avLst>
+                    <a:gd name="adj" fmla="val 50000"/>
+                  </a:avLst>
+                </a:prstGeom>
+                <a:solidFill>
+                  <a:schemeClr val="bg1"/>
+                </a:solidFill>
+                <a:ln w="38100">
+                  <a:solidFill>
+                    <a:schemeClr val="tx1"/>
+                  </a:solidFill>
+                </a:ln>
+              </p:spPr>
+              <p:style>
+                <a:lnRef idx="2">
+                  <a:schemeClr val="accent1">
+                    <a:shade val="15000"/>
+                  </a:schemeClr>
+                </a:lnRef>
+                <a:fillRef idx="1">
+                  <a:schemeClr val="accent1"/>
+                </a:fillRef>
+                <a:effectRef idx="0">
+                  <a:schemeClr val="accent1"/>
+                </a:effectRef>
+                <a:fontRef idx="minor">
+                  <a:schemeClr val="lt1"/>
+                </a:fontRef>
+              </p:style>
+              <p:txBody>
+                <a:bodyPr rtlCol="0" anchor="ctr"/>
+                <a:lstStyle/>
+                <a:p>
+                  <a:pPr algn="ctr"/>
+                  <a:endParaRPr lang="en-GB"/>
+                </a:p>
+              </p:txBody>
+            </p:sp>
+            <p:sp>
+              <p:nvSpPr>
+                <p:cNvPr id="31" name="Oval 30">
+                  <a:extLst>
+                    <a:ext uri="{FF2B5EF4-FFF2-40B4-BE49-F238E27FC236}">
+                      <a16:creationId xmlns:a16="http://schemas.microsoft.com/office/drawing/2014/main" id="{F11804F5-DD4B-D2D4-C17E-71930C6F9B01}"/>
+                    </a:ext>
+                  </a:extLst>
+                </p:cNvPr>
+                <p:cNvSpPr/>
+                <p:nvPr/>
+              </p:nvSpPr>
+              <p:spPr>
+                <a:xfrm>
+                  <a:off x="8714571" y="3748732"/>
+                  <a:ext cx="482886" cy="486992"/>
+                </a:xfrm>
+                <a:prstGeom prst="ellipse">
+                  <a:avLst/>
+                </a:prstGeom>
+                <a:solidFill>
+                  <a:schemeClr val="bg1"/>
+                </a:solidFill>
+                <a:ln w="38100">
+                  <a:solidFill>
+                    <a:schemeClr val="tx1"/>
+                  </a:solidFill>
+                </a:ln>
+              </p:spPr>
+              <p:style>
+                <a:lnRef idx="2">
+                  <a:schemeClr val="accent1">
+                    <a:shade val="15000"/>
+                  </a:schemeClr>
+                </a:lnRef>
+                <a:fillRef idx="1">
+                  <a:schemeClr val="accent1"/>
+                </a:fillRef>
+                <a:effectRef idx="0">
+                  <a:schemeClr val="accent1"/>
+                </a:effectRef>
+                <a:fontRef idx="minor">
+                  <a:schemeClr val="lt1"/>
+                </a:fontRef>
+              </p:style>
+              <p:txBody>
+                <a:bodyPr rtlCol="0" anchor="ctr"/>
+                <a:lstStyle/>
+                <a:p>
+                  <a:pPr algn="ctr"/>
+                  <a:endParaRPr lang="en-GB"/>
+                </a:p>
+              </p:txBody>
+            </p:sp>
+          </p:grpSp>
+          <p:grpSp>
+            <p:nvGrpSpPr>
+              <p:cNvPr id="32" name="Group 31">
+                <a:extLst>
+                  <a:ext uri="{FF2B5EF4-FFF2-40B4-BE49-F238E27FC236}">
+                    <a16:creationId xmlns:a16="http://schemas.microsoft.com/office/drawing/2014/main" id="{BFA0FF07-5D71-8EF8-64F6-5D32F682D26F}"/>
+                  </a:ext>
+                </a:extLst>
+              </p:cNvPr>
+              <p:cNvGrpSpPr/>
+              <p:nvPr/>
+            </p:nvGrpSpPr>
+            <p:grpSpPr>
+              <a:xfrm>
+                <a:off x="4924136" y="3072336"/>
+                <a:ext cx="236297" cy="662066"/>
+                <a:chOff x="8650840" y="3748732"/>
+                <a:chExt cx="610348" cy="1994514"/>
+              </a:xfrm>
+            </p:grpSpPr>
+            <p:sp>
+              <p:nvSpPr>
+                <p:cNvPr id="33" name="Rectangle: Rounded Corners 32">
+                  <a:extLst>
+                    <a:ext uri="{FF2B5EF4-FFF2-40B4-BE49-F238E27FC236}">
+                      <a16:creationId xmlns:a16="http://schemas.microsoft.com/office/drawing/2014/main" id="{2A36F402-32E2-F035-1C95-E0C27B6C7416}"/>
+                    </a:ext>
+                  </a:extLst>
+                </p:cNvPr>
+                <p:cNvSpPr/>
+                <p:nvPr/>
+              </p:nvSpPr>
+              <p:spPr>
+                <a:xfrm>
+                  <a:off x="8650840" y="4202028"/>
+                  <a:ext cx="610348" cy="1541218"/>
+                </a:xfrm>
+                <a:prstGeom prst="roundRect">
+                  <a:avLst>
+                    <a:gd name="adj" fmla="val 50000"/>
+                  </a:avLst>
+                </a:prstGeom>
+                <a:solidFill>
+                  <a:schemeClr val="bg1"/>
+                </a:solidFill>
+                <a:ln w="38100">
+                  <a:solidFill>
+                    <a:schemeClr val="tx1"/>
+                  </a:solidFill>
+                </a:ln>
+              </p:spPr>
+              <p:style>
+                <a:lnRef idx="2">
+                  <a:schemeClr val="accent1">
+                    <a:shade val="15000"/>
+                  </a:schemeClr>
+                </a:lnRef>
+                <a:fillRef idx="1">
+                  <a:schemeClr val="accent1"/>
+                </a:fillRef>
+                <a:effectRef idx="0">
+                  <a:schemeClr val="accent1"/>
+                </a:effectRef>
+                <a:fontRef idx="minor">
+                  <a:schemeClr val="lt1"/>
+                </a:fontRef>
+              </p:style>
+              <p:txBody>
+                <a:bodyPr rtlCol="0" anchor="ctr"/>
+                <a:lstStyle/>
+                <a:p>
+                  <a:pPr algn="ctr"/>
+                  <a:endParaRPr lang="en-GB"/>
+                </a:p>
+              </p:txBody>
+            </p:sp>
+            <p:sp>
+              <p:nvSpPr>
+                <p:cNvPr id="34" name="Oval 33">
+                  <a:extLst>
+                    <a:ext uri="{FF2B5EF4-FFF2-40B4-BE49-F238E27FC236}">
+                      <a16:creationId xmlns:a16="http://schemas.microsoft.com/office/drawing/2014/main" id="{0911BD7D-8BEE-849E-77FD-19C5165D73C0}"/>
+                    </a:ext>
+                  </a:extLst>
+                </p:cNvPr>
+                <p:cNvSpPr/>
+                <p:nvPr/>
+              </p:nvSpPr>
+              <p:spPr>
+                <a:xfrm>
+                  <a:off x="8714571" y="3748732"/>
+                  <a:ext cx="482886" cy="486992"/>
+                </a:xfrm>
+                <a:prstGeom prst="ellipse">
+                  <a:avLst/>
+                </a:prstGeom>
+                <a:solidFill>
+                  <a:schemeClr val="bg1"/>
+                </a:solidFill>
+                <a:ln w="38100">
+                  <a:solidFill>
+                    <a:schemeClr val="tx1"/>
+                  </a:solidFill>
+                </a:ln>
+              </p:spPr>
+              <p:style>
+                <a:lnRef idx="2">
+                  <a:schemeClr val="accent1">
+                    <a:shade val="15000"/>
+                  </a:schemeClr>
+                </a:lnRef>
+                <a:fillRef idx="1">
+                  <a:schemeClr val="accent1"/>
+                </a:fillRef>
+                <a:effectRef idx="0">
+                  <a:schemeClr val="accent1"/>
+                </a:effectRef>
+                <a:fontRef idx="minor">
+                  <a:schemeClr val="lt1"/>
+                </a:fontRef>
+              </p:style>
+              <p:txBody>
+                <a:bodyPr rtlCol="0" anchor="ctr"/>
+                <a:lstStyle/>
+                <a:p>
+                  <a:pPr algn="ctr"/>
+                  <a:endParaRPr lang="en-GB"/>
+                </a:p>
+              </p:txBody>
+            </p:sp>
+          </p:grpSp>
+          <p:grpSp>
+            <p:nvGrpSpPr>
+              <p:cNvPr id="35" name="Group 34">
+                <a:extLst>
+                  <a:ext uri="{FF2B5EF4-FFF2-40B4-BE49-F238E27FC236}">
+                    <a16:creationId xmlns:a16="http://schemas.microsoft.com/office/drawing/2014/main" id="{54F41D8E-BBFC-5D2E-E439-D16FCBA6432F}"/>
+                  </a:ext>
+                </a:extLst>
+              </p:cNvPr>
+              <p:cNvGrpSpPr/>
+              <p:nvPr/>
+            </p:nvGrpSpPr>
+            <p:grpSpPr>
+              <a:xfrm>
+                <a:off x="4618471" y="3421350"/>
+                <a:ext cx="277402" cy="719059"/>
+                <a:chOff x="8650840" y="3748732"/>
+                <a:chExt cx="610348" cy="1994514"/>
+              </a:xfrm>
+            </p:grpSpPr>
+            <p:sp>
+              <p:nvSpPr>
+                <p:cNvPr id="36" name="Rectangle: Rounded Corners 35">
+                  <a:extLst>
+                    <a:ext uri="{FF2B5EF4-FFF2-40B4-BE49-F238E27FC236}">
+                      <a16:creationId xmlns:a16="http://schemas.microsoft.com/office/drawing/2014/main" id="{A4BDC5B6-EF02-6137-D28F-2A2182B58315}"/>
+                    </a:ext>
+                  </a:extLst>
+                </p:cNvPr>
+                <p:cNvSpPr/>
+                <p:nvPr/>
+              </p:nvSpPr>
+              <p:spPr>
+                <a:xfrm>
+                  <a:off x="8650840" y="4202028"/>
+                  <a:ext cx="610348" cy="1541218"/>
+                </a:xfrm>
+                <a:prstGeom prst="roundRect">
+                  <a:avLst>
+                    <a:gd name="adj" fmla="val 50000"/>
+                  </a:avLst>
+                </a:prstGeom>
+                <a:solidFill>
+                  <a:schemeClr val="bg1"/>
+                </a:solidFill>
+                <a:ln w="38100">
+                  <a:solidFill>
+                    <a:schemeClr val="tx1"/>
+                  </a:solidFill>
+                </a:ln>
+              </p:spPr>
+              <p:style>
+                <a:lnRef idx="2">
+                  <a:schemeClr val="accent1">
+                    <a:shade val="15000"/>
+                  </a:schemeClr>
+                </a:lnRef>
+                <a:fillRef idx="1">
+                  <a:schemeClr val="accent1"/>
+                </a:fillRef>
+                <a:effectRef idx="0">
+                  <a:schemeClr val="accent1"/>
+                </a:effectRef>
+                <a:fontRef idx="minor">
+                  <a:schemeClr val="lt1"/>
+                </a:fontRef>
+              </p:style>
+              <p:txBody>
+                <a:bodyPr rtlCol="0" anchor="ctr"/>
+                <a:lstStyle/>
+                <a:p>
+                  <a:pPr algn="ctr"/>
+                  <a:endParaRPr lang="en-GB"/>
+                </a:p>
+              </p:txBody>
+            </p:sp>
+            <p:sp>
+              <p:nvSpPr>
+                <p:cNvPr id="37" name="Oval 36">
+                  <a:extLst>
+                    <a:ext uri="{FF2B5EF4-FFF2-40B4-BE49-F238E27FC236}">
+                      <a16:creationId xmlns:a16="http://schemas.microsoft.com/office/drawing/2014/main" id="{471201F8-306F-D460-B80E-C880A5EF91AB}"/>
+                    </a:ext>
+                  </a:extLst>
+                </p:cNvPr>
+                <p:cNvSpPr/>
+                <p:nvPr/>
+              </p:nvSpPr>
+              <p:spPr>
+                <a:xfrm>
+                  <a:off x="8714571" y="3748732"/>
+                  <a:ext cx="482886" cy="486992"/>
+                </a:xfrm>
+                <a:prstGeom prst="ellipse">
+                  <a:avLst/>
+                </a:prstGeom>
+                <a:solidFill>
+                  <a:schemeClr val="bg1"/>
+                </a:solidFill>
+                <a:ln w="38100">
+                  <a:solidFill>
+                    <a:schemeClr val="tx1"/>
+                  </a:solidFill>
+                </a:ln>
+              </p:spPr>
+              <p:style>
+                <a:lnRef idx="2">
+                  <a:schemeClr val="accent1">
+                    <a:shade val="15000"/>
+                  </a:schemeClr>
+                </a:lnRef>
+                <a:fillRef idx="1">
+                  <a:schemeClr val="accent1"/>
+                </a:fillRef>
+                <a:effectRef idx="0">
+                  <a:schemeClr val="accent1"/>
+                </a:effectRef>
+                <a:fontRef idx="minor">
+                  <a:schemeClr val="lt1"/>
+                </a:fontRef>
+              </p:style>
+              <p:txBody>
+                <a:bodyPr rtlCol="0" anchor="ctr"/>
+                <a:lstStyle/>
+                <a:p>
+                  <a:pPr algn="ctr"/>
+                  <a:endParaRPr lang="en-GB"/>
+                </a:p>
+              </p:txBody>
+            </p:sp>
+          </p:grpSp>
+          <p:grpSp>
+            <p:nvGrpSpPr>
+              <p:cNvPr id="25" name="Group 24">
+                <a:extLst>
+                  <a:ext uri="{FF2B5EF4-FFF2-40B4-BE49-F238E27FC236}">
+                    <a16:creationId xmlns:a16="http://schemas.microsoft.com/office/drawing/2014/main" id="{B12B6368-D07D-BF45-BC5E-FCC811B524A1}"/>
+                  </a:ext>
+                </a:extLst>
+              </p:cNvPr>
+              <p:cNvGrpSpPr/>
+              <p:nvPr/>
+            </p:nvGrpSpPr>
+            <p:grpSpPr>
+              <a:xfrm>
+                <a:off x="5450001" y="2896766"/>
+                <a:ext cx="236283" cy="719059"/>
+                <a:chOff x="8650840" y="3748732"/>
+                <a:chExt cx="610348" cy="1994514"/>
+              </a:xfrm>
+            </p:grpSpPr>
+            <p:sp>
+              <p:nvSpPr>
+                <p:cNvPr id="23" name="Rectangle: Rounded Corners 22">
+                  <a:extLst>
+                    <a:ext uri="{FF2B5EF4-FFF2-40B4-BE49-F238E27FC236}">
+                      <a16:creationId xmlns:a16="http://schemas.microsoft.com/office/drawing/2014/main" id="{00AD1AB6-B97F-73ED-13A9-119DAD39725F}"/>
+                    </a:ext>
+                  </a:extLst>
+                </p:cNvPr>
+                <p:cNvSpPr/>
+                <p:nvPr/>
+              </p:nvSpPr>
+              <p:spPr>
+                <a:xfrm>
+                  <a:off x="8650840" y="4202028"/>
+                  <a:ext cx="610348" cy="1541218"/>
+                </a:xfrm>
+                <a:prstGeom prst="roundRect">
+                  <a:avLst>
+                    <a:gd name="adj" fmla="val 50000"/>
+                  </a:avLst>
+                </a:prstGeom>
+                <a:solidFill>
+                  <a:schemeClr val="bg1"/>
+                </a:solidFill>
+                <a:ln w="38100">
+                  <a:solidFill>
+                    <a:schemeClr val="tx1"/>
+                  </a:solidFill>
+                </a:ln>
+              </p:spPr>
+              <p:style>
+                <a:lnRef idx="2">
+                  <a:schemeClr val="accent1">
+                    <a:shade val="15000"/>
+                  </a:schemeClr>
+                </a:lnRef>
+                <a:fillRef idx="1">
+                  <a:schemeClr val="accent1"/>
+                </a:fillRef>
+                <a:effectRef idx="0">
+                  <a:schemeClr val="accent1"/>
+                </a:effectRef>
+                <a:fontRef idx="minor">
+                  <a:schemeClr val="lt1"/>
+                </a:fontRef>
+              </p:style>
+              <p:txBody>
+                <a:bodyPr rtlCol="0" anchor="ctr"/>
+                <a:lstStyle/>
+                <a:p>
+                  <a:pPr algn="ctr"/>
+                  <a:endParaRPr lang="en-GB"/>
+                </a:p>
+              </p:txBody>
+            </p:sp>
+            <p:sp>
+              <p:nvSpPr>
+                <p:cNvPr id="24" name="Oval 23">
+                  <a:extLst>
+                    <a:ext uri="{FF2B5EF4-FFF2-40B4-BE49-F238E27FC236}">
+                      <a16:creationId xmlns:a16="http://schemas.microsoft.com/office/drawing/2014/main" id="{AB41081B-62AC-E22F-2A89-B828F23E0233}"/>
+                    </a:ext>
+                  </a:extLst>
+                </p:cNvPr>
+                <p:cNvSpPr/>
+                <p:nvPr/>
+              </p:nvSpPr>
+              <p:spPr>
+                <a:xfrm>
+                  <a:off x="8714571" y="3748732"/>
+                  <a:ext cx="482886" cy="486992"/>
+                </a:xfrm>
+                <a:prstGeom prst="ellipse">
+                  <a:avLst/>
+                </a:prstGeom>
+                <a:solidFill>
+                  <a:schemeClr val="bg1"/>
+                </a:solidFill>
+                <a:ln w="38100">
+                  <a:solidFill>
+                    <a:schemeClr val="tx1"/>
+                  </a:solidFill>
+                </a:ln>
+              </p:spPr>
+              <p:style>
+                <a:lnRef idx="2">
+                  <a:schemeClr val="accent1">
+                    <a:shade val="15000"/>
+                  </a:schemeClr>
+                </a:lnRef>
+                <a:fillRef idx="1">
+                  <a:schemeClr val="accent1"/>
+                </a:fillRef>
+                <a:effectRef idx="0">
+                  <a:schemeClr val="accent1"/>
+                </a:effectRef>
+                <a:fontRef idx="minor">
+                  <a:schemeClr val="lt1"/>
+                </a:fontRef>
+              </p:style>
+              <p:txBody>
+                <a:bodyPr rtlCol="0" anchor="ctr"/>
+                <a:lstStyle/>
+                <a:p>
+                  <a:pPr algn="ctr"/>
+                  <a:endParaRPr lang="en-GB"/>
+                </a:p>
+              </p:txBody>
+            </p:sp>
+          </p:grpSp>
+          <p:sp>
+            <p:nvSpPr>
+              <p:cNvPr id="7" name="Rectangle 6">
+                <a:extLst>
+                  <a:ext uri="{FF2B5EF4-FFF2-40B4-BE49-F238E27FC236}">
+                    <a16:creationId xmlns:a16="http://schemas.microsoft.com/office/drawing/2014/main" id="{BE1C5D55-C09A-BCE7-5678-074FD67F9164}"/>
+                  </a:ext>
+                </a:extLst>
+              </p:cNvPr>
+              <p:cNvSpPr/>
+              <p:nvPr/>
+            </p:nvSpPr>
+            <p:spPr>
+              <a:xfrm>
+                <a:off x="4940710" y="4248897"/>
+                <a:ext cx="162232" cy="278857"/>
+              </a:xfrm>
+              <a:prstGeom prst="rect">
+                <a:avLst/>
+              </a:prstGeom>
+              <a:solidFill>
+                <a:schemeClr val="bg1"/>
+              </a:solidFill>
+              <a:ln w="38100">
+                <a:solidFill>
+                  <a:schemeClr val="tx1"/>
+                </a:solidFill>
+              </a:ln>
+            </p:spPr>
+            <p:style>
+              <a:lnRef idx="2">
+                <a:schemeClr val="accent1">
+                  <a:shade val="15000"/>
+                </a:schemeClr>
+              </a:lnRef>
+              <a:fillRef idx="1">
+                <a:schemeClr val="accent1"/>
+              </a:fillRef>
+              <a:effectRef idx="0">
+                <a:schemeClr val="accent1"/>
+              </a:effectRef>
+              <a:fontRef idx="minor">
+                <a:schemeClr val="lt1"/>
+              </a:fontRef>
+            </p:style>
+            <p:txBody>
+              <a:bodyPr rtlCol="0" anchor="ctr"/>
+              <a:lstStyle/>
+              <a:p>
+                <a:pPr algn="ctr"/>
+                <a:endParaRPr lang="en-GB"/>
+              </a:p>
+            </p:txBody>
+          </p:sp>
+          <p:sp>
+            <p:nvSpPr>
+              <p:cNvPr id="8" name="Rectangle 7">
+                <a:extLst>
+                  <a:ext uri="{FF2B5EF4-FFF2-40B4-BE49-F238E27FC236}">
+                    <a16:creationId xmlns:a16="http://schemas.microsoft.com/office/drawing/2014/main" id="{771CA43E-DE0C-6CC6-97A3-CE6B484927D9}"/>
+                  </a:ext>
+                </a:extLst>
+              </p:cNvPr>
+              <p:cNvSpPr/>
+              <p:nvPr/>
+            </p:nvSpPr>
+            <p:spPr>
+              <a:xfrm>
+                <a:off x="5969822" y="4256272"/>
+                <a:ext cx="162232" cy="278857"/>
+              </a:xfrm>
+              <a:prstGeom prst="rect">
+                <a:avLst/>
+              </a:prstGeom>
+              <a:solidFill>
+                <a:schemeClr val="bg1"/>
+              </a:solidFill>
+              <a:ln w="38100">
+                <a:solidFill>
+                  <a:schemeClr val="tx1"/>
+                </a:solidFill>
+              </a:ln>
+            </p:spPr>
+            <p:style>
+              <a:lnRef idx="2">
+                <a:schemeClr val="accent1">
+                  <a:shade val="15000"/>
+                </a:schemeClr>
+              </a:lnRef>
+              <a:fillRef idx="1">
+                <a:schemeClr val="accent1"/>
+              </a:fillRef>
+              <a:effectRef idx="0">
+                <a:schemeClr val="accent1"/>
+              </a:effectRef>
+              <a:fontRef idx="minor">
+                <a:schemeClr val="lt1"/>
+              </a:fontRef>
+            </p:style>
+            <p:txBody>
+              <a:bodyPr rtlCol="0" anchor="ctr"/>
+              <a:lstStyle/>
+              <a:p>
+                <a:pPr algn="ctr"/>
+                <a:endParaRPr lang="en-GB"/>
+              </a:p>
+            </p:txBody>
+          </p:sp>
+          <p:sp>
+            <p:nvSpPr>
+              <p:cNvPr id="5" name="Trapezoid 4">
+                <a:extLst>
+                  <a:ext uri="{FF2B5EF4-FFF2-40B4-BE49-F238E27FC236}">
+                    <a16:creationId xmlns:a16="http://schemas.microsoft.com/office/drawing/2014/main" id="{0E27BA69-DFBF-0B4E-1F32-DEF126051255}"/>
+                  </a:ext>
+                </a:extLst>
+              </p:cNvPr>
+              <p:cNvSpPr/>
+              <p:nvPr/>
+            </p:nvSpPr>
+            <p:spPr>
+              <a:xfrm>
+                <a:off x="4757173" y="3218635"/>
+                <a:ext cx="1580827" cy="914400"/>
+              </a:xfrm>
+              <a:prstGeom prst="trapezoid">
+                <a:avLst>
+                  <a:gd name="adj" fmla="val 58603"/>
+                </a:avLst>
+              </a:prstGeom>
+              <a:solidFill>
+                <a:schemeClr val="bg1"/>
+              </a:solidFill>
+              <a:ln w="38100">
+                <a:solidFill>
+                  <a:schemeClr val="tx1"/>
+                </a:solidFill>
+              </a:ln>
+            </p:spPr>
+            <p:style>
+              <a:lnRef idx="2">
+                <a:schemeClr val="accent1">
+                  <a:shade val="15000"/>
+                </a:schemeClr>
+              </a:lnRef>
+              <a:fillRef idx="1">
+                <a:schemeClr val="accent1"/>
+              </a:fillRef>
+              <a:effectRef idx="0">
+                <a:schemeClr val="accent1"/>
+              </a:effectRef>
+              <a:fontRef idx="minor">
+                <a:schemeClr val="lt1"/>
+              </a:fontRef>
+            </p:style>
+            <p:txBody>
+              <a:bodyPr rtlCol="0" anchor="ctr"/>
+              <a:lstStyle/>
+              <a:p>
+                <a:pPr algn="ctr"/>
+                <a:endParaRPr lang="en-GB"/>
+              </a:p>
+            </p:txBody>
+          </p:sp>
+        </p:grpSp>
+        <p:sp>
+          <p:nvSpPr>
+            <p:cNvPr id="3" name="Rectangle 2">
+              <a:extLst>
+                <a:ext uri="{FF2B5EF4-FFF2-40B4-BE49-F238E27FC236}">
+                  <a16:creationId xmlns:a16="http://schemas.microsoft.com/office/drawing/2014/main" id="{773947CF-70F6-EC46-7288-956C6B16A841}"/>
+                </a:ext>
+              </a:extLst>
+            </p:cNvPr>
+            <p:cNvSpPr/>
+            <p:nvPr/>
+          </p:nvSpPr>
+          <p:spPr>
+            <a:xfrm>
+              <a:off x="4757173" y="4133035"/>
+              <a:ext cx="1580824" cy="101897"/>
+            </a:xfrm>
+            <a:prstGeom prst="rect">
+              <a:avLst/>
+            </a:prstGeom>
+            <a:solidFill>
+              <a:schemeClr val="bg1"/>
+            </a:solidFill>
+            <a:ln w="38100">
+              <a:solidFill>
+                <a:schemeClr val="tx1"/>
+              </a:solidFill>
+            </a:ln>
+          </p:spPr>
+          <p:style>
+            <a:lnRef idx="2">
+              <a:schemeClr val="accent1">
+                <a:shade val="15000"/>
+              </a:schemeClr>
+            </a:lnRef>
+            <a:fillRef idx="1">
+              <a:schemeClr val="accent1"/>
+            </a:fillRef>
+            <a:effectRef idx="0">
+              <a:schemeClr val="accent1"/>
+            </a:effectRef>
+            <a:fontRef idx="minor">
+              <a:schemeClr val="lt1"/>
+            </a:fontRef>
+          </p:style>
+          <p:txBody>
+            <a:bodyPr rtlCol="0" anchor="ctr"/>
+            <a:lstStyle/>
+            <a:p>
+              <a:pPr algn="ctr"/>
+              <a:endParaRPr lang="en-GB"/>
+            </a:p>
+          </p:txBody>
+        </p:sp>
+        <p:grpSp>
+          <p:nvGrpSpPr>
+            <p:cNvPr id="38" name="Group 37">
+              <a:extLst>
+                <a:ext uri="{FF2B5EF4-FFF2-40B4-BE49-F238E27FC236}">
+                  <a16:creationId xmlns:a16="http://schemas.microsoft.com/office/drawing/2014/main" id="{3B1417E5-50C0-ED67-B41E-49D47C3E06DC}"/>
+                </a:ext>
+              </a:extLst>
+            </p:cNvPr>
+            <p:cNvGrpSpPr/>
+            <p:nvPr/>
+          </p:nvGrpSpPr>
+          <p:grpSpPr>
+            <a:xfrm>
+              <a:off x="5160433" y="3591848"/>
+              <a:ext cx="770446" cy="1843180"/>
+              <a:chOff x="5160433" y="3468560"/>
+              <a:chExt cx="770446" cy="1843180"/>
+            </a:xfrm>
+          </p:grpSpPr>
+          <p:sp>
+            <p:nvSpPr>
+              <p:cNvPr id="9" name="Oval 8">
+                <a:extLst>
+                  <a:ext uri="{FF2B5EF4-FFF2-40B4-BE49-F238E27FC236}">
+                    <a16:creationId xmlns:a16="http://schemas.microsoft.com/office/drawing/2014/main" id="{2B1A2216-95C8-7A76-63E5-E0D1FB7E35DD}"/>
+                  </a:ext>
+                </a:extLst>
+              </p:cNvPr>
+              <p:cNvSpPr/>
+              <p:nvPr/>
+            </p:nvSpPr>
+            <p:spPr>
+              <a:xfrm>
+                <a:off x="5392773" y="3468560"/>
+                <a:ext cx="277402" cy="326504"/>
+              </a:xfrm>
+              <a:prstGeom prst="ellipse">
+                <a:avLst/>
+              </a:prstGeom>
+              <a:solidFill>
+                <a:schemeClr val="bg1"/>
+              </a:solidFill>
+              <a:ln w="38100">
+                <a:solidFill>
+                  <a:schemeClr val="tx1"/>
+                </a:solidFill>
+              </a:ln>
+            </p:spPr>
+            <p:style>
+              <a:lnRef idx="2">
+                <a:schemeClr val="accent1">
+                  <a:shade val="15000"/>
+                </a:schemeClr>
+              </a:lnRef>
+              <a:fillRef idx="1">
+                <a:schemeClr val="accent1"/>
+              </a:fillRef>
+              <a:effectRef idx="0">
+                <a:schemeClr val="accent1"/>
+              </a:effectRef>
+              <a:fontRef idx="minor">
+                <a:schemeClr val="lt1"/>
+              </a:fontRef>
+            </p:style>
+            <p:txBody>
+              <a:bodyPr rtlCol="0" anchor="ctr"/>
+              <a:lstStyle/>
+              <a:p>
+                <a:pPr algn="ctr"/>
+                <a:endParaRPr lang="en-GB"/>
+              </a:p>
+            </p:txBody>
+          </p:sp>
+          <p:sp>
+            <p:nvSpPr>
+              <p:cNvPr id="10" name="Oval 9">
+                <a:extLst>
+                  <a:ext uri="{FF2B5EF4-FFF2-40B4-BE49-F238E27FC236}">
+                    <a16:creationId xmlns:a16="http://schemas.microsoft.com/office/drawing/2014/main" id="{06F7EA02-EBDF-3244-A013-BEFED46A2FBF}"/>
+                  </a:ext>
+                </a:extLst>
+              </p:cNvPr>
+              <p:cNvSpPr/>
+              <p:nvPr/>
+            </p:nvSpPr>
+            <p:spPr>
+              <a:xfrm>
+                <a:off x="5226300" y="3795064"/>
+                <a:ext cx="610348" cy="1069308"/>
+              </a:xfrm>
+              <a:prstGeom prst="ellipse">
+                <a:avLst/>
+              </a:prstGeom>
+              <a:solidFill>
+                <a:schemeClr val="bg1"/>
+              </a:solidFill>
+              <a:ln w="38100">
+                <a:solidFill>
+                  <a:schemeClr val="tx1"/>
+                </a:solidFill>
+              </a:ln>
+            </p:spPr>
+            <p:style>
+              <a:lnRef idx="2">
+                <a:schemeClr val="accent1">
+                  <a:shade val="15000"/>
+                </a:schemeClr>
+              </a:lnRef>
+              <a:fillRef idx="1">
+                <a:schemeClr val="accent1"/>
+              </a:fillRef>
+              <a:effectRef idx="0">
+                <a:schemeClr val="accent1"/>
+              </a:effectRef>
+              <a:fontRef idx="minor">
+                <a:schemeClr val="lt1"/>
+              </a:fontRef>
+            </p:style>
+            <p:txBody>
+              <a:bodyPr rtlCol="0" anchor="ctr"/>
+              <a:lstStyle/>
+              <a:p>
+                <a:pPr algn="ctr"/>
+                <a:endParaRPr lang="en-GB" dirty="0"/>
+              </a:p>
+            </p:txBody>
+          </p:sp>
+          <p:cxnSp>
+            <p:nvCxnSpPr>
+              <p:cNvPr id="13" name="Straight Connector 12">
+                <a:extLst>
+                  <a:ext uri="{FF2B5EF4-FFF2-40B4-BE49-F238E27FC236}">
+                    <a16:creationId xmlns:a16="http://schemas.microsoft.com/office/drawing/2014/main" id="{19CED916-B8F9-E9E6-FE60-050FF2854269}"/>
+                  </a:ext>
+                </a:extLst>
+              </p:cNvPr>
+              <p:cNvCxnSpPr>
+                <a:cxnSpLocks/>
+              </p:cNvCxnSpPr>
+              <p:nvPr/>
+            </p:nvCxnSpPr>
+            <p:spPr>
+              <a:xfrm>
+                <a:off x="5392773" y="4143143"/>
+                <a:ext cx="0" cy="443111"/>
+              </a:xfrm>
+              <a:prstGeom prst="line">
+                <a:avLst/>
+              </a:prstGeom>
+              <a:solidFill>
+                <a:schemeClr val="bg1"/>
+              </a:solidFill>
+              <a:ln w="38100" cap="rnd">
+                <a:solidFill>
+                  <a:schemeClr val="tx1"/>
+                </a:solidFill>
+              </a:ln>
+            </p:spPr>
+            <p:style>
+              <a:lnRef idx="2">
+                <a:schemeClr val="accent1"/>
+              </a:lnRef>
+              <a:fillRef idx="0">
+                <a:schemeClr val="accent1"/>
+              </a:fillRef>
+              <a:effectRef idx="1">
+                <a:schemeClr val="accent1"/>
+              </a:effectRef>
+              <a:fontRef idx="minor">
+                <a:schemeClr val="tx1"/>
+              </a:fontRef>
+            </p:style>
+          </p:cxnSp>
+          <p:cxnSp>
+            <p:nvCxnSpPr>
+              <p:cNvPr id="16" name="Straight Connector 15">
+                <a:extLst>
+                  <a:ext uri="{FF2B5EF4-FFF2-40B4-BE49-F238E27FC236}">
+                    <a16:creationId xmlns:a16="http://schemas.microsoft.com/office/drawing/2014/main" id="{07F303CC-FEB5-65CC-8C22-42C6801EB119}"/>
+                  </a:ext>
+                </a:extLst>
+              </p:cNvPr>
+              <p:cNvCxnSpPr>
+                <a:cxnSpLocks/>
+              </p:cNvCxnSpPr>
+              <p:nvPr/>
+            </p:nvCxnSpPr>
+            <p:spPr>
+              <a:xfrm>
+                <a:off x="5670175" y="4143143"/>
+                <a:ext cx="0" cy="443111"/>
+              </a:xfrm>
+              <a:prstGeom prst="line">
+                <a:avLst/>
+              </a:prstGeom>
+              <a:solidFill>
+                <a:schemeClr val="bg1"/>
+              </a:solidFill>
+              <a:ln w="38100" cap="rnd">
+                <a:solidFill>
+                  <a:schemeClr val="tx1"/>
+                </a:solidFill>
+              </a:ln>
+            </p:spPr>
+            <p:style>
+              <a:lnRef idx="2">
+                <a:schemeClr val="accent1"/>
+              </a:lnRef>
+              <a:fillRef idx="0">
+                <a:schemeClr val="accent1"/>
+              </a:fillRef>
+              <a:effectRef idx="1">
+                <a:schemeClr val="accent1"/>
+              </a:effectRef>
+              <a:fontRef idx="minor">
+                <a:schemeClr val="tx1"/>
+              </a:fontRef>
+            </p:style>
+          </p:cxnSp>
+          <p:sp>
+            <p:nvSpPr>
+              <p:cNvPr id="11" name="Rectangle 10">
+                <a:extLst>
+                  <a:ext uri="{FF2B5EF4-FFF2-40B4-BE49-F238E27FC236}">
+                    <a16:creationId xmlns:a16="http://schemas.microsoft.com/office/drawing/2014/main" id="{344CF8A6-99D3-EAEE-F8CD-253B571EDA7F}"/>
+                  </a:ext>
+                </a:extLst>
+              </p:cNvPr>
+              <p:cNvSpPr/>
+              <p:nvPr/>
+            </p:nvSpPr>
+            <p:spPr>
+              <a:xfrm>
+                <a:off x="5160433" y="4417002"/>
+                <a:ext cx="770446" cy="894738"/>
+              </a:xfrm>
+              <a:prstGeom prst="rect">
+                <a:avLst/>
+              </a:prstGeom>
+              <a:solidFill>
+                <a:schemeClr val="bg1"/>
+              </a:solidFill>
+              <a:ln>
+                <a:noFill/>
+              </a:ln>
+            </p:spPr>
+            <p:style>
+              <a:lnRef idx="2">
+                <a:schemeClr val="accent1">
+                  <a:shade val="15000"/>
+                </a:schemeClr>
+              </a:lnRef>
+              <a:fillRef idx="1">
+                <a:schemeClr val="accent1"/>
+              </a:fillRef>
+              <a:effectRef idx="0">
+                <a:schemeClr val="accent1"/>
+              </a:effectRef>
+              <a:fontRef idx="minor">
+                <a:schemeClr val="lt1"/>
+              </a:fontRef>
+            </p:style>
+            <p:txBody>
+              <a:bodyPr rtlCol="0" anchor="ctr"/>
+              <a:lstStyle/>
+              <a:p>
+                <a:pPr algn="ctr"/>
+                <a:endParaRPr lang="en-GB"/>
+              </a:p>
+            </p:txBody>
+          </p:sp>
+          <p:cxnSp>
+            <p:nvCxnSpPr>
+              <p:cNvPr id="19" name="Straight Connector 18">
+                <a:extLst>
+                  <a:ext uri="{FF2B5EF4-FFF2-40B4-BE49-F238E27FC236}">
+                    <a16:creationId xmlns:a16="http://schemas.microsoft.com/office/drawing/2014/main" id="{9473E484-DB5E-C952-70B4-8929CC04F048}"/>
+                  </a:ext>
+                </a:extLst>
+              </p:cNvPr>
+              <p:cNvCxnSpPr>
+                <a:cxnSpLocks/>
+              </p:cNvCxnSpPr>
+              <p:nvPr/>
+            </p:nvCxnSpPr>
+            <p:spPr>
+              <a:xfrm flipH="1">
+                <a:off x="5226300" y="4417002"/>
+                <a:ext cx="610348" cy="0"/>
+              </a:xfrm>
+              <a:prstGeom prst="line">
+                <a:avLst/>
+              </a:prstGeom>
+              <a:solidFill>
+                <a:schemeClr val="bg1"/>
+              </a:solidFill>
+              <a:ln w="38100" cap="rnd">
+                <a:solidFill>
+                  <a:schemeClr val="tx1"/>
+                </a:solidFill>
+              </a:ln>
+            </p:spPr>
+            <p:style>
+              <a:lnRef idx="2">
+                <a:schemeClr val="accent1"/>
+              </a:lnRef>
+              <a:fillRef idx="0">
+                <a:schemeClr val="accent1"/>
+              </a:fillRef>
+              <a:effectRef idx="1">
+                <a:schemeClr val="accent1"/>
+              </a:effectRef>
+              <a:fontRef idx="minor">
+                <a:schemeClr val="tx1"/>
+              </a:fontRef>
+            </p:style>
+          </p:cxnSp>
+        </p:grpSp>
+      </p:grpSp>
+      <p:pic>
+        <p:nvPicPr>
+          <p:cNvPr id="15" name="Picture 14" descr="A white and black logo&#10;&#10;Description automatically generated with medium confidence">
+            <a:extLst>
+              <a:ext uri="{FF2B5EF4-FFF2-40B4-BE49-F238E27FC236}">
+                <a16:creationId xmlns:a16="http://schemas.microsoft.com/office/drawing/2014/main" id="{583D767E-93EC-B0DF-7424-29430B026971}"/>
+              </a:ext>
+            </a:extLst>
+          </p:cNvPr>
+          <p:cNvPicPr>
+            <a:picLocks noChangeAspect="1"/>
+          </p:cNvPicPr>
+          <p:nvPr/>
+        </p:nvPicPr>
+        <p:blipFill rotWithShape="1">
+          <a:blip r:embed="rId3">
+            <a:extLst>
+              <a:ext uri="{28A0092B-C50C-407E-A947-70E740481C1C}">
+                <a14:useLocalDpi xmlns:a14="http://schemas.microsoft.com/office/drawing/2010/main" val="0"/>
+              </a:ext>
+            </a:extLst>
+          </a:blip>
+          <a:srcRect b="33318"/>
+          <a:stretch/>
+        </p:blipFill>
+        <p:spPr>
+          <a:xfrm>
+            <a:off x="7975436" y="2905196"/>
+            <a:ext cx="1823276" cy="1705437"/>
+          </a:xfrm>
+          <a:prstGeom prst="rect">
+            <a:avLst/>
+          </a:prstGeom>
+        </p:spPr>
+      </p:pic>
+    </p:spTree>
+    <p:extLst>
+      <p:ext uri="{BB962C8B-B14F-4D97-AF65-F5344CB8AC3E}">
+        <p14:creationId xmlns:p14="http://schemas.microsoft.com/office/powerpoint/2010/main" val="3887078222"/>
+      </p:ext>
+    </p:extLst>
+  </p:cSld>
+  <p:clrMapOvr>
+    <a:masterClrMapping/>
+  </p:clrMapOvr>
+</p:sld>
+</file>
+
+<file path=ppt/slides/slide4.xml><?xml version="1.0" encoding="utf-8"?>
+<p:sld xmlns:a="http://schemas.openxmlformats.org/drawingml/2006/main" xmlns:r="http://schemas.openxmlformats.org/officeDocument/2006/relationships" xmlns:p="http://schemas.openxmlformats.org/presentationml/2006/main">
+  <p:cSld>
+    <p:spTree>
+      <p:nvGrpSpPr>
+        <p:cNvPr id="1" name=""/>
+        <p:cNvGrpSpPr/>
+        <p:nvPr/>
+      </p:nvGrpSpPr>
+      <p:grpSpPr>
+        <a:xfrm>
+          <a:off x="0" y="0"/>
+          <a:ext cx="0" cy="0"/>
+          <a:chOff x="0" y="0"/>
+          <a:chExt cx="0" cy="0"/>
+        </a:xfrm>
+      </p:grpSpPr>
+      <p:sp>
+        <p:nvSpPr>
+          <p:cNvPr id="2" name="TextBox 1">
+            <a:extLst>
+              <a:ext uri="{FF2B5EF4-FFF2-40B4-BE49-F238E27FC236}">
+                <a16:creationId xmlns:a16="http://schemas.microsoft.com/office/drawing/2014/main" id="{EF13894E-42C5-135D-CE5C-A195C36568EB}"/>
+              </a:ext>
+            </a:extLst>
+          </p:cNvPr>
+          <p:cNvSpPr txBox="1"/>
+          <p:nvPr/>
+        </p:nvSpPr>
+        <p:spPr>
+          <a:xfrm>
+            <a:off x="7477629" y="662491"/>
+            <a:ext cx="4057650" cy="369332"/>
+          </a:xfrm>
+          <a:prstGeom prst="rect">
+            <a:avLst/>
+          </a:prstGeom>
+          <a:noFill/>
+        </p:spPr>
+        <p:txBody>
+          <a:bodyPr wrap="square" rtlCol="0">
+            <a:spAutoFit/>
+          </a:bodyPr>
+          <a:lstStyle/>
+          <a:p>
+            <a:r>
+              <a:rPr lang="en-US" dirty="0" err="1"/>
+              <a:t>jcieicon</a:t>
+            </a:r>
+            <a:endParaRPr lang="en-GB" dirty="0"/>
+          </a:p>
+        </p:txBody>
+      </p:sp>
+      <p:pic>
+        <p:nvPicPr>
+          <p:cNvPr id="5" name="Picture 4">
+            <a:extLst>
+              <a:ext uri="{FF2B5EF4-FFF2-40B4-BE49-F238E27FC236}">
+                <a16:creationId xmlns:a16="http://schemas.microsoft.com/office/drawing/2014/main" id="{F777AADF-1726-701E-5DB2-904F790B61C9}"/>
+              </a:ext>
+            </a:extLst>
+          </p:cNvPr>
+          <p:cNvPicPr>
+            <a:picLocks noChangeAspect="1"/>
+          </p:cNvPicPr>
+          <p:nvPr/>
+        </p:nvPicPr>
+        <p:blipFill>
+          <a:blip r:embed="rId2"/>
+          <a:stretch>
+            <a:fillRect/>
+          </a:stretch>
+        </p:blipFill>
+        <p:spPr>
+          <a:xfrm>
+            <a:off x="656721" y="640552"/>
+            <a:ext cx="3620005" cy="3477110"/>
+          </a:xfrm>
+          <a:prstGeom prst="rect">
+            <a:avLst/>
+          </a:prstGeom>
+        </p:spPr>
+      </p:pic>
+      <p:grpSp>
+        <p:nvGrpSpPr>
+          <p:cNvPr id="27" name="Group 26">
+            <a:extLst>
+              <a:ext uri="{FF2B5EF4-FFF2-40B4-BE49-F238E27FC236}">
+                <a16:creationId xmlns:a16="http://schemas.microsoft.com/office/drawing/2014/main" id="{C3F3D3EC-ECAB-33AB-AE2E-C327B1863E81}"/>
+              </a:ext>
+            </a:extLst>
+          </p:cNvPr>
+          <p:cNvGrpSpPr/>
+          <p:nvPr/>
+        </p:nvGrpSpPr>
+        <p:grpSpPr>
+          <a:xfrm>
+            <a:off x="6023113" y="2379107"/>
+            <a:ext cx="2539554" cy="2178875"/>
+            <a:chOff x="6023113" y="2379107"/>
+            <a:chExt cx="2539554" cy="2178875"/>
+          </a:xfrm>
+        </p:grpSpPr>
+        <p:sp>
+          <p:nvSpPr>
+            <p:cNvPr id="17" name="Trapezoid 16">
+              <a:extLst>
+                <a:ext uri="{FF2B5EF4-FFF2-40B4-BE49-F238E27FC236}">
+                  <a16:creationId xmlns:a16="http://schemas.microsoft.com/office/drawing/2014/main" id="{E7A988A5-7CBE-BF3A-C780-3935A5556277}"/>
+                </a:ext>
+              </a:extLst>
+            </p:cNvPr>
+            <p:cNvSpPr/>
+            <p:nvPr/>
+          </p:nvSpPr>
+          <p:spPr>
+            <a:xfrm>
+              <a:off x="7624423" y="3360502"/>
+              <a:ext cx="837172" cy="1197480"/>
+            </a:xfrm>
+            <a:prstGeom prst="trapezoid">
+              <a:avLst>
+                <a:gd name="adj" fmla="val 30732"/>
+              </a:avLst>
+            </a:prstGeom>
+            <a:solidFill>
+              <a:schemeClr val="bg1"/>
+            </a:solidFill>
+            <a:ln w="38100">
+              <a:solidFill>
+                <a:schemeClr val="tx1"/>
+              </a:solidFill>
+            </a:ln>
+          </p:spPr>
+          <p:style>
+            <a:lnRef idx="2">
+              <a:schemeClr val="accent1">
+                <a:shade val="15000"/>
+              </a:schemeClr>
+            </a:lnRef>
+            <a:fillRef idx="1">
+              <a:schemeClr val="accent1"/>
+            </a:fillRef>
+            <a:effectRef idx="0">
+              <a:schemeClr val="accent1"/>
+            </a:effectRef>
+            <a:fontRef idx="minor">
+              <a:schemeClr val="lt1"/>
+            </a:fontRef>
+          </p:style>
+          <p:txBody>
+            <a:bodyPr rtlCol="0" anchor="ctr"/>
+            <a:lstStyle/>
+            <a:p>
+              <a:pPr algn="ctr"/>
+              <a:endParaRPr lang="en-GB"/>
+            </a:p>
+          </p:txBody>
+        </p:sp>
+        <p:sp>
+          <p:nvSpPr>
+            <p:cNvPr id="4" name="Rectangle: Rounded Corners 3">
+              <a:extLst>
+                <a:ext uri="{FF2B5EF4-FFF2-40B4-BE49-F238E27FC236}">
+                  <a16:creationId xmlns:a16="http://schemas.microsoft.com/office/drawing/2014/main" id="{4DF5A90E-2DA4-A04E-C741-3A9E4BB725E1}"/>
+                </a:ext>
+              </a:extLst>
+            </p:cNvPr>
+            <p:cNvSpPr/>
+            <p:nvPr/>
+          </p:nvSpPr>
+          <p:spPr>
+            <a:xfrm>
+              <a:off x="6096000" y="4255111"/>
+              <a:ext cx="1496992" cy="150471"/>
+            </a:xfrm>
+            <a:prstGeom prst="roundRect">
+              <a:avLst/>
+            </a:prstGeom>
+            <a:solidFill>
+              <a:schemeClr val="bg1"/>
+            </a:solidFill>
+            <a:ln w="38100">
+              <a:solidFill>
+                <a:schemeClr val="tx1"/>
+              </a:solidFill>
+            </a:ln>
+          </p:spPr>
+          <p:style>
+            <a:lnRef idx="2">
+              <a:schemeClr val="accent1">
+                <a:shade val="15000"/>
+              </a:schemeClr>
+            </a:lnRef>
+            <a:fillRef idx="1">
+              <a:schemeClr val="accent1"/>
+            </a:fillRef>
+            <a:effectRef idx="0">
+              <a:schemeClr val="accent1"/>
+            </a:effectRef>
+            <a:fontRef idx="minor">
+              <a:schemeClr val="lt1"/>
+            </a:fontRef>
+          </p:style>
+          <p:txBody>
+            <a:bodyPr rtlCol="0" anchor="ctr"/>
+            <a:lstStyle/>
+            <a:p>
+              <a:pPr algn="ctr"/>
+              <a:endParaRPr lang="en-GB"/>
+            </a:p>
+          </p:txBody>
+        </p:sp>
+        <p:sp>
+          <p:nvSpPr>
+            <p:cNvPr id="6" name="Rectangle: Rounded Corners 5">
+              <a:extLst>
+                <a:ext uri="{FF2B5EF4-FFF2-40B4-BE49-F238E27FC236}">
+                  <a16:creationId xmlns:a16="http://schemas.microsoft.com/office/drawing/2014/main" id="{D49F7751-EA4E-3D5D-EE32-30C893804F28}"/>
+                </a:ext>
+              </a:extLst>
+            </p:cNvPr>
+            <p:cNvSpPr/>
+            <p:nvPr/>
+          </p:nvSpPr>
+          <p:spPr>
+            <a:xfrm>
+              <a:off x="6273478" y="4407511"/>
+              <a:ext cx="1192193" cy="150471"/>
+            </a:xfrm>
+            <a:prstGeom prst="roundRect">
+              <a:avLst/>
+            </a:prstGeom>
+            <a:solidFill>
+              <a:schemeClr val="bg1"/>
+            </a:solidFill>
+            <a:ln w="38100">
+              <a:solidFill>
+                <a:schemeClr val="tx1"/>
+              </a:solidFill>
+            </a:ln>
+          </p:spPr>
+          <p:style>
+            <a:lnRef idx="2">
+              <a:schemeClr val="accent1">
+                <a:shade val="15000"/>
+              </a:schemeClr>
+            </a:lnRef>
+            <a:fillRef idx="1">
+              <a:schemeClr val="accent1"/>
+            </a:fillRef>
+            <a:effectRef idx="0">
+              <a:schemeClr val="accent1"/>
+            </a:effectRef>
+            <a:fontRef idx="minor">
+              <a:schemeClr val="lt1"/>
+            </a:fontRef>
+          </p:style>
+          <p:txBody>
+            <a:bodyPr rtlCol="0" anchor="ctr"/>
+            <a:lstStyle/>
+            <a:p>
+              <a:pPr algn="ctr"/>
+              <a:endParaRPr lang="en-GB"/>
+            </a:p>
+          </p:txBody>
+        </p:sp>
+        <p:sp>
+          <p:nvSpPr>
+            <p:cNvPr id="7" name="Arc 6">
+              <a:extLst>
+                <a:ext uri="{FF2B5EF4-FFF2-40B4-BE49-F238E27FC236}">
+                  <a16:creationId xmlns:a16="http://schemas.microsoft.com/office/drawing/2014/main" id="{66C50F20-D637-0335-494E-353BC1C593E8}"/>
+                </a:ext>
+              </a:extLst>
+            </p:cNvPr>
+            <p:cNvSpPr/>
+            <p:nvPr/>
+          </p:nvSpPr>
+          <p:spPr>
+            <a:xfrm rot="10800000">
+              <a:off x="6096000" y="3819211"/>
+              <a:ext cx="2349660" cy="402189"/>
+            </a:xfrm>
+            <a:prstGeom prst="arc">
+              <a:avLst>
+                <a:gd name="adj1" fmla="val 16200000"/>
+                <a:gd name="adj2" fmla="val 21303432"/>
+              </a:avLst>
+            </a:prstGeom>
+            <a:noFill/>
+            <a:ln>
+              <a:solidFill>
+                <a:schemeClr val="tx1"/>
+              </a:solidFill>
+            </a:ln>
+          </p:spPr>
+          <p:style>
+            <a:lnRef idx="2">
+              <a:schemeClr val="accent1"/>
+            </a:lnRef>
+            <a:fillRef idx="0">
+              <a:schemeClr val="accent1"/>
+            </a:fillRef>
+            <a:effectRef idx="1">
+              <a:schemeClr val="accent1"/>
+            </a:effectRef>
+            <a:fontRef idx="minor">
+              <a:schemeClr val="tx1"/>
+            </a:fontRef>
+          </p:style>
+          <p:txBody>
+            <a:bodyPr rtlCol="0" anchor="ctr"/>
+            <a:lstStyle/>
+            <a:p>
+              <a:pPr algn="ctr"/>
+              <a:endParaRPr lang="en-GB"/>
+            </a:p>
+          </p:txBody>
+        </p:sp>
+        <p:sp>
+          <p:nvSpPr>
+            <p:cNvPr id="8" name="Arc 7">
+              <a:extLst>
+                <a:ext uri="{FF2B5EF4-FFF2-40B4-BE49-F238E27FC236}">
+                  <a16:creationId xmlns:a16="http://schemas.microsoft.com/office/drawing/2014/main" id="{5E929E79-F424-A058-C075-9F7D78254296}"/>
+                </a:ext>
+              </a:extLst>
+            </p:cNvPr>
+            <p:cNvSpPr/>
+            <p:nvPr/>
+          </p:nvSpPr>
+          <p:spPr>
+            <a:xfrm rot="12566809">
+              <a:off x="6195270" y="4127737"/>
+              <a:ext cx="427006" cy="118346"/>
+            </a:xfrm>
+            <a:prstGeom prst="arc">
+              <a:avLst>
+                <a:gd name="adj1" fmla="val 16200000"/>
+                <a:gd name="adj2" fmla="val 21303432"/>
+              </a:avLst>
+            </a:prstGeom>
+            <a:noFill/>
+            <a:ln>
+              <a:solidFill>
+                <a:schemeClr val="tx1"/>
+              </a:solidFill>
+            </a:ln>
+          </p:spPr>
+          <p:style>
+            <a:lnRef idx="2">
+              <a:schemeClr val="accent1"/>
+            </a:lnRef>
+            <a:fillRef idx="0">
+              <a:schemeClr val="accent1"/>
+            </a:fillRef>
+            <a:effectRef idx="1">
+              <a:schemeClr val="accent1"/>
+            </a:effectRef>
+            <a:fontRef idx="minor">
+              <a:schemeClr val="tx1"/>
+            </a:fontRef>
+          </p:style>
+          <p:txBody>
+            <a:bodyPr rtlCol="0" anchor="ctr"/>
+            <a:lstStyle/>
+            <a:p>
+              <a:pPr algn="ctr"/>
+              <a:endParaRPr lang="en-GB"/>
+            </a:p>
+          </p:txBody>
+        </p:sp>
+        <p:sp>
+          <p:nvSpPr>
+            <p:cNvPr id="9" name="Oval 8">
+              <a:extLst>
+                <a:ext uri="{FF2B5EF4-FFF2-40B4-BE49-F238E27FC236}">
+                  <a16:creationId xmlns:a16="http://schemas.microsoft.com/office/drawing/2014/main" id="{E30E871E-B82F-1B5A-29E1-0F68590CEFCC}"/>
+                </a:ext>
+              </a:extLst>
+            </p:cNvPr>
+            <p:cNvSpPr/>
+            <p:nvPr/>
+          </p:nvSpPr>
+          <p:spPr>
+            <a:xfrm rot="20877232">
+              <a:off x="7368912" y="2772168"/>
+              <a:ext cx="870255" cy="871870"/>
+            </a:xfrm>
+            <a:prstGeom prst="ellipse">
+              <a:avLst/>
+            </a:prstGeom>
+            <a:solidFill>
+              <a:schemeClr val="bg1"/>
+            </a:solidFill>
+            <a:ln w="38100">
+              <a:solidFill>
+                <a:schemeClr val="tx1"/>
+              </a:solidFill>
+            </a:ln>
+          </p:spPr>
+          <p:style>
+            <a:lnRef idx="2">
+              <a:schemeClr val="accent1">
+                <a:shade val="15000"/>
+              </a:schemeClr>
+            </a:lnRef>
+            <a:fillRef idx="1">
+              <a:schemeClr val="accent1"/>
+            </a:fillRef>
+            <a:effectRef idx="0">
+              <a:schemeClr val="accent1"/>
+            </a:effectRef>
+            <a:fontRef idx="minor">
+              <a:schemeClr val="lt1"/>
+            </a:fontRef>
+          </p:style>
+          <p:txBody>
+            <a:bodyPr rtlCol="0" anchor="ctr"/>
+            <a:lstStyle/>
+            <a:p>
+              <a:pPr algn="ctr"/>
+              <a:endParaRPr lang="en-GB"/>
+            </a:p>
+          </p:txBody>
+        </p:sp>
+        <p:sp>
+          <p:nvSpPr>
+            <p:cNvPr id="10" name="Oval 9">
+              <a:extLst>
+                <a:ext uri="{FF2B5EF4-FFF2-40B4-BE49-F238E27FC236}">
+                  <a16:creationId xmlns:a16="http://schemas.microsoft.com/office/drawing/2014/main" id="{47C0CFD8-0511-8DF2-B23B-E93EA06EEDBF}"/>
+                </a:ext>
+              </a:extLst>
+            </p:cNvPr>
+            <p:cNvSpPr/>
+            <p:nvPr/>
+          </p:nvSpPr>
+          <p:spPr>
+            <a:xfrm rot="20877232">
+              <a:off x="7257506" y="3211944"/>
+              <a:ext cx="159491" cy="159494"/>
+            </a:xfrm>
+            <a:prstGeom prst="ellipse">
+              <a:avLst/>
+            </a:prstGeom>
+            <a:solidFill>
+              <a:schemeClr val="bg1"/>
+            </a:solidFill>
+            <a:ln w="38100">
+              <a:solidFill>
+                <a:schemeClr val="tx1"/>
+              </a:solidFill>
+            </a:ln>
+          </p:spPr>
+          <p:style>
+            <a:lnRef idx="2">
+              <a:schemeClr val="accent1">
+                <a:shade val="15000"/>
+              </a:schemeClr>
+            </a:lnRef>
+            <a:fillRef idx="1">
+              <a:schemeClr val="accent1"/>
+            </a:fillRef>
+            <a:effectRef idx="0">
+              <a:schemeClr val="accent1"/>
+            </a:effectRef>
+            <a:fontRef idx="minor">
+              <a:schemeClr val="lt1"/>
+            </a:fontRef>
+          </p:style>
+          <p:txBody>
+            <a:bodyPr rtlCol="0" anchor="ctr"/>
+            <a:lstStyle/>
+            <a:p>
+              <a:pPr algn="ctr"/>
+              <a:endParaRPr lang="en-GB"/>
+            </a:p>
+          </p:txBody>
+        </p:sp>
+        <p:sp>
+          <p:nvSpPr>
+            <p:cNvPr id="11" name="Oval 10">
+              <a:extLst>
+                <a:ext uri="{FF2B5EF4-FFF2-40B4-BE49-F238E27FC236}">
+                  <a16:creationId xmlns:a16="http://schemas.microsoft.com/office/drawing/2014/main" id="{A81D3138-C86B-70B6-23EE-2E3B105707B4}"/>
+                </a:ext>
+              </a:extLst>
+            </p:cNvPr>
+            <p:cNvSpPr/>
+            <p:nvPr/>
+          </p:nvSpPr>
+          <p:spPr>
+            <a:xfrm rot="20877232">
+              <a:off x="7562878" y="3091377"/>
+              <a:ext cx="54599" cy="64076"/>
+            </a:xfrm>
+            <a:prstGeom prst="ellipse">
+              <a:avLst/>
+            </a:prstGeom>
+            <a:solidFill>
+              <a:schemeClr val="tx1"/>
+            </a:solidFill>
+            <a:ln w="38100">
+              <a:solidFill>
+                <a:schemeClr val="tx1"/>
+              </a:solidFill>
+            </a:ln>
+          </p:spPr>
+          <p:style>
+            <a:lnRef idx="2">
+              <a:schemeClr val="accent1">
+                <a:shade val="15000"/>
+              </a:schemeClr>
+            </a:lnRef>
+            <a:fillRef idx="1">
+              <a:schemeClr val="accent1"/>
+            </a:fillRef>
+            <a:effectRef idx="0">
+              <a:schemeClr val="accent1"/>
+            </a:effectRef>
+            <a:fontRef idx="minor">
+              <a:schemeClr val="lt1"/>
+            </a:fontRef>
+          </p:style>
+          <p:txBody>
+            <a:bodyPr rtlCol="0" anchor="ctr"/>
+            <a:lstStyle/>
+            <a:p>
+              <a:pPr algn="ctr"/>
+              <a:endParaRPr lang="en-GB"/>
+            </a:p>
+          </p:txBody>
+        </p:sp>
+        <p:sp>
+          <p:nvSpPr>
+            <p:cNvPr id="12" name="Rectangle 11">
+              <a:extLst>
+                <a:ext uri="{FF2B5EF4-FFF2-40B4-BE49-F238E27FC236}">
+                  <a16:creationId xmlns:a16="http://schemas.microsoft.com/office/drawing/2014/main" id="{643792B4-663F-7EC1-F948-3182622D21AF}"/>
+                </a:ext>
+              </a:extLst>
+            </p:cNvPr>
+            <p:cNvSpPr/>
+            <p:nvPr/>
+          </p:nvSpPr>
+          <p:spPr>
+            <a:xfrm rot="20877232" flipH="1">
+              <a:off x="7328556" y="3216633"/>
+              <a:ext cx="125453" cy="122590"/>
+            </a:xfrm>
+            <a:prstGeom prst="rect">
+              <a:avLst/>
+            </a:prstGeom>
+            <a:solidFill>
+              <a:schemeClr val="bg1"/>
+            </a:solidFill>
+            <a:ln>
+              <a:noFill/>
+            </a:ln>
+          </p:spPr>
+          <p:style>
+            <a:lnRef idx="2">
+              <a:schemeClr val="accent1">
+                <a:shade val="15000"/>
+              </a:schemeClr>
+            </a:lnRef>
+            <a:fillRef idx="1">
+              <a:schemeClr val="accent1"/>
+            </a:fillRef>
+            <a:effectRef idx="0">
+              <a:schemeClr val="accent1"/>
+            </a:effectRef>
+            <a:fontRef idx="minor">
+              <a:schemeClr val="lt1"/>
+            </a:fontRef>
+          </p:style>
+          <p:txBody>
+            <a:bodyPr rtlCol="0" anchor="ctr"/>
+            <a:lstStyle/>
+            <a:p>
+              <a:pPr algn="ctr"/>
+              <a:endParaRPr lang="en-GB"/>
+            </a:p>
+          </p:txBody>
+        </p:sp>
+        <p:sp>
+          <p:nvSpPr>
+            <p:cNvPr id="13" name="Arc 12">
+              <a:extLst>
+                <a:ext uri="{FF2B5EF4-FFF2-40B4-BE49-F238E27FC236}">
+                  <a16:creationId xmlns:a16="http://schemas.microsoft.com/office/drawing/2014/main" id="{25F6A9DE-EC8D-F1B2-5E2F-866E2090CEA5}"/>
+                </a:ext>
+              </a:extLst>
+            </p:cNvPr>
+            <p:cNvSpPr/>
+            <p:nvPr/>
+          </p:nvSpPr>
+          <p:spPr>
+            <a:xfrm rot="7907330">
+              <a:off x="7391524" y="3300154"/>
+              <a:ext cx="427006" cy="118346"/>
+            </a:xfrm>
+            <a:prstGeom prst="arc">
+              <a:avLst>
+                <a:gd name="adj1" fmla="val 16200000"/>
+                <a:gd name="adj2" fmla="val 21303432"/>
+              </a:avLst>
+            </a:prstGeom>
+            <a:solidFill>
+              <a:schemeClr val="bg1"/>
+            </a:solidFill>
+            <a:ln>
+              <a:solidFill>
+                <a:schemeClr val="tx1"/>
+              </a:solidFill>
+            </a:ln>
+          </p:spPr>
+          <p:style>
+            <a:lnRef idx="2">
+              <a:schemeClr val="accent1"/>
+            </a:lnRef>
+            <a:fillRef idx="0">
+              <a:schemeClr val="accent1"/>
+            </a:fillRef>
+            <a:effectRef idx="1">
+              <a:schemeClr val="accent1"/>
+            </a:effectRef>
+            <a:fontRef idx="minor">
+              <a:schemeClr val="tx1"/>
+            </a:fontRef>
+          </p:style>
+          <p:txBody>
+            <a:bodyPr rtlCol="0" anchor="ctr"/>
+            <a:lstStyle/>
+            <a:p>
+              <a:pPr algn="ctr"/>
+              <a:endParaRPr lang="en-GB"/>
+            </a:p>
+          </p:txBody>
+        </p:sp>
+        <p:sp>
+          <p:nvSpPr>
+            <p:cNvPr id="14" name="Oval 13">
+              <a:extLst>
+                <a:ext uri="{FF2B5EF4-FFF2-40B4-BE49-F238E27FC236}">
+                  <a16:creationId xmlns:a16="http://schemas.microsoft.com/office/drawing/2014/main" id="{7A1E9A56-287E-6DDA-6CF5-7D231C63B4F1}"/>
+                </a:ext>
+              </a:extLst>
+            </p:cNvPr>
+            <p:cNvSpPr/>
+            <p:nvPr/>
+          </p:nvSpPr>
+          <p:spPr>
+            <a:xfrm rot="20877232">
+              <a:off x="7823112" y="3014313"/>
+              <a:ext cx="65245" cy="159494"/>
+            </a:xfrm>
+            <a:prstGeom prst="ellipse">
+              <a:avLst/>
+            </a:prstGeom>
+            <a:solidFill>
+              <a:schemeClr val="bg1"/>
+            </a:solidFill>
+            <a:ln w="38100">
+              <a:solidFill>
+                <a:schemeClr val="tx1"/>
+              </a:solidFill>
+            </a:ln>
+          </p:spPr>
+          <p:style>
+            <a:lnRef idx="2">
+              <a:schemeClr val="accent1">
+                <a:shade val="15000"/>
+              </a:schemeClr>
+            </a:lnRef>
+            <a:fillRef idx="1">
+              <a:schemeClr val="accent1"/>
+            </a:fillRef>
+            <a:effectRef idx="0">
+              <a:schemeClr val="accent1"/>
+            </a:effectRef>
+            <a:fontRef idx="minor">
+              <a:schemeClr val="lt1"/>
+            </a:fontRef>
+          </p:style>
+          <p:txBody>
+            <a:bodyPr rtlCol="0" anchor="ctr"/>
+            <a:lstStyle/>
+            <a:p>
+              <a:pPr algn="ctr"/>
+              <a:endParaRPr lang="en-GB"/>
+            </a:p>
+          </p:txBody>
+        </p:sp>
+        <p:sp>
+          <p:nvSpPr>
+            <p:cNvPr id="18" name="Rectangle 17">
+              <a:extLst>
+                <a:ext uri="{FF2B5EF4-FFF2-40B4-BE49-F238E27FC236}">
+                  <a16:creationId xmlns:a16="http://schemas.microsoft.com/office/drawing/2014/main" id="{033AF877-9D20-FA18-1CF0-5EFBACE58138}"/>
+                </a:ext>
+              </a:extLst>
+            </p:cNvPr>
+            <p:cNvSpPr/>
+            <p:nvPr/>
+          </p:nvSpPr>
+          <p:spPr>
+            <a:xfrm rot="381774">
+              <a:off x="7802801" y="3326852"/>
+              <a:ext cx="396308" cy="311301"/>
+            </a:xfrm>
+            <a:prstGeom prst="rect">
+              <a:avLst/>
+            </a:prstGeom>
+            <a:solidFill>
+              <a:schemeClr val="bg1"/>
+            </a:solidFill>
+            <a:ln>
+              <a:noFill/>
+            </a:ln>
+          </p:spPr>
+          <p:style>
+            <a:lnRef idx="2">
+              <a:schemeClr val="accent1">
+                <a:shade val="15000"/>
+              </a:schemeClr>
+            </a:lnRef>
+            <a:fillRef idx="1">
+              <a:schemeClr val="accent1"/>
+            </a:fillRef>
+            <a:effectRef idx="0">
+              <a:schemeClr val="accent1"/>
+            </a:effectRef>
+            <a:fontRef idx="minor">
+              <a:schemeClr val="lt1"/>
+            </a:fontRef>
+          </p:style>
+          <p:txBody>
+            <a:bodyPr rtlCol="0" anchor="ctr"/>
+            <a:lstStyle/>
+            <a:p>
+              <a:pPr algn="ctr"/>
+              <a:endParaRPr lang="en-GB"/>
+            </a:p>
+          </p:txBody>
+        </p:sp>
+        <p:sp>
+          <p:nvSpPr>
+            <p:cNvPr id="19" name="Arc 18">
+              <a:extLst>
+                <a:ext uri="{FF2B5EF4-FFF2-40B4-BE49-F238E27FC236}">
+                  <a16:creationId xmlns:a16="http://schemas.microsoft.com/office/drawing/2014/main" id="{C8F39C31-EF90-B395-C710-BF715C9ADCE8}"/>
+                </a:ext>
+              </a:extLst>
+            </p:cNvPr>
+            <p:cNvSpPr/>
+            <p:nvPr/>
+          </p:nvSpPr>
+          <p:spPr>
+            <a:xfrm rot="20576947" flipV="1">
+              <a:off x="7374322" y="3490655"/>
+              <a:ext cx="901758" cy="327396"/>
+            </a:xfrm>
+            <a:prstGeom prst="arc">
+              <a:avLst>
+                <a:gd name="adj1" fmla="val 14029910"/>
+                <a:gd name="adj2" fmla="val 21303432"/>
+              </a:avLst>
+            </a:prstGeom>
+            <a:solidFill>
+              <a:schemeClr val="bg1"/>
+            </a:solidFill>
+            <a:ln w="38100">
+              <a:solidFill>
+                <a:schemeClr val="tx1"/>
+              </a:solidFill>
+            </a:ln>
+          </p:spPr>
+          <p:style>
+            <a:lnRef idx="2">
+              <a:schemeClr val="accent1"/>
+            </a:lnRef>
+            <a:fillRef idx="0">
+              <a:schemeClr val="accent1"/>
+            </a:fillRef>
+            <a:effectRef idx="1">
+              <a:schemeClr val="accent1"/>
+            </a:effectRef>
+            <a:fontRef idx="minor">
+              <a:schemeClr val="tx1"/>
+            </a:fontRef>
+          </p:style>
+          <p:txBody>
+            <a:bodyPr rtlCol="0" anchor="ctr"/>
+            <a:lstStyle/>
+            <a:p>
+              <a:pPr algn="ctr"/>
+              <a:endParaRPr lang="en-GB"/>
+            </a:p>
+          </p:txBody>
+        </p:sp>
+        <p:sp>
+          <p:nvSpPr>
+            <p:cNvPr id="20" name="Arc 19">
+              <a:extLst>
+                <a:ext uri="{FF2B5EF4-FFF2-40B4-BE49-F238E27FC236}">
+                  <a16:creationId xmlns:a16="http://schemas.microsoft.com/office/drawing/2014/main" id="{211AF6F0-7FEF-3BF0-67F4-B555B423C21B}"/>
+                </a:ext>
+              </a:extLst>
+            </p:cNvPr>
+            <p:cNvSpPr/>
+            <p:nvPr/>
+          </p:nvSpPr>
+          <p:spPr>
+            <a:xfrm rot="21257142" flipV="1">
+              <a:off x="6408974" y="3527148"/>
+              <a:ext cx="1682922" cy="669571"/>
+            </a:xfrm>
+            <a:prstGeom prst="arc">
+              <a:avLst>
+                <a:gd name="adj1" fmla="val 14029910"/>
+                <a:gd name="adj2" fmla="val 21459684"/>
+              </a:avLst>
+            </a:prstGeom>
+            <a:noFill/>
+            <a:ln w="57150">
+              <a:solidFill>
+                <a:schemeClr val="tx1"/>
+              </a:solidFill>
+            </a:ln>
+          </p:spPr>
+          <p:style>
+            <a:lnRef idx="2">
+              <a:schemeClr val="accent1"/>
+            </a:lnRef>
+            <a:fillRef idx="0">
+              <a:schemeClr val="accent1"/>
+            </a:fillRef>
+            <a:effectRef idx="1">
+              <a:schemeClr val="accent1"/>
+            </a:effectRef>
+            <a:fontRef idx="minor">
+              <a:schemeClr val="tx1"/>
+            </a:fontRef>
+          </p:style>
+          <p:txBody>
+            <a:bodyPr rtlCol="0" anchor="ctr"/>
+            <a:lstStyle/>
+            <a:p>
+              <a:pPr algn="ctr"/>
+              <a:endParaRPr lang="en-GB"/>
+            </a:p>
+          </p:txBody>
+        </p:sp>
+        <p:sp>
+          <p:nvSpPr>
+            <p:cNvPr id="21" name="Arc 20">
+              <a:extLst>
+                <a:ext uri="{FF2B5EF4-FFF2-40B4-BE49-F238E27FC236}">
+                  <a16:creationId xmlns:a16="http://schemas.microsoft.com/office/drawing/2014/main" id="{5B92BEEB-C949-7816-CCDF-EC27711E96C7}"/>
+                </a:ext>
+              </a:extLst>
+            </p:cNvPr>
+            <p:cNvSpPr/>
+            <p:nvPr/>
+          </p:nvSpPr>
+          <p:spPr>
+            <a:xfrm rot="21257142" flipV="1">
+              <a:off x="6353870" y="3492796"/>
+              <a:ext cx="1446455" cy="669571"/>
+            </a:xfrm>
+            <a:prstGeom prst="arc">
+              <a:avLst>
+                <a:gd name="adj1" fmla="val 14029910"/>
+                <a:gd name="adj2" fmla="val 21459684"/>
+              </a:avLst>
+            </a:prstGeom>
+            <a:noFill/>
+            <a:ln w="57150">
+              <a:solidFill>
+                <a:schemeClr val="tx1"/>
+              </a:solidFill>
+            </a:ln>
+          </p:spPr>
+          <p:style>
+            <a:lnRef idx="2">
+              <a:schemeClr val="accent1"/>
+            </a:lnRef>
+            <a:fillRef idx="0">
+              <a:schemeClr val="accent1"/>
+            </a:fillRef>
+            <a:effectRef idx="1">
+              <a:schemeClr val="accent1"/>
+            </a:effectRef>
+            <a:fontRef idx="minor">
+              <a:schemeClr val="tx1"/>
+            </a:fontRef>
+          </p:style>
+          <p:txBody>
+            <a:bodyPr rtlCol="0" anchor="ctr"/>
+            <a:lstStyle/>
+            <a:p>
+              <a:pPr algn="ctr"/>
+              <a:endParaRPr lang="en-GB"/>
+            </a:p>
+          </p:txBody>
+        </p:sp>
+        <p:sp>
+          <p:nvSpPr>
+            <p:cNvPr id="15" name="Rectangle: Rounded Corners 14">
+              <a:extLst>
+                <a:ext uri="{FF2B5EF4-FFF2-40B4-BE49-F238E27FC236}">
+                  <a16:creationId xmlns:a16="http://schemas.microsoft.com/office/drawing/2014/main" id="{D97C14F1-ECF2-E5BD-B9B1-CDEF1E41DEE3}"/>
+                </a:ext>
+              </a:extLst>
+            </p:cNvPr>
+            <p:cNvSpPr/>
+            <p:nvPr/>
+          </p:nvSpPr>
+          <p:spPr>
+            <a:xfrm rot="5400000">
+              <a:off x="8057022" y="4052338"/>
+              <a:ext cx="833811" cy="177478"/>
+            </a:xfrm>
+            <a:prstGeom prst="roundRect">
+              <a:avLst/>
+            </a:prstGeom>
+            <a:solidFill>
+              <a:schemeClr val="bg1"/>
+            </a:solidFill>
+            <a:ln w="38100">
+              <a:solidFill>
+                <a:schemeClr val="tx1"/>
+              </a:solidFill>
+            </a:ln>
+          </p:spPr>
+          <p:style>
+            <a:lnRef idx="2">
+              <a:schemeClr val="accent1">
+                <a:shade val="15000"/>
+              </a:schemeClr>
+            </a:lnRef>
+            <a:fillRef idx="1">
+              <a:schemeClr val="accent1"/>
+            </a:fillRef>
+            <a:effectRef idx="0">
+              <a:schemeClr val="accent1"/>
+            </a:effectRef>
+            <a:fontRef idx="minor">
+              <a:schemeClr val="lt1"/>
+            </a:fontRef>
+          </p:style>
+          <p:txBody>
+            <a:bodyPr rtlCol="0" anchor="ctr"/>
+            <a:lstStyle/>
+            <a:p>
+              <a:pPr algn="ctr"/>
+              <a:endParaRPr lang="en-GB"/>
+            </a:p>
+          </p:txBody>
+        </p:sp>
+        <p:sp>
+          <p:nvSpPr>
+            <p:cNvPr id="22" name="Freeform: Shape 21">
+              <a:extLst>
+                <a:ext uri="{FF2B5EF4-FFF2-40B4-BE49-F238E27FC236}">
+                  <a16:creationId xmlns:a16="http://schemas.microsoft.com/office/drawing/2014/main" id="{073F226E-D4C0-D5C3-D9EB-0B8596CEAECE}"/>
+                </a:ext>
+              </a:extLst>
+            </p:cNvPr>
+            <p:cNvSpPr/>
+            <p:nvPr/>
+          </p:nvSpPr>
+          <p:spPr>
+            <a:xfrm>
+              <a:off x="7563759" y="2713383"/>
+              <a:ext cx="805633" cy="731645"/>
+            </a:xfrm>
+            <a:custGeom>
+              <a:avLst/>
+              <a:gdLst>
+                <a:gd name="connsiteX0" fmla="*/ 0 w 865350"/>
+                <a:gd name="connsiteY0" fmla="*/ 278295 h 785191"/>
+                <a:gd name="connsiteX1" fmla="*/ 79514 w 865350"/>
+                <a:gd name="connsiteY1" fmla="*/ 258417 h 785191"/>
+                <a:gd name="connsiteX2" fmla="*/ 149087 w 865350"/>
+                <a:gd name="connsiteY2" fmla="*/ 178904 h 785191"/>
+                <a:gd name="connsiteX3" fmla="*/ 159027 w 865350"/>
+                <a:gd name="connsiteY3" fmla="*/ 139147 h 785191"/>
+                <a:gd name="connsiteX4" fmla="*/ 39757 w 865350"/>
+                <a:gd name="connsiteY4" fmla="*/ 119269 h 785191"/>
+                <a:gd name="connsiteX5" fmla="*/ 79514 w 865350"/>
+                <a:gd name="connsiteY5" fmla="*/ 149087 h 785191"/>
+                <a:gd name="connsiteX6" fmla="*/ 129209 w 865350"/>
+                <a:gd name="connsiteY6" fmla="*/ 89452 h 785191"/>
+                <a:gd name="connsiteX7" fmla="*/ 178905 w 865350"/>
+                <a:gd name="connsiteY7" fmla="*/ 159026 h 785191"/>
+                <a:gd name="connsiteX8" fmla="*/ 327992 w 865350"/>
+                <a:gd name="connsiteY8" fmla="*/ 149087 h 785191"/>
+                <a:gd name="connsiteX9" fmla="*/ 288235 w 865350"/>
+                <a:gd name="connsiteY9" fmla="*/ 129208 h 785191"/>
+                <a:gd name="connsiteX10" fmla="*/ 258418 w 865350"/>
+                <a:gd name="connsiteY10" fmla="*/ 159026 h 785191"/>
+                <a:gd name="connsiteX11" fmla="*/ 288235 w 865350"/>
+                <a:gd name="connsiteY11" fmla="*/ 168965 h 785191"/>
+                <a:gd name="connsiteX12" fmla="*/ 298174 w 865350"/>
+                <a:gd name="connsiteY12" fmla="*/ 29817 h 785191"/>
+                <a:gd name="connsiteX13" fmla="*/ 308114 w 865350"/>
+                <a:gd name="connsiteY13" fmla="*/ 69574 h 785191"/>
+                <a:gd name="connsiteX14" fmla="*/ 347870 w 865350"/>
+                <a:gd name="connsiteY14" fmla="*/ 79513 h 785191"/>
+                <a:gd name="connsiteX15" fmla="*/ 377687 w 865350"/>
+                <a:gd name="connsiteY15" fmla="*/ 29817 h 785191"/>
+                <a:gd name="connsiteX16" fmla="*/ 337931 w 865350"/>
+                <a:gd name="connsiteY16" fmla="*/ 0 h 785191"/>
+                <a:gd name="connsiteX17" fmla="*/ 347870 w 865350"/>
+                <a:gd name="connsiteY17" fmla="*/ 59634 h 785191"/>
+                <a:gd name="connsiteX18" fmla="*/ 506896 w 865350"/>
+                <a:gd name="connsiteY18" fmla="*/ 69574 h 785191"/>
+                <a:gd name="connsiteX19" fmla="*/ 457200 w 865350"/>
+                <a:gd name="connsiteY19" fmla="*/ 39756 h 785191"/>
+                <a:gd name="connsiteX20" fmla="*/ 427383 w 865350"/>
+                <a:gd name="connsiteY20" fmla="*/ 109330 h 785191"/>
+                <a:gd name="connsiteX21" fmla="*/ 655983 w 865350"/>
+                <a:gd name="connsiteY21" fmla="*/ 168965 h 785191"/>
+                <a:gd name="connsiteX22" fmla="*/ 606287 w 865350"/>
+                <a:gd name="connsiteY22" fmla="*/ 99391 h 785191"/>
+                <a:gd name="connsiteX23" fmla="*/ 536714 w 865350"/>
+                <a:gd name="connsiteY23" fmla="*/ 79513 h 785191"/>
+                <a:gd name="connsiteX24" fmla="*/ 556592 w 865350"/>
+                <a:gd name="connsiteY24" fmla="*/ 139147 h 785191"/>
+                <a:gd name="connsiteX25" fmla="*/ 655983 w 865350"/>
+                <a:gd name="connsiteY25" fmla="*/ 159026 h 785191"/>
+                <a:gd name="connsiteX26" fmla="*/ 675861 w 865350"/>
+                <a:gd name="connsiteY26" fmla="*/ 89452 h 785191"/>
+                <a:gd name="connsiteX27" fmla="*/ 636105 w 865350"/>
+                <a:gd name="connsiteY27" fmla="*/ 79513 h 785191"/>
+                <a:gd name="connsiteX28" fmla="*/ 705679 w 865350"/>
+                <a:gd name="connsiteY28" fmla="*/ 159026 h 785191"/>
+                <a:gd name="connsiteX29" fmla="*/ 725557 w 865350"/>
+                <a:gd name="connsiteY29" fmla="*/ 119269 h 785191"/>
+                <a:gd name="connsiteX30" fmla="*/ 646044 w 865350"/>
+                <a:gd name="connsiteY30" fmla="*/ 159026 h 785191"/>
+                <a:gd name="connsiteX31" fmla="*/ 735496 w 865350"/>
+                <a:gd name="connsiteY31" fmla="*/ 298174 h 785191"/>
+                <a:gd name="connsiteX32" fmla="*/ 765314 w 865350"/>
+                <a:gd name="connsiteY32" fmla="*/ 268356 h 785191"/>
+                <a:gd name="connsiteX33" fmla="*/ 725557 w 865350"/>
+                <a:gd name="connsiteY33" fmla="*/ 298174 h 785191"/>
+                <a:gd name="connsiteX34" fmla="*/ 725557 w 865350"/>
+                <a:gd name="connsiteY34" fmla="*/ 308113 h 785191"/>
+                <a:gd name="connsiteX35" fmla="*/ 655983 w 865350"/>
+                <a:gd name="connsiteY35" fmla="*/ 347869 h 785191"/>
+                <a:gd name="connsiteX36" fmla="*/ 765314 w 865350"/>
+                <a:gd name="connsiteY36" fmla="*/ 427382 h 785191"/>
+                <a:gd name="connsiteX37" fmla="*/ 735496 w 865350"/>
+                <a:gd name="connsiteY37" fmla="*/ 397565 h 785191"/>
+                <a:gd name="connsiteX38" fmla="*/ 834887 w 865350"/>
+                <a:gd name="connsiteY38" fmla="*/ 546652 h 785191"/>
+                <a:gd name="connsiteX39" fmla="*/ 864705 w 865350"/>
+                <a:gd name="connsiteY39" fmla="*/ 477078 h 785191"/>
+                <a:gd name="connsiteX40" fmla="*/ 824948 w 865350"/>
+                <a:gd name="connsiteY40" fmla="*/ 496956 h 785191"/>
+                <a:gd name="connsiteX41" fmla="*/ 815009 w 865350"/>
+                <a:gd name="connsiteY41" fmla="*/ 536713 h 785191"/>
+                <a:gd name="connsiteX42" fmla="*/ 834887 w 865350"/>
+                <a:gd name="connsiteY42" fmla="*/ 566530 h 785191"/>
+                <a:gd name="connsiteX43" fmla="*/ 795131 w 865350"/>
+                <a:gd name="connsiteY43" fmla="*/ 556591 h 785191"/>
+                <a:gd name="connsiteX44" fmla="*/ 785192 w 865350"/>
+                <a:gd name="connsiteY44" fmla="*/ 636104 h 785191"/>
+                <a:gd name="connsiteX45" fmla="*/ 765314 w 865350"/>
+                <a:gd name="connsiteY45" fmla="*/ 675860 h 785191"/>
+                <a:gd name="connsiteX46" fmla="*/ 735496 w 865350"/>
+                <a:gd name="connsiteY46" fmla="*/ 665921 h 785191"/>
+                <a:gd name="connsiteX47" fmla="*/ 725557 w 865350"/>
+                <a:gd name="connsiteY47" fmla="*/ 755374 h 785191"/>
+                <a:gd name="connsiteX48" fmla="*/ 735496 w 865350"/>
+                <a:gd name="connsiteY48" fmla="*/ 785191 h 785191"/>
+                <a:gd name="connsiteX49" fmla="*/ 735496 w 865350"/>
+                <a:gd name="connsiteY49" fmla="*/ 636104 h 785191"/>
+                <a:gd name="connsiteX50" fmla="*/ 795131 w 865350"/>
+                <a:gd name="connsiteY50" fmla="*/ 616226 h 785191"/>
+                <a:gd name="connsiteX51" fmla="*/ 735496 w 865350"/>
+                <a:gd name="connsiteY51" fmla="*/ 496956 h 785191"/>
+                <a:gd name="connsiteX52" fmla="*/ 755374 w 865350"/>
+                <a:gd name="connsiteY52" fmla="*/ 467139 h 785191"/>
+                <a:gd name="connsiteX53" fmla="*/ 715618 w 865350"/>
+                <a:gd name="connsiteY53" fmla="*/ 427382 h 785191"/>
+                <a:gd name="connsiteX54" fmla="*/ 685800 w 865350"/>
+                <a:gd name="connsiteY54" fmla="*/ 377687 h 785191"/>
+                <a:gd name="connsiteX55" fmla="*/ 586409 w 865350"/>
+                <a:gd name="connsiteY55" fmla="*/ 327991 h 785191"/>
+                <a:gd name="connsiteX56" fmla="*/ 546653 w 865350"/>
+                <a:gd name="connsiteY56" fmla="*/ 318052 h 785191"/>
+                <a:gd name="connsiteX57" fmla="*/ 516835 w 865350"/>
+                <a:gd name="connsiteY57" fmla="*/ 308113 h 785191"/>
+                <a:gd name="connsiteX58" fmla="*/ 447261 w 865350"/>
+                <a:gd name="connsiteY58" fmla="*/ 268356 h 785191"/>
+                <a:gd name="connsiteX59" fmla="*/ 496957 w 865350"/>
+                <a:gd name="connsiteY59" fmla="*/ 248478 h 785191"/>
+                <a:gd name="connsiteX60" fmla="*/ 526774 w 865350"/>
+                <a:gd name="connsiteY60" fmla="*/ 238539 h 785191"/>
+                <a:gd name="connsiteX61" fmla="*/ 546653 w 865350"/>
+                <a:gd name="connsiteY61" fmla="*/ 188843 h 785191"/>
+                <a:gd name="connsiteX62" fmla="*/ 566531 w 865350"/>
+                <a:gd name="connsiteY62" fmla="*/ 159026 h 785191"/>
+                <a:gd name="connsiteX63" fmla="*/ 616227 w 865350"/>
+                <a:gd name="connsiteY63" fmla="*/ 308113 h 785191"/>
+                <a:gd name="connsiteX64" fmla="*/ 606287 w 865350"/>
+                <a:gd name="connsiteY64" fmla="*/ 337930 h 785191"/>
+                <a:gd name="connsiteX65" fmla="*/ 506896 w 865350"/>
+                <a:gd name="connsiteY65" fmla="*/ 159026 h 785191"/>
+                <a:gd name="connsiteX66" fmla="*/ 496957 w 865350"/>
+                <a:gd name="connsiteY66" fmla="*/ 89452 h 785191"/>
+                <a:gd name="connsiteX67" fmla="*/ 327992 w 865350"/>
+                <a:gd name="connsiteY67" fmla="*/ 69574 h 785191"/>
+                <a:gd name="connsiteX68" fmla="*/ 288235 w 865350"/>
+                <a:gd name="connsiteY68" fmla="*/ 79513 h 785191"/>
+                <a:gd name="connsiteX69" fmla="*/ 288235 w 865350"/>
+                <a:gd name="connsiteY69" fmla="*/ 178904 h 785191"/>
+                <a:gd name="connsiteX70" fmla="*/ 318053 w 865350"/>
+                <a:gd name="connsiteY70" fmla="*/ 188843 h 785191"/>
+                <a:gd name="connsiteX71" fmla="*/ 327992 w 865350"/>
+                <a:gd name="connsiteY71" fmla="*/ 268356 h 785191"/>
+                <a:gd name="connsiteX72" fmla="*/ 278296 w 865350"/>
+                <a:gd name="connsiteY72" fmla="*/ 218660 h 785191"/>
+                <a:gd name="connsiteX73" fmla="*/ 318053 w 865350"/>
+                <a:gd name="connsiteY73" fmla="*/ 198782 h 785191"/>
+                <a:gd name="connsiteX74" fmla="*/ 327992 w 865350"/>
+                <a:gd name="connsiteY74" fmla="*/ 268356 h 785191"/>
+                <a:gd name="connsiteX75" fmla="*/ 298174 w 865350"/>
+                <a:gd name="connsiteY75" fmla="*/ 367747 h 785191"/>
+                <a:gd name="connsiteX76" fmla="*/ 238540 w 865350"/>
+                <a:gd name="connsiteY76" fmla="*/ 318052 h 785191"/>
+                <a:gd name="connsiteX77" fmla="*/ 208722 w 865350"/>
+                <a:gd name="connsiteY77" fmla="*/ 268356 h 785191"/>
+                <a:gd name="connsiteX78" fmla="*/ 268357 w 865350"/>
+                <a:gd name="connsiteY78" fmla="*/ 258417 h 785191"/>
+                <a:gd name="connsiteX79" fmla="*/ 318053 w 865350"/>
+                <a:gd name="connsiteY79" fmla="*/ 228600 h 785191"/>
+                <a:gd name="connsiteX80" fmla="*/ 347870 w 865350"/>
+                <a:gd name="connsiteY80" fmla="*/ 218660 h 785191"/>
+                <a:gd name="connsiteX81" fmla="*/ 367748 w 865350"/>
+                <a:gd name="connsiteY81" fmla="*/ 149087 h 785191"/>
+              </a:gdLst>
+              <a:ahLst/>
+              <a:cxnLst>
+                <a:cxn ang="0">
+                  <a:pos x="connsiteX0" y="connsiteY0"/>
+                </a:cxn>
+                <a:cxn ang="0">
+                  <a:pos x="connsiteX1" y="connsiteY1"/>
+                </a:cxn>
+                <a:cxn ang="0">
+                  <a:pos x="connsiteX2" y="connsiteY2"/>
+                </a:cxn>
+                <a:cxn ang="0">
+                  <a:pos x="connsiteX3" y="connsiteY3"/>
+                </a:cxn>
+                <a:cxn ang="0">
+                  <a:pos x="connsiteX4" y="connsiteY4"/>
+                </a:cxn>
+                <a:cxn ang="0">
+                  <a:pos x="connsiteX5" y="connsiteY5"/>
+                </a:cxn>
+                <a:cxn ang="0">
+                  <a:pos x="connsiteX6" y="connsiteY6"/>
+                </a:cxn>
+                <a:cxn ang="0">
+                  <a:pos x="connsiteX7" y="connsiteY7"/>
+                </a:cxn>
+                <a:cxn ang="0">
+                  <a:pos x="connsiteX8" y="connsiteY8"/>
+                </a:cxn>
+                <a:cxn ang="0">
+                  <a:pos x="connsiteX9" y="connsiteY9"/>
+                </a:cxn>
+                <a:cxn ang="0">
+                  <a:pos x="connsiteX10" y="connsiteY10"/>
+                </a:cxn>
+                <a:cxn ang="0">
+                  <a:pos x="connsiteX11" y="connsiteY11"/>
+                </a:cxn>
+                <a:cxn ang="0">
+                  <a:pos x="connsiteX12" y="connsiteY12"/>
+                </a:cxn>
+                <a:cxn ang="0">
+                  <a:pos x="connsiteX13" y="connsiteY13"/>
+                </a:cxn>
+                <a:cxn ang="0">
+                  <a:pos x="connsiteX14" y="connsiteY14"/>
+                </a:cxn>
+                <a:cxn ang="0">
+                  <a:pos x="connsiteX15" y="connsiteY15"/>
+                </a:cxn>
+                <a:cxn ang="0">
+                  <a:pos x="connsiteX16" y="connsiteY16"/>
+                </a:cxn>
+                <a:cxn ang="0">
+                  <a:pos x="connsiteX17" y="connsiteY17"/>
+                </a:cxn>
+                <a:cxn ang="0">
+                  <a:pos x="connsiteX18" y="connsiteY18"/>
+                </a:cxn>
+                <a:cxn ang="0">
+                  <a:pos x="connsiteX19" y="connsiteY19"/>
+                </a:cxn>
+                <a:cxn ang="0">
+                  <a:pos x="connsiteX20" y="connsiteY20"/>
+                </a:cxn>
+                <a:cxn ang="0">
+                  <a:pos x="connsiteX21" y="connsiteY21"/>
+                </a:cxn>
+                <a:cxn ang="0">
+                  <a:pos x="connsiteX22" y="connsiteY22"/>
+                </a:cxn>
+                <a:cxn ang="0">
+                  <a:pos x="connsiteX23" y="connsiteY23"/>
+                </a:cxn>
+                <a:cxn ang="0">
+                  <a:pos x="connsiteX24" y="connsiteY24"/>
+                </a:cxn>
+                <a:cxn ang="0">
+                  <a:pos x="connsiteX25" y="connsiteY25"/>
+                </a:cxn>
+                <a:cxn ang="0">
+                  <a:pos x="connsiteX26" y="connsiteY26"/>
+                </a:cxn>
+                <a:cxn ang="0">
+                  <a:pos x="connsiteX27" y="connsiteY27"/>
+                </a:cxn>
+                <a:cxn ang="0">
+                  <a:pos x="connsiteX28" y="connsiteY28"/>
+                </a:cxn>
+                <a:cxn ang="0">
+                  <a:pos x="connsiteX29" y="connsiteY29"/>
+                </a:cxn>
+                <a:cxn ang="0">
+                  <a:pos x="connsiteX30" y="connsiteY30"/>
+                </a:cxn>
+                <a:cxn ang="0">
+                  <a:pos x="connsiteX31" y="connsiteY31"/>
+                </a:cxn>
+                <a:cxn ang="0">
+                  <a:pos x="connsiteX32" y="connsiteY32"/>
+                </a:cxn>
+                <a:cxn ang="0">
+                  <a:pos x="connsiteX33" y="connsiteY33"/>
+                </a:cxn>
+                <a:cxn ang="0">
+                  <a:pos x="connsiteX34" y="connsiteY34"/>
+                </a:cxn>
+                <a:cxn ang="0">
+                  <a:pos x="connsiteX35" y="connsiteY35"/>
+                </a:cxn>
+                <a:cxn ang="0">
+                  <a:pos x="connsiteX36" y="connsiteY36"/>
+                </a:cxn>
+                <a:cxn ang="0">
+                  <a:pos x="connsiteX37" y="connsiteY37"/>
+                </a:cxn>
+                <a:cxn ang="0">
+                  <a:pos x="connsiteX38" y="connsiteY38"/>
+                </a:cxn>
+                <a:cxn ang="0">
+                  <a:pos x="connsiteX39" y="connsiteY39"/>
+                </a:cxn>
+                <a:cxn ang="0">
+                  <a:pos x="connsiteX40" y="connsiteY40"/>
+                </a:cxn>
+                <a:cxn ang="0">
+                  <a:pos x="connsiteX41" y="connsiteY41"/>
+                </a:cxn>
+                <a:cxn ang="0">
+                  <a:pos x="connsiteX42" y="connsiteY42"/>
+                </a:cxn>
+                <a:cxn ang="0">
+                  <a:pos x="connsiteX43" y="connsiteY43"/>
+                </a:cxn>
+                <a:cxn ang="0">
+                  <a:pos x="connsiteX44" y="connsiteY44"/>
+                </a:cxn>
+                <a:cxn ang="0">
+                  <a:pos x="connsiteX45" y="connsiteY45"/>
+                </a:cxn>
+                <a:cxn ang="0">
+                  <a:pos x="connsiteX46" y="connsiteY46"/>
+                </a:cxn>
+                <a:cxn ang="0">
+                  <a:pos x="connsiteX47" y="connsiteY47"/>
+                </a:cxn>
+                <a:cxn ang="0">
+                  <a:pos x="connsiteX48" y="connsiteY48"/>
+                </a:cxn>
+                <a:cxn ang="0">
+                  <a:pos x="connsiteX49" y="connsiteY49"/>
+                </a:cxn>
+                <a:cxn ang="0">
+                  <a:pos x="connsiteX50" y="connsiteY50"/>
+                </a:cxn>
+                <a:cxn ang="0">
+                  <a:pos x="connsiteX51" y="connsiteY51"/>
+                </a:cxn>
+                <a:cxn ang="0">
+                  <a:pos x="connsiteX52" y="connsiteY52"/>
+                </a:cxn>
+                <a:cxn ang="0">
+                  <a:pos x="connsiteX53" y="connsiteY53"/>
+                </a:cxn>
+                <a:cxn ang="0">
+                  <a:pos x="connsiteX54" y="connsiteY54"/>
+                </a:cxn>
+                <a:cxn ang="0">
+                  <a:pos x="connsiteX55" y="connsiteY55"/>
+                </a:cxn>
+                <a:cxn ang="0">
+                  <a:pos x="connsiteX56" y="connsiteY56"/>
+                </a:cxn>
+                <a:cxn ang="0">
+                  <a:pos x="connsiteX57" y="connsiteY57"/>
+                </a:cxn>
+                <a:cxn ang="0">
+                  <a:pos x="connsiteX58" y="connsiteY58"/>
+                </a:cxn>
+                <a:cxn ang="0">
+                  <a:pos x="connsiteX59" y="connsiteY59"/>
+                </a:cxn>
+                <a:cxn ang="0">
+                  <a:pos x="connsiteX60" y="connsiteY60"/>
+                </a:cxn>
+                <a:cxn ang="0">
+                  <a:pos x="connsiteX61" y="connsiteY61"/>
+                </a:cxn>
+                <a:cxn ang="0">
+                  <a:pos x="connsiteX62" y="connsiteY62"/>
+                </a:cxn>
+                <a:cxn ang="0">
+                  <a:pos x="connsiteX63" y="connsiteY63"/>
+                </a:cxn>
+                <a:cxn ang="0">
+                  <a:pos x="connsiteX64" y="connsiteY64"/>
+                </a:cxn>
+                <a:cxn ang="0">
+                  <a:pos x="connsiteX65" y="connsiteY65"/>
+                </a:cxn>
+                <a:cxn ang="0">
+                  <a:pos x="connsiteX66" y="connsiteY66"/>
+                </a:cxn>
+                <a:cxn ang="0">
+                  <a:pos x="connsiteX67" y="connsiteY67"/>
+                </a:cxn>
+                <a:cxn ang="0">
+                  <a:pos x="connsiteX68" y="connsiteY68"/>
+                </a:cxn>
+                <a:cxn ang="0">
+                  <a:pos x="connsiteX69" y="connsiteY69"/>
+                </a:cxn>
+                <a:cxn ang="0">
+                  <a:pos x="connsiteX70" y="connsiteY70"/>
+                </a:cxn>
+                <a:cxn ang="0">
+                  <a:pos x="connsiteX71" y="connsiteY71"/>
+                </a:cxn>
+                <a:cxn ang="0">
+                  <a:pos x="connsiteX72" y="connsiteY72"/>
+                </a:cxn>
+                <a:cxn ang="0">
+                  <a:pos x="connsiteX73" y="connsiteY73"/>
+                </a:cxn>
+                <a:cxn ang="0">
+                  <a:pos x="connsiteX74" y="connsiteY74"/>
+                </a:cxn>
+                <a:cxn ang="0">
+                  <a:pos x="connsiteX75" y="connsiteY75"/>
+                </a:cxn>
+                <a:cxn ang="0">
+                  <a:pos x="connsiteX76" y="connsiteY76"/>
+                </a:cxn>
+                <a:cxn ang="0">
+                  <a:pos x="connsiteX77" y="connsiteY77"/>
+                </a:cxn>
+                <a:cxn ang="0">
+                  <a:pos x="connsiteX78" y="connsiteY78"/>
+                </a:cxn>
+                <a:cxn ang="0">
+                  <a:pos x="connsiteX79" y="connsiteY79"/>
+                </a:cxn>
+                <a:cxn ang="0">
+                  <a:pos x="connsiteX80" y="connsiteY80"/>
+                </a:cxn>
+                <a:cxn ang="0">
+                  <a:pos x="connsiteX81" y="connsiteY81"/>
+                </a:cxn>
+              </a:cxnLst>
+              <a:rect l="l" t="t" r="r" b="b"/>
+              <a:pathLst>
+                <a:path w="865350" h="785191">
+                  <a:moveTo>
+                    <a:pt x="0" y="278295"/>
+                  </a:moveTo>
+                  <a:cubicBezTo>
+                    <a:pt x="3967" y="277502"/>
+                    <a:pt x="68401" y="266752"/>
+                    <a:pt x="79514" y="258417"/>
+                  </a:cubicBezTo>
+                  <a:cubicBezTo>
+                    <a:pt x="118274" y="229347"/>
+                    <a:pt x="126097" y="213389"/>
+                    <a:pt x="149087" y="178904"/>
+                  </a:cubicBezTo>
+                  <a:cubicBezTo>
+                    <a:pt x="152400" y="165652"/>
+                    <a:pt x="168686" y="148806"/>
+                    <a:pt x="159027" y="139147"/>
+                  </a:cubicBezTo>
+                  <a:cubicBezTo>
+                    <a:pt x="112876" y="92996"/>
+                    <a:pt x="84703" y="108033"/>
+                    <a:pt x="39757" y="119269"/>
+                  </a:cubicBezTo>
+                  <a:cubicBezTo>
+                    <a:pt x="53009" y="129208"/>
+                    <a:pt x="62949" y="149087"/>
+                    <a:pt x="79514" y="149087"/>
+                  </a:cubicBezTo>
+                  <a:cubicBezTo>
+                    <a:pt x="92268" y="149087"/>
+                    <a:pt x="123213" y="98446"/>
+                    <a:pt x="129209" y="89452"/>
+                  </a:cubicBezTo>
+                  <a:cubicBezTo>
+                    <a:pt x="145774" y="112643"/>
+                    <a:pt x="153758" y="145614"/>
+                    <a:pt x="178905" y="159026"/>
+                  </a:cubicBezTo>
+                  <a:cubicBezTo>
+                    <a:pt x="241660" y="192495"/>
+                    <a:pt x="276526" y="169673"/>
+                    <a:pt x="327992" y="149087"/>
+                  </a:cubicBezTo>
+                  <a:cubicBezTo>
+                    <a:pt x="314740" y="142461"/>
+                    <a:pt x="302903" y="127113"/>
+                    <a:pt x="288235" y="129208"/>
+                  </a:cubicBezTo>
+                  <a:cubicBezTo>
+                    <a:pt x="274320" y="131196"/>
+                    <a:pt x="258418" y="144970"/>
+                    <a:pt x="258418" y="159026"/>
+                  </a:cubicBezTo>
+                  <a:cubicBezTo>
+                    <a:pt x="258418" y="169503"/>
+                    <a:pt x="278296" y="165652"/>
+                    <a:pt x="288235" y="168965"/>
+                  </a:cubicBezTo>
+                  <a:cubicBezTo>
+                    <a:pt x="380809" y="150451"/>
+                    <a:pt x="346392" y="174474"/>
+                    <a:pt x="298174" y="29817"/>
+                  </a:cubicBezTo>
+                  <a:cubicBezTo>
+                    <a:pt x="293854" y="16858"/>
+                    <a:pt x="298455" y="59915"/>
+                    <a:pt x="308114" y="69574"/>
+                  </a:cubicBezTo>
+                  <a:cubicBezTo>
+                    <a:pt x="317773" y="79233"/>
+                    <a:pt x="334618" y="76200"/>
+                    <a:pt x="347870" y="79513"/>
+                  </a:cubicBezTo>
+                  <a:cubicBezTo>
+                    <a:pt x="355922" y="71460"/>
+                    <a:pt x="386288" y="47019"/>
+                    <a:pt x="377687" y="29817"/>
+                  </a:cubicBezTo>
+                  <a:cubicBezTo>
+                    <a:pt x="370279" y="15001"/>
+                    <a:pt x="351183" y="9939"/>
+                    <a:pt x="337931" y="0"/>
+                  </a:cubicBezTo>
+                  <a:cubicBezTo>
+                    <a:pt x="341244" y="19878"/>
+                    <a:pt x="333620" y="45384"/>
+                    <a:pt x="347870" y="59634"/>
+                  </a:cubicBezTo>
+                  <a:cubicBezTo>
+                    <a:pt x="400417" y="112181"/>
+                    <a:pt x="450636" y="83639"/>
+                    <a:pt x="506896" y="69574"/>
+                  </a:cubicBezTo>
+                  <a:cubicBezTo>
+                    <a:pt x="490331" y="59635"/>
+                    <a:pt x="474479" y="31117"/>
+                    <a:pt x="457200" y="39756"/>
+                  </a:cubicBezTo>
+                  <a:cubicBezTo>
+                    <a:pt x="434632" y="51040"/>
+                    <a:pt x="416099" y="86762"/>
+                    <a:pt x="427383" y="109330"/>
+                  </a:cubicBezTo>
+                  <a:cubicBezTo>
+                    <a:pt x="460042" y="174649"/>
+                    <a:pt x="615650" y="166084"/>
+                    <a:pt x="655983" y="168965"/>
+                  </a:cubicBezTo>
+                  <a:cubicBezTo>
+                    <a:pt x="639418" y="145774"/>
+                    <a:pt x="629087" y="116491"/>
+                    <a:pt x="606287" y="99391"/>
+                  </a:cubicBezTo>
+                  <a:cubicBezTo>
+                    <a:pt x="586992" y="84920"/>
+                    <a:pt x="555548" y="64446"/>
+                    <a:pt x="536714" y="79513"/>
+                  </a:cubicBezTo>
+                  <a:cubicBezTo>
+                    <a:pt x="520352" y="92602"/>
+                    <a:pt x="539158" y="127524"/>
+                    <a:pt x="556592" y="139147"/>
+                  </a:cubicBezTo>
+                  <a:cubicBezTo>
+                    <a:pt x="584704" y="157888"/>
+                    <a:pt x="622853" y="152400"/>
+                    <a:pt x="655983" y="159026"/>
+                  </a:cubicBezTo>
+                  <a:cubicBezTo>
+                    <a:pt x="682177" y="141563"/>
+                    <a:pt x="713144" y="134192"/>
+                    <a:pt x="675861" y="89452"/>
+                  </a:cubicBezTo>
+                  <a:cubicBezTo>
+                    <a:pt x="667116" y="78958"/>
+                    <a:pt x="649357" y="82826"/>
+                    <a:pt x="636105" y="79513"/>
+                  </a:cubicBezTo>
+                  <a:cubicBezTo>
+                    <a:pt x="659296" y="106017"/>
+                    <a:pt x="673496" y="144723"/>
+                    <a:pt x="705679" y="159026"/>
+                  </a:cubicBezTo>
+                  <a:cubicBezTo>
+                    <a:pt x="719218" y="165043"/>
+                    <a:pt x="740373" y="119269"/>
+                    <a:pt x="725557" y="119269"/>
+                  </a:cubicBezTo>
+                  <a:cubicBezTo>
+                    <a:pt x="695924" y="119269"/>
+                    <a:pt x="672548" y="145774"/>
+                    <a:pt x="646044" y="159026"/>
+                  </a:cubicBezTo>
+                  <a:cubicBezTo>
+                    <a:pt x="660000" y="221830"/>
+                    <a:pt x="652361" y="281547"/>
+                    <a:pt x="735496" y="298174"/>
+                  </a:cubicBezTo>
+                  <a:cubicBezTo>
+                    <a:pt x="749279" y="300931"/>
+                    <a:pt x="779370" y="268356"/>
+                    <a:pt x="765314" y="268356"/>
+                  </a:cubicBezTo>
+                  <a:cubicBezTo>
+                    <a:pt x="748749" y="268356"/>
+                    <a:pt x="738809" y="288235"/>
+                    <a:pt x="725557" y="298174"/>
+                  </a:cubicBezTo>
+                  <a:cubicBezTo>
+                    <a:pt x="777373" y="401805"/>
+                    <a:pt x="732211" y="307374"/>
+                    <a:pt x="725557" y="308113"/>
+                  </a:cubicBezTo>
+                  <a:cubicBezTo>
+                    <a:pt x="699010" y="311063"/>
+                    <a:pt x="679174" y="334617"/>
+                    <a:pt x="655983" y="347869"/>
+                  </a:cubicBezTo>
+                  <a:cubicBezTo>
+                    <a:pt x="667355" y="363789"/>
+                    <a:pt x="712949" y="462292"/>
+                    <a:pt x="765314" y="427382"/>
+                  </a:cubicBezTo>
+                  <a:cubicBezTo>
+                    <a:pt x="777009" y="419585"/>
+                    <a:pt x="728414" y="385424"/>
+                    <a:pt x="735496" y="397565"/>
+                  </a:cubicBezTo>
+                  <a:cubicBezTo>
+                    <a:pt x="765590" y="449156"/>
+                    <a:pt x="801757" y="496956"/>
+                    <a:pt x="834887" y="546652"/>
+                  </a:cubicBezTo>
+                  <a:cubicBezTo>
+                    <a:pt x="844826" y="523461"/>
+                    <a:pt x="869653" y="501820"/>
+                    <a:pt x="864705" y="477078"/>
+                  </a:cubicBezTo>
+                  <a:cubicBezTo>
+                    <a:pt x="861799" y="462549"/>
+                    <a:pt x="834433" y="485574"/>
+                    <a:pt x="824948" y="496956"/>
+                  </a:cubicBezTo>
+                  <a:cubicBezTo>
+                    <a:pt x="816203" y="507450"/>
+                    <a:pt x="818322" y="523461"/>
+                    <a:pt x="815009" y="536713"/>
+                  </a:cubicBezTo>
+                  <a:cubicBezTo>
+                    <a:pt x="821635" y="546652"/>
+                    <a:pt x="843334" y="558083"/>
+                    <a:pt x="834887" y="566530"/>
+                  </a:cubicBezTo>
+                  <a:cubicBezTo>
+                    <a:pt x="825228" y="576189"/>
+                    <a:pt x="803071" y="545475"/>
+                    <a:pt x="795131" y="556591"/>
+                  </a:cubicBezTo>
+                  <a:cubicBezTo>
+                    <a:pt x="779606" y="578326"/>
+                    <a:pt x="791670" y="610191"/>
+                    <a:pt x="785192" y="636104"/>
+                  </a:cubicBezTo>
+                  <a:cubicBezTo>
+                    <a:pt x="781599" y="650478"/>
+                    <a:pt x="771940" y="662608"/>
+                    <a:pt x="765314" y="675860"/>
+                  </a:cubicBezTo>
+                  <a:cubicBezTo>
+                    <a:pt x="755375" y="672547"/>
+                    <a:pt x="740181" y="656550"/>
+                    <a:pt x="735496" y="665921"/>
+                  </a:cubicBezTo>
+                  <a:cubicBezTo>
+                    <a:pt x="722079" y="692755"/>
+                    <a:pt x="725557" y="725373"/>
+                    <a:pt x="725557" y="755374"/>
+                  </a:cubicBezTo>
+                  <a:cubicBezTo>
+                    <a:pt x="725557" y="765851"/>
+                    <a:pt x="735496" y="785191"/>
+                    <a:pt x="735496" y="785191"/>
+                  </a:cubicBezTo>
+                  <a:cubicBezTo>
+                    <a:pt x="728642" y="744067"/>
+                    <a:pt x="711397" y="673974"/>
+                    <a:pt x="735496" y="636104"/>
+                  </a:cubicBezTo>
+                  <a:cubicBezTo>
+                    <a:pt x="746745" y="618426"/>
+                    <a:pt x="775253" y="622852"/>
+                    <a:pt x="795131" y="616226"/>
+                  </a:cubicBezTo>
+                  <a:cubicBezTo>
+                    <a:pt x="771846" y="583627"/>
+                    <a:pt x="729549" y="544533"/>
+                    <a:pt x="735496" y="496956"/>
+                  </a:cubicBezTo>
+                  <a:cubicBezTo>
+                    <a:pt x="736978" y="485103"/>
+                    <a:pt x="748748" y="477078"/>
+                    <a:pt x="755374" y="467139"/>
+                  </a:cubicBezTo>
+                  <a:cubicBezTo>
+                    <a:pt x="728871" y="387626"/>
+                    <a:pt x="768625" y="480388"/>
+                    <a:pt x="715618" y="427382"/>
+                  </a:cubicBezTo>
+                  <a:cubicBezTo>
+                    <a:pt x="701958" y="413722"/>
+                    <a:pt x="701112" y="389465"/>
+                    <a:pt x="685800" y="377687"/>
+                  </a:cubicBezTo>
+                  <a:cubicBezTo>
+                    <a:pt x="656440" y="355103"/>
+                    <a:pt x="620455" y="342582"/>
+                    <a:pt x="586409" y="327991"/>
+                  </a:cubicBezTo>
+                  <a:cubicBezTo>
+                    <a:pt x="573854" y="322610"/>
+                    <a:pt x="559787" y="321805"/>
+                    <a:pt x="546653" y="318052"/>
+                  </a:cubicBezTo>
+                  <a:cubicBezTo>
+                    <a:pt x="536579" y="315174"/>
+                    <a:pt x="526465" y="312240"/>
+                    <a:pt x="516835" y="308113"/>
+                  </a:cubicBezTo>
+                  <a:cubicBezTo>
+                    <a:pt x="481532" y="292983"/>
+                    <a:pt x="477203" y="288316"/>
+                    <a:pt x="447261" y="268356"/>
+                  </a:cubicBezTo>
+                  <a:cubicBezTo>
+                    <a:pt x="463826" y="261730"/>
+                    <a:pt x="480252" y="254742"/>
+                    <a:pt x="496957" y="248478"/>
+                  </a:cubicBezTo>
+                  <a:cubicBezTo>
+                    <a:pt x="506767" y="244799"/>
+                    <a:pt x="520067" y="246587"/>
+                    <a:pt x="526774" y="238539"/>
+                  </a:cubicBezTo>
+                  <a:cubicBezTo>
+                    <a:pt x="538196" y="224833"/>
+                    <a:pt x="538674" y="204801"/>
+                    <a:pt x="546653" y="188843"/>
+                  </a:cubicBezTo>
+                  <a:cubicBezTo>
+                    <a:pt x="551995" y="178159"/>
+                    <a:pt x="559905" y="168965"/>
+                    <a:pt x="566531" y="159026"/>
+                  </a:cubicBezTo>
+                  <a:cubicBezTo>
+                    <a:pt x="599245" y="289884"/>
+                    <a:pt x="573616" y="244198"/>
+                    <a:pt x="616227" y="308113"/>
+                  </a:cubicBezTo>
+                  <a:cubicBezTo>
+                    <a:pt x="612914" y="318052"/>
+                    <a:pt x="613695" y="345338"/>
+                    <a:pt x="606287" y="337930"/>
+                  </a:cubicBezTo>
+                  <a:cubicBezTo>
+                    <a:pt x="558792" y="290435"/>
+                    <a:pt x="532922" y="219751"/>
+                    <a:pt x="506896" y="159026"/>
+                  </a:cubicBezTo>
+                  <a:cubicBezTo>
+                    <a:pt x="503583" y="135835"/>
+                    <a:pt x="505657" y="111203"/>
+                    <a:pt x="496957" y="89452"/>
+                  </a:cubicBezTo>
+                  <a:cubicBezTo>
+                    <a:pt x="470833" y="24140"/>
+                    <a:pt x="360168" y="67276"/>
+                    <a:pt x="327992" y="69574"/>
+                  </a:cubicBezTo>
+                  <a:cubicBezTo>
+                    <a:pt x="314740" y="72887"/>
+                    <a:pt x="298729" y="70768"/>
+                    <a:pt x="288235" y="79513"/>
+                  </a:cubicBezTo>
+                  <a:cubicBezTo>
+                    <a:pt x="256150" y="106250"/>
+                    <a:pt x="267682" y="150130"/>
+                    <a:pt x="288235" y="178904"/>
+                  </a:cubicBezTo>
+                  <a:cubicBezTo>
+                    <a:pt x="294325" y="187429"/>
+                    <a:pt x="308114" y="185530"/>
+                    <a:pt x="318053" y="188843"/>
+                  </a:cubicBezTo>
+                  <a:cubicBezTo>
+                    <a:pt x="321366" y="215347"/>
+                    <a:pt x="323214" y="242076"/>
+                    <a:pt x="327992" y="268356"/>
+                  </a:cubicBezTo>
+                  <a:cubicBezTo>
+                    <a:pt x="336158" y="313272"/>
+                    <a:pt x="382952" y="358202"/>
+                    <a:pt x="278296" y="218660"/>
+                  </a:cubicBezTo>
+                  <a:cubicBezTo>
+                    <a:pt x="291548" y="212034"/>
+                    <a:pt x="307576" y="188305"/>
+                    <a:pt x="318053" y="198782"/>
+                  </a:cubicBezTo>
+                  <a:cubicBezTo>
+                    <a:pt x="334618" y="215347"/>
+                    <a:pt x="327992" y="244929"/>
+                    <a:pt x="327992" y="268356"/>
+                  </a:cubicBezTo>
+                  <a:cubicBezTo>
+                    <a:pt x="327992" y="332314"/>
+                    <a:pt x="325119" y="327332"/>
+                    <a:pt x="298174" y="367747"/>
+                  </a:cubicBezTo>
+                  <a:cubicBezTo>
+                    <a:pt x="278296" y="351182"/>
+                    <a:pt x="255850" y="337285"/>
+                    <a:pt x="238540" y="318052"/>
+                  </a:cubicBezTo>
+                  <a:cubicBezTo>
+                    <a:pt x="225617" y="303693"/>
+                    <a:pt x="200083" y="285635"/>
+                    <a:pt x="208722" y="268356"/>
+                  </a:cubicBezTo>
+                  <a:cubicBezTo>
+                    <a:pt x="217734" y="250331"/>
+                    <a:pt x="248479" y="261730"/>
+                    <a:pt x="268357" y="258417"/>
+                  </a:cubicBezTo>
+                  <a:cubicBezTo>
+                    <a:pt x="284922" y="248478"/>
+                    <a:pt x="300774" y="237239"/>
+                    <a:pt x="318053" y="228600"/>
+                  </a:cubicBezTo>
+                  <a:cubicBezTo>
+                    <a:pt x="327424" y="223915"/>
+                    <a:pt x="341781" y="227185"/>
+                    <a:pt x="347870" y="218660"/>
+                  </a:cubicBezTo>
+                  <a:cubicBezTo>
+                    <a:pt x="368796" y="189364"/>
+                    <a:pt x="367748" y="174685"/>
+                    <a:pt x="367748" y="149087"/>
+                  </a:cubicBezTo>
+                </a:path>
+              </a:pathLst>
+            </a:custGeom>
+            <a:solidFill>
+              <a:schemeClr val="bg1"/>
+            </a:solidFill>
+            <a:ln w="38100">
+              <a:solidFill>
+                <a:schemeClr val="tx1"/>
+              </a:solidFill>
+            </a:ln>
+          </p:spPr>
+          <p:style>
+            <a:lnRef idx="2">
+              <a:schemeClr val="accent1">
+                <a:shade val="15000"/>
+              </a:schemeClr>
+            </a:lnRef>
+            <a:fillRef idx="1">
+              <a:schemeClr val="accent1"/>
+            </a:fillRef>
+            <a:effectRef idx="0">
+              <a:schemeClr val="accent1"/>
+            </a:effectRef>
+            <a:fontRef idx="minor">
+              <a:schemeClr val="lt1"/>
+            </a:fontRef>
+          </p:style>
+          <p:txBody>
+            <a:bodyPr rtlCol="0" anchor="ctr"/>
+            <a:lstStyle/>
+            <a:p>
+              <a:pPr algn="ctr"/>
+              <a:endParaRPr lang="en-GB"/>
+            </a:p>
+          </p:txBody>
+        </p:sp>
+        <p:sp>
+          <p:nvSpPr>
+            <p:cNvPr id="23" name="Oval 22">
+              <a:extLst>
+                <a:ext uri="{FF2B5EF4-FFF2-40B4-BE49-F238E27FC236}">
+                  <a16:creationId xmlns:a16="http://schemas.microsoft.com/office/drawing/2014/main" id="{A8B724A5-575F-10D6-4EBD-AC5505AFD952}"/>
+                </a:ext>
+              </a:extLst>
+            </p:cNvPr>
+            <p:cNvSpPr/>
+            <p:nvPr/>
+          </p:nvSpPr>
+          <p:spPr>
+            <a:xfrm>
+              <a:off x="6023113" y="2379107"/>
+              <a:ext cx="832035" cy="810265"/>
+            </a:xfrm>
+            <a:prstGeom prst="ellipse">
+              <a:avLst/>
+            </a:prstGeom>
+            <a:solidFill>
+              <a:schemeClr val="bg1"/>
+            </a:solidFill>
+            <a:ln w="28575">
+              <a:solidFill>
+                <a:schemeClr val="tx1"/>
+              </a:solidFill>
+            </a:ln>
+          </p:spPr>
+          <p:style>
+            <a:lnRef idx="2">
+              <a:schemeClr val="accent1">
+                <a:shade val="15000"/>
+              </a:schemeClr>
+            </a:lnRef>
+            <a:fillRef idx="1">
+              <a:schemeClr val="accent1"/>
+            </a:fillRef>
+            <a:effectRef idx="0">
+              <a:schemeClr val="accent1"/>
+            </a:effectRef>
+            <a:fontRef idx="minor">
+              <a:schemeClr val="lt1"/>
+            </a:fontRef>
+          </p:style>
+          <p:txBody>
+            <a:bodyPr rtlCol="0" anchor="ctr"/>
+            <a:lstStyle/>
+            <a:p>
+              <a:pPr algn="ctr"/>
+              <a:endParaRPr lang="en-GB"/>
+            </a:p>
+          </p:txBody>
+        </p:sp>
+        <p:sp>
+          <p:nvSpPr>
+            <p:cNvPr id="24" name="Oval 23">
+              <a:extLst>
+                <a:ext uri="{FF2B5EF4-FFF2-40B4-BE49-F238E27FC236}">
+                  <a16:creationId xmlns:a16="http://schemas.microsoft.com/office/drawing/2014/main" id="{B742C507-0830-9C99-C2BF-61E49348FEF7}"/>
+                </a:ext>
+              </a:extLst>
+            </p:cNvPr>
+            <p:cNvSpPr/>
+            <p:nvPr/>
+          </p:nvSpPr>
+          <p:spPr>
+            <a:xfrm>
+              <a:off x="6096000" y="2460339"/>
+              <a:ext cx="679635" cy="634378"/>
+            </a:xfrm>
+            <a:prstGeom prst="ellipse">
+              <a:avLst/>
+            </a:prstGeom>
+            <a:solidFill>
+              <a:schemeClr val="bg1"/>
+            </a:solidFill>
+            <a:ln w="28575">
+              <a:solidFill>
+                <a:schemeClr val="tx1"/>
+              </a:solidFill>
+            </a:ln>
+          </p:spPr>
+          <p:style>
+            <a:lnRef idx="2">
+              <a:schemeClr val="accent1">
+                <a:shade val="15000"/>
+              </a:schemeClr>
+            </a:lnRef>
+            <a:fillRef idx="1">
+              <a:schemeClr val="accent1"/>
+            </a:fillRef>
+            <a:effectRef idx="0">
+              <a:schemeClr val="accent1"/>
+            </a:effectRef>
+            <a:fontRef idx="minor">
+              <a:schemeClr val="lt1"/>
+            </a:fontRef>
+          </p:style>
+          <p:txBody>
+            <a:bodyPr rtlCol="0" anchor="ctr"/>
+            <a:lstStyle/>
+            <a:p>
+              <a:pPr algn="ctr"/>
+              <a:endParaRPr lang="en-GB"/>
+            </a:p>
+          </p:txBody>
+        </p:sp>
+        <p:cxnSp>
+          <p:nvCxnSpPr>
+            <p:cNvPr id="26" name="Straight Connector 25">
+              <a:extLst>
+                <a:ext uri="{FF2B5EF4-FFF2-40B4-BE49-F238E27FC236}">
+                  <a16:creationId xmlns:a16="http://schemas.microsoft.com/office/drawing/2014/main" id="{D513B5CE-DF2E-EEB2-C7C4-9731BD61B258}"/>
+                </a:ext>
+              </a:extLst>
+            </p:cNvPr>
+            <p:cNvCxnSpPr>
+              <a:cxnSpLocks/>
+            </p:cNvCxnSpPr>
+            <p:nvPr/>
+          </p:nvCxnSpPr>
+          <p:spPr>
+            <a:xfrm flipH="1" flipV="1">
+              <a:off x="6379821" y="2633806"/>
+              <a:ext cx="55996" cy="199092"/>
+            </a:xfrm>
+            <a:prstGeom prst="line">
+              <a:avLst/>
+            </a:prstGeom>
+            <a:solidFill>
+              <a:schemeClr val="bg1"/>
+            </a:solidFill>
+            <a:ln w="38100" cap="rnd">
+              <a:solidFill>
+                <a:schemeClr val="tx1"/>
+              </a:solidFill>
+            </a:ln>
+          </p:spPr>
+          <p:style>
+            <a:lnRef idx="2">
+              <a:schemeClr val="dk1"/>
+            </a:lnRef>
+            <a:fillRef idx="0">
+              <a:schemeClr val="dk1"/>
+            </a:fillRef>
+            <a:effectRef idx="1">
+              <a:schemeClr val="dk1"/>
+            </a:effectRef>
+            <a:fontRef idx="minor">
+              <a:schemeClr val="tx1"/>
+            </a:fontRef>
+          </p:style>
+        </p:cxnSp>
+        <p:cxnSp>
+          <p:nvCxnSpPr>
+            <p:cNvPr id="30" name="Straight Connector 29">
+              <a:extLst>
+                <a:ext uri="{FF2B5EF4-FFF2-40B4-BE49-F238E27FC236}">
+                  <a16:creationId xmlns:a16="http://schemas.microsoft.com/office/drawing/2014/main" id="{7E587400-C6CF-64B3-11C3-0F56EBF7BA7B}"/>
+                </a:ext>
+              </a:extLst>
+            </p:cNvPr>
+            <p:cNvCxnSpPr>
+              <a:cxnSpLocks/>
+            </p:cNvCxnSpPr>
+            <p:nvPr/>
+          </p:nvCxnSpPr>
+          <p:spPr>
+            <a:xfrm flipV="1">
+              <a:off x="6430709" y="2784239"/>
+              <a:ext cx="218160" cy="48659"/>
+            </a:xfrm>
+            <a:prstGeom prst="line">
+              <a:avLst/>
+            </a:prstGeom>
+            <a:solidFill>
+              <a:schemeClr val="bg1"/>
+            </a:solidFill>
+            <a:ln w="38100" cap="rnd">
+              <a:solidFill>
+                <a:schemeClr val="tx1"/>
+              </a:solidFill>
+            </a:ln>
+          </p:spPr>
+          <p:style>
+            <a:lnRef idx="2">
+              <a:schemeClr val="dk1"/>
+            </a:lnRef>
+            <a:fillRef idx="0">
+              <a:schemeClr val="dk1"/>
+            </a:fillRef>
+            <a:effectRef idx="1">
+              <a:schemeClr val="dk1"/>
+            </a:effectRef>
+            <a:fontRef idx="minor">
+              <a:schemeClr val="tx1"/>
+            </a:fontRef>
+          </p:style>
+        </p:cxnSp>
+        <p:sp>
+          <p:nvSpPr>
+            <p:cNvPr id="33" name="Freeform: Shape 32">
+              <a:extLst>
+                <a:ext uri="{FF2B5EF4-FFF2-40B4-BE49-F238E27FC236}">
+                  <a16:creationId xmlns:a16="http://schemas.microsoft.com/office/drawing/2014/main" id="{3818D992-BEF8-FFC1-1E50-05B28E78FA92}"/>
+                </a:ext>
+              </a:extLst>
+            </p:cNvPr>
+            <p:cNvSpPr/>
+            <p:nvPr/>
+          </p:nvSpPr>
+          <p:spPr>
+            <a:xfrm>
+              <a:off x="7420634" y="2684980"/>
+              <a:ext cx="871373" cy="731645"/>
+            </a:xfrm>
+            <a:custGeom>
+              <a:avLst/>
+              <a:gdLst>
+                <a:gd name="connsiteX0" fmla="*/ 0 w 865350"/>
+                <a:gd name="connsiteY0" fmla="*/ 278295 h 785191"/>
+                <a:gd name="connsiteX1" fmla="*/ 79514 w 865350"/>
+                <a:gd name="connsiteY1" fmla="*/ 258417 h 785191"/>
+                <a:gd name="connsiteX2" fmla="*/ 149087 w 865350"/>
+                <a:gd name="connsiteY2" fmla="*/ 178904 h 785191"/>
+                <a:gd name="connsiteX3" fmla="*/ 159027 w 865350"/>
+                <a:gd name="connsiteY3" fmla="*/ 139147 h 785191"/>
+                <a:gd name="connsiteX4" fmla="*/ 39757 w 865350"/>
+                <a:gd name="connsiteY4" fmla="*/ 119269 h 785191"/>
+                <a:gd name="connsiteX5" fmla="*/ 79514 w 865350"/>
+                <a:gd name="connsiteY5" fmla="*/ 149087 h 785191"/>
+                <a:gd name="connsiteX6" fmla="*/ 129209 w 865350"/>
+                <a:gd name="connsiteY6" fmla="*/ 89452 h 785191"/>
+                <a:gd name="connsiteX7" fmla="*/ 178905 w 865350"/>
+                <a:gd name="connsiteY7" fmla="*/ 159026 h 785191"/>
+                <a:gd name="connsiteX8" fmla="*/ 327992 w 865350"/>
+                <a:gd name="connsiteY8" fmla="*/ 149087 h 785191"/>
+                <a:gd name="connsiteX9" fmla="*/ 288235 w 865350"/>
+                <a:gd name="connsiteY9" fmla="*/ 129208 h 785191"/>
+                <a:gd name="connsiteX10" fmla="*/ 258418 w 865350"/>
+                <a:gd name="connsiteY10" fmla="*/ 159026 h 785191"/>
+                <a:gd name="connsiteX11" fmla="*/ 288235 w 865350"/>
+                <a:gd name="connsiteY11" fmla="*/ 168965 h 785191"/>
+                <a:gd name="connsiteX12" fmla="*/ 298174 w 865350"/>
+                <a:gd name="connsiteY12" fmla="*/ 29817 h 785191"/>
+                <a:gd name="connsiteX13" fmla="*/ 308114 w 865350"/>
+                <a:gd name="connsiteY13" fmla="*/ 69574 h 785191"/>
+                <a:gd name="connsiteX14" fmla="*/ 347870 w 865350"/>
+                <a:gd name="connsiteY14" fmla="*/ 79513 h 785191"/>
+                <a:gd name="connsiteX15" fmla="*/ 377687 w 865350"/>
+                <a:gd name="connsiteY15" fmla="*/ 29817 h 785191"/>
+                <a:gd name="connsiteX16" fmla="*/ 337931 w 865350"/>
+                <a:gd name="connsiteY16" fmla="*/ 0 h 785191"/>
+                <a:gd name="connsiteX17" fmla="*/ 347870 w 865350"/>
+                <a:gd name="connsiteY17" fmla="*/ 59634 h 785191"/>
+                <a:gd name="connsiteX18" fmla="*/ 506896 w 865350"/>
+                <a:gd name="connsiteY18" fmla="*/ 69574 h 785191"/>
+                <a:gd name="connsiteX19" fmla="*/ 457200 w 865350"/>
+                <a:gd name="connsiteY19" fmla="*/ 39756 h 785191"/>
+                <a:gd name="connsiteX20" fmla="*/ 427383 w 865350"/>
+                <a:gd name="connsiteY20" fmla="*/ 109330 h 785191"/>
+                <a:gd name="connsiteX21" fmla="*/ 655983 w 865350"/>
+                <a:gd name="connsiteY21" fmla="*/ 168965 h 785191"/>
+                <a:gd name="connsiteX22" fmla="*/ 606287 w 865350"/>
+                <a:gd name="connsiteY22" fmla="*/ 99391 h 785191"/>
+                <a:gd name="connsiteX23" fmla="*/ 536714 w 865350"/>
+                <a:gd name="connsiteY23" fmla="*/ 79513 h 785191"/>
+                <a:gd name="connsiteX24" fmla="*/ 556592 w 865350"/>
+                <a:gd name="connsiteY24" fmla="*/ 139147 h 785191"/>
+                <a:gd name="connsiteX25" fmla="*/ 655983 w 865350"/>
+                <a:gd name="connsiteY25" fmla="*/ 159026 h 785191"/>
+                <a:gd name="connsiteX26" fmla="*/ 675861 w 865350"/>
+                <a:gd name="connsiteY26" fmla="*/ 89452 h 785191"/>
+                <a:gd name="connsiteX27" fmla="*/ 636105 w 865350"/>
+                <a:gd name="connsiteY27" fmla="*/ 79513 h 785191"/>
+                <a:gd name="connsiteX28" fmla="*/ 705679 w 865350"/>
+                <a:gd name="connsiteY28" fmla="*/ 159026 h 785191"/>
+                <a:gd name="connsiteX29" fmla="*/ 725557 w 865350"/>
+                <a:gd name="connsiteY29" fmla="*/ 119269 h 785191"/>
+                <a:gd name="connsiteX30" fmla="*/ 646044 w 865350"/>
+                <a:gd name="connsiteY30" fmla="*/ 159026 h 785191"/>
+                <a:gd name="connsiteX31" fmla="*/ 735496 w 865350"/>
+                <a:gd name="connsiteY31" fmla="*/ 298174 h 785191"/>
+                <a:gd name="connsiteX32" fmla="*/ 765314 w 865350"/>
+                <a:gd name="connsiteY32" fmla="*/ 268356 h 785191"/>
+                <a:gd name="connsiteX33" fmla="*/ 725557 w 865350"/>
+                <a:gd name="connsiteY33" fmla="*/ 298174 h 785191"/>
+                <a:gd name="connsiteX34" fmla="*/ 725557 w 865350"/>
+                <a:gd name="connsiteY34" fmla="*/ 308113 h 785191"/>
+                <a:gd name="connsiteX35" fmla="*/ 655983 w 865350"/>
+                <a:gd name="connsiteY35" fmla="*/ 347869 h 785191"/>
+                <a:gd name="connsiteX36" fmla="*/ 765314 w 865350"/>
+                <a:gd name="connsiteY36" fmla="*/ 427382 h 785191"/>
+                <a:gd name="connsiteX37" fmla="*/ 735496 w 865350"/>
+                <a:gd name="connsiteY37" fmla="*/ 397565 h 785191"/>
+                <a:gd name="connsiteX38" fmla="*/ 834887 w 865350"/>
+                <a:gd name="connsiteY38" fmla="*/ 546652 h 785191"/>
+                <a:gd name="connsiteX39" fmla="*/ 864705 w 865350"/>
+                <a:gd name="connsiteY39" fmla="*/ 477078 h 785191"/>
+                <a:gd name="connsiteX40" fmla="*/ 824948 w 865350"/>
+                <a:gd name="connsiteY40" fmla="*/ 496956 h 785191"/>
+                <a:gd name="connsiteX41" fmla="*/ 815009 w 865350"/>
+                <a:gd name="connsiteY41" fmla="*/ 536713 h 785191"/>
+                <a:gd name="connsiteX42" fmla="*/ 834887 w 865350"/>
+                <a:gd name="connsiteY42" fmla="*/ 566530 h 785191"/>
+                <a:gd name="connsiteX43" fmla="*/ 795131 w 865350"/>
+                <a:gd name="connsiteY43" fmla="*/ 556591 h 785191"/>
+                <a:gd name="connsiteX44" fmla="*/ 785192 w 865350"/>
+                <a:gd name="connsiteY44" fmla="*/ 636104 h 785191"/>
+                <a:gd name="connsiteX45" fmla="*/ 765314 w 865350"/>
+                <a:gd name="connsiteY45" fmla="*/ 675860 h 785191"/>
+                <a:gd name="connsiteX46" fmla="*/ 735496 w 865350"/>
+                <a:gd name="connsiteY46" fmla="*/ 665921 h 785191"/>
+                <a:gd name="connsiteX47" fmla="*/ 725557 w 865350"/>
+                <a:gd name="connsiteY47" fmla="*/ 755374 h 785191"/>
+                <a:gd name="connsiteX48" fmla="*/ 735496 w 865350"/>
+                <a:gd name="connsiteY48" fmla="*/ 785191 h 785191"/>
+                <a:gd name="connsiteX49" fmla="*/ 735496 w 865350"/>
+                <a:gd name="connsiteY49" fmla="*/ 636104 h 785191"/>
+                <a:gd name="connsiteX50" fmla="*/ 795131 w 865350"/>
+                <a:gd name="connsiteY50" fmla="*/ 616226 h 785191"/>
+                <a:gd name="connsiteX51" fmla="*/ 735496 w 865350"/>
+                <a:gd name="connsiteY51" fmla="*/ 496956 h 785191"/>
+                <a:gd name="connsiteX52" fmla="*/ 755374 w 865350"/>
+                <a:gd name="connsiteY52" fmla="*/ 467139 h 785191"/>
+                <a:gd name="connsiteX53" fmla="*/ 715618 w 865350"/>
+                <a:gd name="connsiteY53" fmla="*/ 427382 h 785191"/>
+                <a:gd name="connsiteX54" fmla="*/ 685800 w 865350"/>
+                <a:gd name="connsiteY54" fmla="*/ 377687 h 785191"/>
+                <a:gd name="connsiteX55" fmla="*/ 586409 w 865350"/>
+                <a:gd name="connsiteY55" fmla="*/ 327991 h 785191"/>
+                <a:gd name="connsiteX56" fmla="*/ 546653 w 865350"/>
+                <a:gd name="connsiteY56" fmla="*/ 318052 h 785191"/>
+                <a:gd name="connsiteX57" fmla="*/ 516835 w 865350"/>
+                <a:gd name="connsiteY57" fmla="*/ 308113 h 785191"/>
+                <a:gd name="connsiteX58" fmla="*/ 447261 w 865350"/>
+                <a:gd name="connsiteY58" fmla="*/ 268356 h 785191"/>
+                <a:gd name="connsiteX59" fmla="*/ 496957 w 865350"/>
+                <a:gd name="connsiteY59" fmla="*/ 248478 h 785191"/>
+                <a:gd name="connsiteX60" fmla="*/ 526774 w 865350"/>
+                <a:gd name="connsiteY60" fmla="*/ 238539 h 785191"/>
+                <a:gd name="connsiteX61" fmla="*/ 546653 w 865350"/>
+                <a:gd name="connsiteY61" fmla="*/ 188843 h 785191"/>
+                <a:gd name="connsiteX62" fmla="*/ 566531 w 865350"/>
+                <a:gd name="connsiteY62" fmla="*/ 159026 h 785191"/>
+                <a:gd name="connsiteX63" fmla="*/ 616227 w 865350"/>
+                <a:gd name="connsiteY63" fmla="*/ 308113 h 785191"/>
+                <a:gd name="connsiteX64" fmla="*/ 606287 w 865350"/>
+                <a:gd name="connsiteY64" fmla="*/ 337930 h 785191"/>
+                <a:gd name="connsiteX65" fmla="*/ 506896 w 865350"/>
+                <a:gd name="connsiteY65" fmla="*/ 159026 h 785191"/>
+                <a:gd name="connsiteX66" fmla="*/ 496957 w 865350"/>
+                <a:gd name="connsiteY66" fmla="*/ 89452 h 785191"/>
+                <a:gd name="connsiteX67" fmla="*/ 327992 w 865350"/>
+                <a:gd name="connsiteY67" fmla="*/ 69574 h 785191"/>
+                <a:gd name="connsiteX68" fmla="*/ 288235 w 865350"/>
+                <a:gd name="connsiteY68" fmla="*/ 79513 h 785191"/>
+                <a:gd name="connsiteX69" fmla="*/ 288235 w 865350"/>
+                <a:gd name="connsiteY69" fmla="*/ 178904 h 785191"/>
+                <a:gd name="connsiteX70" fmla="*/ 318053 w 865350"/>
+                <a:gd name="connsiteY70" fmla="*/ 188843 h 785191"/>
+                <a:gd name="connsiteX71" fmla="*/ 327992 w 865350"/>
+                <a:gd name="connsiteY71" fmla="*/ 268356 h 785191"/>
+                <a:gd name="connsiteX72" fmla="*/ 278296 w 865350"/>
+                <a:gd name="connsiteY72" fmla="*/ 218660 h 785191"/>
+                <a:gd name="connsiteX73" fmla="*/ 318053 w 865350"/>
+                <a:gd name="connsiteY73" fmla="*/ 198782 h 785191"/>
+                <a:gd name="connsiteX74" fmla="*/ 327992 w 865350"/>
+                <a:gd name="connsiteY74" fmla="*/ 268356 h 785191"/>
+                <a:gd name="connsiteX75" fmla="*/ 298174 w 865350"/>
+                <a:gd name="connsiteY75" fmla="*/ 367747 h 785191"/>
+                <a:gd name="connsiteX76" fmla="*/ 238540 w 865350"/>
+                <a:gd name="connsiteY76" fmla="*/ 318052 h 785191"/>
+                <a:gd name="connsiteX77" fmla="*/ 208722 w 865350"/>
+                <a:gd name="connsiteY77" fmla="*/ 268356 h 785191"/>
+                <a:gd name="connsiteX78" fmla="*/ 268357 w 865350"/>
+                <a:gd name="connsiteY78" fmla="*/ 258417 h 785191"/>
+                <a:gd name="connsiteX79" fmla="*/ 318053 w 865350"/>
+                <a:gd name="connsiteY79" fmla="*/ 228600 h 785191"/>
+                <a:gd name="connsiteX80" fmla="*/ 347870 w 865350"/>
+                <a:gd name="connsiteY80" fmla="*/ 218660 h 785191"/>
+                <a:gd name="connsiteX81" fmla="*/ 367748 w 865350"/>
+                <a:gd name="connsiteY81" fmla="*/ 149087 h 785191"/>
+              </a:gdLst>
+              <a:ahLst/>
+              <a:cxnLst>
+                <a:cxn ang="0">
+                  <a:pos x="connsiteX0" y="connsiteY0"/>
+                </a:cxn>
+                <a:cxn ang="0">
+                  <a:pos x="connsiteX1" y="connsiteY1"/>
+                </a:cxn>
+                <a:cxn ang="0">
+                  <a:pos x="connsiteX2" y="connsiteY2"/>
+                </a:cxn>
+                <a:cxn ang="0">
+                  <a:pos x="connsiteX3" y="connsiteY3"/>
+                </a:cxn>
+                <a:cxn ang="0">
+                  <a:pos x="connsiteX4" y="connsiteY4"/>
+                </a:cxn>
+                <a:cxn ang="0">
+                  <a:pos x="connsiteX5" y="connsiteY5"/>
+                </a:cxn>
+                <a:cxn ang="0">
+                  <a:pos x="connsiteX6" y="connsiteY6"/>
+                </a:cxn>
+                <a:cxn ang="0">
+                  <a:pos x="connsiteX7" y="connsiteY7"/>
+                </a:cxn>
+                <a:cxn ang="0">
+                  <a:pos x="connsiteX8" y="connsiteY8"/>
+                </a:cxn>
+                <a:cxn ang="0">
+                  <a:pos x="connsiteX9" y="connsiteY9"/>
+                </a:cxn>
+                <a:cxn ang="0">
+                  <a:pos x="connsiteX10" y="connsiteY10"/>
+                </a:cxn>
+                <a:cxn ang="0">
+                  <a:pos x="connsiteX11" y="connsiteY11"/>
+                </a:cxn>
+                <a:cxn ang="0">
+                  <a:pos x="connsiteX12" y="connsiteY12"/>
+                </a:cxn>
+                <a:cxn ang="0">
+                  <a:pos x="connsiteX13" y="connsiteY13"/>
+                </a:cxn>
+                <a:cxn ang="0">
+                  <a:pos x="connsiteX14" y="connsiteY14"/>
+                </a:cxn>
+                <a:cxn ang="0">
+                  <a:pos x="connsiteX15" y="connsiteY15"/>
+                </a:cxn>
+                <a:cxn ang="0">
+                  <a:pos x="connsiteX16" y="connsiteY16"/>
+                </a:cxn>
+                <a:cxn ang="0">
+                  <a:pos x="connsiteX17" y="connsiteY17"/>
+                </a:cxn>
+                <a:cxn ang="0">
+                  <a:pos x="connsiteX18" y="connsiteY18"/>
+                </a:cxn>
+                <a:cxn ang="0">
+                  <a:pos x="connsiteX19" y="connsiteY19"/>
+                </a:cxn>
+                <a:cxn ang="0">
+                  <a:pos x="connsiteX20" y="connsiteY20"/>
+                </a:cxn>
+                <a:cxn ang="0">
+                  <a:pos x="connsiteX21" y="connsiteY21"/>
+                </a:cxn>
+                <a:cxn ang="0">
+                  <a:pos x="connsiteX22" y="connsiteY22"/>
+                </a:cxn>
+                <a:cxn ang="0">
+                  <a:pos x="connsiteX23" y="connsiteY23"/>
+                </a:cxn>
+                <a:cxn ang="0">
+                  <a:pos x="connsiteX24" y="connsiteY24"/>
+                </a:cxn>
+                <a:cxn ang="0">
+                  <a:pos x="connsiteX25" y="connsiteY25"/>
+                </a:cxn>
+                <a:cxn ang="0">
+                  <a:pos x="connsiteX26" y="connsiteY26"/>
+                </a:cxn>
+                <a:cxn ang="0">
+                  <a:pos x="connsiteX27" y="connsiteY27"/>
+                </a:cxn>
+                <a:cxn ang="0">
+                  <a:pos x="connsiteX28" y="connsiteY28"/>
+                </a:cxn>
+                <a:cxn ang="0">
+                  <a:pos x="connsiteX29" y="connsiteY29"/>
+                </a:cxn>
+                <a:cxn ang="0">
+                  <a:pos x="connsiteX30" y="connsiteY30"/>
+                </a:cxn>
+                <a:cxn ang="0">
+                  <a:pos x="connsiteX31" y="connsiteY31"/>
+                </a:cxn>
+                <a:cxn ang="0">
+                  <a:pos x="connsiteX32" y="connsiteY32"/>
+                </a:cxn>
+                <a:cxn ang="0">
+                  <a:pos x="connsiteX33" y="connsiteY33"/>
+                </a:cxn>
+                <a:cxn ang="0">
+                  <a:pos x="connsiteX34" y="connsiteY34"/>
+                </a:cxn>
+                <a:cxn ang="0">
+                  <a:pos x="connsiteX35" y="connsiteY35"/>
+                </a:cxn>
+                <a:cxn ang="0">
+                  <a:pos x="connsiteX36" y="connsiteY36"/>
+                </a:cxn>
+                <a:cxn ang="0">
+                  <a:pos x="connsiteX37" y="connsiteY37"/>
+                </a:cxn>
+                <a:cxn ang="0">
+                  <a:pos x="connsiteX38" y="connsiteY38"/>
+                </a:cxn>
+                <a:cxn ang="0">
+                  <a:pos x="connsiteX39" y="connsiteY39"/>
+                </a:cxn>
+                <a:cxn ang="0">
+                  <a:pos x="connsiteX40" y="connsiteY40"/>
+                </a:cxn>
+                <a:cxn ang="0">
+                  <a:pos x="connsiteX41" y="connsiteY41"/>
+                </a:cxn>
+                <a:cxn ang="0">
+                  <a:pos x="connsiteX42" y="connsiteY42"/>
+                </a:cxn>
+                <a:cxn ang="0">
+                  <a:pos x="connsiteX43" y="connsiteY43"/>
+                </a:cxn>
+                <a:cxn ang="0">
+                  <a:pos x="connsiteX44" y="connsiteY44"/>
+                </a:cxn>
+                <a:cxn ang="0">
+                  <a:pos x="connsiteX45" y="connsiteY45"/>
+                </a:cxn>
+                <a:cxn ang="0">
+                  <a:pos x="connsiteX46" y="connsiteY46"/>
+                </a:cxn>
+                <a:cxn ang="0">
+                  <a:pos x="connsiteX47" y="connsiteY47"/>
+                </a:cxn>
+                <a:cxn ang="0">
+                  <a:pos x="connsiteX48" y="connsiteY48"/>
+                </a:cxn>
+                <a:cxn ang="0">
+                  <a:pos x="connsiteX49" y="connsiteY49"/>
+                </a:cxn>
+                <a:cxn ang="0">
+                  <a:pos x="connsiteX50" y="connsiteY50"/>
+                </a:cxn>
+                <a:cxn ang="0">
+                  <a:pos x="connsiteX51" y="connsiteY51"/>
+                </a:cxn>
+                <a:cxn ang="0">
+                  <a:pos x="connsiteX52" y="connsiteY52"/>
+                </a:cxn>
+                <a:cxn ang="0">
+                  <a:pos x="connsiteX53" y="connsiteY53"/>
+                </a:cxn>
+                <a:cxn ang="0">
+                  <a:pos x="connsiteX54" y="connsiteY54"/>
+                </a:cxn>
+                <a:cxn ang="0">
+                  <a:pos x="connsiteX55" y="connsiteY55"/>
+                </a:cxn>
+                <a:cxn ang="0">
+                  <a:pos x="connsiteX56" y="connsiteY56"/>
+                </a:cxn>
+                <a:cxn ang="0">
+                  <a:pos x="connsiteX57" y="connsiteY57"/>
+                </a:cxn>
+                <a:cxn ang="0">
+                  <a:pos x="connsiteX58" y="connsiteY58"/>
+                </a:cxn>
+                <a:cxn ang="0">
+                  <a:pos x="connsiteX59" y="connsiteY59"/>
+                </a:cxn>
+                <a:cxn ang="0">
+                  <a:pos x="connsiteX60" y="connsiteY60"/>
+                </a:cxn>
+                <a:cxn ang="0">
+                  <a:pos x="connsiteX61" y="connsiteY61"/>
+                </a:cxn>
+                <a:cxn ang="0">
+                  <a:pos x="connsiteX62" y="connsiteY62"/>
+                </a:cxn>
+                <a:cxn ang="0">
+                  <a:pos x="connsiteX63" y="connsiteY63"/>
+                </a:cxn>
+                <a:cxn ang="0">
+                  <a:pos x="connsiteX64" y="connsiteY64"/>
+                </a:cxn>
+                <a:cxn ang="0">
+                  <a:pos x="connsiteX65" y="connsiteY65"/>
+                </a:cxn>
+                <a:cxn ang="0">
+                  <a:pos x="connsiteX66" y="connsiteY66"/>
+                </a:cxn>
+                <a:cxn ang="0">
+                  <a:pos x="connsiteX67" y="connsiteY67"/>
+                </a:cxn>
+                <a:cxn ang="0">
+                  <a:pos x="connsiteX68" y="connsiteY68"/>
+                </a:cxn>
+                <a:cxn ang="0">
+                  <a:pos x="connsiteX69" y="connsiteY69"/>
+                </a:cxn>
+                <a:cxn ang="0">
+                  <a:pos x="connsiteX70" y="connsiteY70"/>
+                </a:cxn>
+                <a:cxn ang="0">
+                  <a:pos x="connsiteX71" y="connsiteY71"/>
+                </a:cxn>
+                <a:cxn ang="0">
+                  <a:pos x="connsiteX72" y="connsiteY72"/>
+                </a:cxn>
+                <a:cxn ang="0">
+                  <a:pos x="connsiteX73" y="connsiteY73"/>
+                </a:cxn>
+                <a:cxn ang="0">
+                  <a:pos x="connsiteX74" y="connsiteY74"/>
+                </a:cxn>
+                <a:cxn ang="0">
+                  <a:pos x="connsiteX75" y="connsiteY75"/>
+                </a:cxn>
+                <a:cxn ang="0">
+                  <a:pos x="connsiteX76" y="connsiteY76"/>
+                </a:cxn>
+                <a:cxn ang="0">
+                  <a:pos x="connsiteX77" y="connsiteY77"/>
+                </a:cxn>
+                <a:cxn ang="0">
+                  <a:pos x="connsiteX78" y="connsiteY78"/>
+                </a:cxn>
+                <a:cxn ang="0">
+                  <a:pos x="connsiteX79" y="connsiteY79"/>
+                </a:cxn>
+                <a:cxn ang="0">
+                  <a:pos x="connsiteX80" y="connsiteY80"/>
+                </a:cxn>
+                <a:cxn ang="0">
+                  <a:pos x="connsiteX81" y="connsiteY81"/>
+                </a:cxn>
+              </a:cxnLst>
+              <a:rect l="l" t="t" r="r" b="b"/>
+              <a:pathLst>
+                <a:path w="865350" h="785191">
+                  <a:moveTo>
+                    <a:pt x="0" y="278295"/>
+                  </a:moveTo>
+                  <a:cubicBezTo>
+                    <a:pt x="3967" y="277502"/>
+                    <a:pt x="68401" y="266752"/>
+                    <a:pt x="79514" y="258417"/>
+                  </a:cubicBezTo>
+                  <a:cubicBezTo>
+                    <a:pt x="118274" y="229347"/>
+                    <a:pt x="126097" y="213389"/>
+                    <a:pt x="149087" y="178904"/>
+                  </a:cubicBezTo>
+                  <a:cubicBezTo>
+                    <a:pt x="152400" y="165652"/>
+                    <a:pt x="168686" y="148806"/>
+                    <a:pt x="159027" y="139147"/>
+                  </a:cubicBezTo>
+                  <a:cubicBezTo>
+                    <a:pt x="112876" y="92996"/>
+                    <a:pt x="84703" y="108033"/>
+                    <a:pt x="39757" y="119269"/>
+                  </a:cubicBezTo>
+                  <a:cubicBezTo>
+                    <a:pt x="53009" y="129208"/>
+                    <a:pt x="62949" y="149087"/>
+                    <a:pt x="79514" y="149087"/>
+                  </a:cubicBezTo>
+                  <a:cubicBezTo>
+                    <a:pt x="92268" y="149087"/>
+                    <a:pt x="123213" y="98446"/>
+                    <a:pt x="129209" y="89452"/>
+                  </a:cubicBezTo>
+                  <a:cubicBezTo>
+                    <a:pt x="145774" y="112643"/>
+                    <a:pt x="153758" y="145614"/>
+                    <a:pt x="178905" y="159026"/>
+                  </a:cubicBezTo>
+                  <a:cubicBezTo>
+                    <a:pt x="241660" y="192495"/>
+                    <a:pt x="276526" y="169673"/>
+                    <a:pt x="327992" y="149087"/>
+                  </a:cubicBezTo>
+                  <a:cubicBezTo>
+                    <a:pt x="314740" y="142461"/>
+                    <a:pt x="302903" y="127113"/>
+                    <a:pt x="288235" y="129208"/>
+                  </a:cubicBezTo>
+                  <a:cubicBezTo>
+                    <a:pt x="274320" y="131196"/>
+                    <a:pt x="258418" y="144970"/>
+                    <a:pt x="258418" y="159026"/>
+                  </a:cubicBezTo>
+                  <a:cubicBezTo>
+                    <a:pt x="258418" y="169503"/>
+                    <a:pt x="278296" y="165652"/>
+                    <a:pt x="288235" y="168965"/>
+                  </a:cubicBezTo>
+                  <a:cubicBezTo>
+                    <a:pt x="380809" y="150451"/>
+                    <a:pt x="346392" y="174474"/>
+                    <a:pt x="298174" y="29817"/>
+                  </a:cubicBezTo>
+                  <a:cubicBezTo>
+                    <a:pt x="293854" y="16858"/>
+                    <a:pt x="298455" y="59915"/>
+                    <a:pt x="308114" y="69574"/>
+                  </a:cubicBezTo>
+                  <a:cubicBezTo>
+                    <a:pt x="317773" y="79233"/>
+                    <a:pt x="334618" y="76200"/>
+                    <a:pt x="347870" y="79513"/>
+                  </a:cubicBezTo>
+                  <a:cubicBezTo>
+                    <a:pt x="355922" y="71460"/>
+                    <a:pt x="386288" y="47019"/>
+                    <a:pt x="377687" y="29817"/>
+                  </a:cubicBezTo>
+                  <a:cubicBezTo>
+                    <a:pt x="370279" y="15001"/>
+                    <a:pt x="351183" y="9939"/>
+                    <a:pt x="337931" y="0"/>
+                  </a:cubicBezTo>
+                  <a:cubicBezTo>
+                    <a:pt x="341244" y="19878"/>
+                    <a:pt x="333620" y="45384"/>
+                    <a:pt x="347870" y="59634"/>
+                  </a:cubicBezTo>
+                  <a:cubicBezTo>
+                    <a:pt x="400417" y="112181"/>
+                    <a:pt x="450636" y="83639"/>
+                    <a:pt x="506896" y="69574"/>
+                  </a:cubicBezTo>
+                  <a:cubicBezTo>
+                    <a:pt x="490331" y="59635"/>
+                    <a:pt x="474479" y="31117"/>
+                    <a:pt x="457200" y="39756"/>
+                  </a:cubicBezTo>
+                  <a:cubicBezTo>
+                    <a:pt x="434632" y="51040"/>
+                    <a:pt x="416099" y="86762"/>
+                    <a:pt x="427383" y="109330"/>
+                  </a:cubicBezTo>
+                  <a:cubicBezTo>
+                    <a:pt x="460042" y="174649"/>
+                    <a:pt x="615650" y="166084"/>
+                    <a:pt x="655983" y="168965"/>
+                  </a:cubicBezTo>
+                  <a:cubicBezTo>
+                    <a:pt x="639418" y="145774"/>
+                    <a:pt x="629087" y="116491"/>
+                    <a:pt x="606287" y="99391"/>
+                  </a:cubicBezTo>
+                  <a:cubicBezTo>
+                    <a:pt x="586992" y="84920"/>
+                    <a:pt x="555548" y="64446"/>
+                    <a:pt x="536714" y="79513"/>
+                  </a:cubicBezTo>
+                  <a:cubicBezTo>
+                    <a:pt x="520352" y="92602"/>
+                    <a:pt x="539158" y="127524"/>
+                    <a:pt x="556592" y="139147"/>
+                  </a:cubicBezTo>
+                  <a:cubicBezTo>
+                    <a:pt x="584704" y="157888"/>
+                    <a:pt x="622853" y="152400"/>
+                    <a:pt x="655983" y="159026"/>
+                  </a:cubicBezTo>
+                  <a:cubicBezTo>
+                    <a:pt x="682177" y="141563"/>
+                    <a:pt x="713144" y="134192"/>
+                    <a:pt x="675861" y="89452"/>
+                  </a:cubicBezTo>
+                  <a:cubicBezTo>
+                    <a:pt x="667116" y="78958"/>
+                    <a:pt x="649357" y="82826"/>
+                    <a:pt x="636105" y="79513"/>
+                  </a:cubicBezTo>
+                  <a:cubicBezTo>
+                    <a:pt x="659296" y="106017"/>
+                    <a:pt x="673496" y="144723"/>
+                    <a:pt x="705679" y="159026"/>
+                  </a:cubicBezTo>
+                  <a:cubicBezTo>
+                    <a:pt x="719218" y="165043"/>
+                    <a:pt x="740373" y="119269"/>
+                    <a:pt x="725557" y="119269"/>
+                  </a:cubicBezTo>
+                  <a:cubicBezTo>
+                    <a:pt x="695924" y="119269"/>
+                    <a:pt x="672548" y="145774"/>
+                    <a:pt x="646044" y="159026"/>
+                  </a:cubicBezTo>
+                  <a:cubicBezTo>
+                    <a:pt x="660000" y="221830"/>
+                    <a:pt x="652361" y="281547"/>
+                    <a:pt x="735496" y="298174"/>
+                  </a:cubicBezTo>
+                  <a:cubicBezTo>
+                    <a:pt x="749279" y="300931"/>
+                    <a:pt x="779370" y="268356"/>
+                    <a:pt x="765314" y="268356"/>
+                  </a:cubicBezTo>
+                  <a:cubicBezTo>
+                    <a:pt x="748749" y="268356"/>
+                    <a:pt x="738809" y="288235"/>
+                    <a:pt x="725557" y="298174"/>
+                  </a:cubicBezTo>
+                  <a:cubicBezTo>
+                    <a:pt x="777373" y="401805"/>
+                    <a:pt x="732211" y="307374"/>
+                    <a:pt x="725557" y="308113"/>
+                  </a:cubicBezTo>
+                  <a:cubicBezTo>
+                    <a:pt x="699010" y="311063"/>
+                    <a:pt x="679174" y="334617"/>
+                    <a:pt x="655983" y="347869"/>
+                  </a:cubicBezTo>
+                  <a:cubicBezTo>
+                    <a:pt x="667355" y="363789"/>
+                    <a:pt x="712949" y="462292"/>
+                    <a:pt x="765314" y="427382"/>
+                  </a:cubicBezTo>
+                  <a:cubicBezTo>
+                    <a:pt x="777009" y="419585"/>
+                    <a:pt x="728414" y="385424"/>
+                    <a:pt x="735496" y="397565"/>
+                  </a:cubicBezTo>
+                  <a:cubicBezTo>
+                    <a:pt x="765590" y="449156"/>
+                    <a:pt x="801757" y="496956"/>
+                    <a:pt x="834887" y="546652"/>
+                  </a:cubicBezTo>
+                  <a:cubicBezTo>
+                    <a:pt x="844826" y="523461"/>
+                    <a:pt x="869653" y="501820"/>
+                    <a:pt x="864705" y="477078"/>
+                  </a:cubicBezTo>
+                  <a:cubicBezTo>
+                    <a:pt x="861799" y="462549"/>
+                    <a:pt x="834433" y="485574"/>
+                    <a:pt x="824948" y="496956"/>
+                  </a:cubicBezTo>
+                  <a:cubicBezTo>
+                    <a:pt x="816203" y="507450"/>
+                    <a:pt x="818322" y="523461"/>
+                    <a:pt x="815009" y="536713"/>
+                  </a:cubicBezTo>
+                  <a:cubicBezTo>
+                    <a:pt x="821635" y="546652"/>
+                    <a:pt x="843334" y="558083"/>
+                    <a:pt x="834887" y="566530"/>
+                  </a:cubicBezTo>
+                  <a:cubicBezTo>
+                    <a:pt x="825228" y="576189"/>
+                    <a:pt x="803071" y="545475"/>
+                    <a:pt x="795131" y="556591"/>
+                  </a:cubicBezTo>
+                  <a:cubicBezTo>
+                    <a:pt x="779606" y="578326"/>
+                    <a:pt x="791670" y="610191"/>
+                    <a:pt x="785192" y="636104"/>
+                  </a:cubicBezTo>
+                  <a:cubicBezTo>
+                    <a:pt x="781599" y="650478"/>
+                    <a:pt x="771940" y="662608"/>
+                    <a:pt x="765314" y="675860"/>
+                  </a:cubicBezTo>
+                  <a:cubicBezTo>
+                    <a:pt x="755375" y="672547"/>
+                    <a:pt x="740181" y="656550"/>
+                    <a:pt x="735496" y="665921"/>
+                  </a:cubicBezTo>
+                  <a:cubicBezTo>
+                    <a:pt x="722079" y="692755"/>
+                    <a:pt x="725557" y="725373"/>
+                    <a:pt x="725557" y="755374"/>
+                  </a:cubicBezTo>
+                  <a:cubicBezTo>
+                    <a:pt x="725557" y="765851"/>
+                    <a:pt x="735496" y="785191"/>
+                    <a:pt x="735496" y="785191"/>
+                  </a:cubicBezTo>
+                  <a:cubicBezTo>
+                    <a:pt x="728642" y="744067"/>
+                    <a:pt x="711397" y="673974"/>
+                    <a:pt x="735496" y="636104"/>
+                  </a:cubicBezTo>
+                  <a:cubicBezTo>
+                    <a:pt x="746745" y="618426"/>
+                    <a:pt x="775253" y="622852"/>
+                    <a:pt x="795131" y="616226"/>
+                  </a:cubicBezTo>
+                  <a:cubicBezTo>
+                    <a:pt x="771846" y="583627"/>
+                    <a:pt x="729549" y="544533"/>
+                    <a:pt x="735496" y="496956"/>
+                  </a:cubicBezTo>
+                  <a:cubicBezTo>
+                    <a:pt x="736978" y="485103"/>
+                    <a:pt x="748748" y="477078"/>
+                    <a:pt x="755374" y="467139"/>
+                  </a:cubicBezTo>
+                  <a:cubicBezTo>
+                    <a:pt x="728871" y="387626"/>
+                    <a:pt x="768625" y="480388"/>
+                    <a:pt x="715618" y="427382"/>
+                  </a:cubicBezTo>
+                  <a:cubicBezTo>
+                    <a:pt x="701958" y="413722"/>
+                    <a:pt x="701112" y="389465"/>
+                    <a:pt x="685800" y="377687"/>
+                  </a:cubicBezTo>
+                  <a:cubicBezTo>
+                    <a:pt x="656440" y="355103"/>
+                    <a:pt x="620455" y="342582"/>
+                    <a:pt x="586409" y="327991"/>
+                  </a:cubicBezTo>
+                  <a:cubicBezTo>
+                    <a:pt x="573854" y="322610"/>
+                    <a:pt x="559787" y="321805"/>
+                    <a:pt x="546653" y="318052"/>
+                  </a:cubicBezTo>
+                  <a:cubicBezTo>
+                    <a:pt x="536579" y="315174"/>
+                    <a:pt x="526465" y="312240"/>
+                    <a:pt x="516835" y="308113"/>
+                  </a:cubicBezTo>
+                  <a:cubicBezTo>
+                    <a:pt x="481532" y="292983"/>
+                    <a:pt x="477203" y="288316"/>
+                    <a:pt x="447261" y="268356"/>
+                  </a:cubicBezTo>
+                  <a:cubicBezTo>
+                    <a:pt x="463826" y="261730"/>
+                    <a:pt x="480252" y="254742"/>
+                    <a:pt x="496957" y="248478"/>
+                  </a:cubicBezTo>
+                  <a:cubicBezTo>
+                    <a:pt x="506767" y="244799"/>
+                    <a:pt x="520067" y="246587"/>
+                    <a:pt x="526774" y="238539"/>
+                  </a:cubicBezTo>
+                  <a:cubicBezTo>
+                    <a:pt x="538196" y="224833"/>
+                    <a:pt x="538674" y="204801"/>
+                    <a:pt x="546653" y="188843"/>
+                  </a:cubicBezTo>
+                  <a:cubicBezTo>
+                    <a:pt x="551995" y="178159"/>
+                    <a:pt x="559905" y="168965"/>
+                    <a:pt x="566531" y="159026"/>
+                  </a:cubicBezTo>
+                  <a:cubicBezTo>
+                    <a:pt x="599245" y="289884"/>
+                    <a:pt x="573616" y="244198"/>
+                    <a:pt x="616227" y="308113"/>
+                  </a:cubicBezTo>
+                  <a:cubicBezTo>
+                    <a:pt x="612914" y="318052"/>
+                    <a:pt x="613695" y="345338"/>
+                    <a:pt x="606287" y="337930"/>
+                  </a:cubicBezTo>
+                  <a:cubicBezTo>
+                    <a:pt x="558792" y="290435"/>
+                    <a:pt x="532922" y="219751"/>
+                    <a:pt x="506896" y="159026"/>
+                  </a:cubicBezTo>
+                  <a:cubicBezTo>
+                    <a:pt x="503583" y="135835"/>
+                    <a:pt x="505657" y="111203"/>
+                    <a:pt x="496957" y="89452"/>
+                  </a:cubicBezTo>
+                  <a:cubicBezTo>
+                    <a:pt x="470833" y="24140"/>
+                    <a:pt x="360168" y="67276"/>
+                    <a:pt x="327992" y="69574"/>
+                  </a:cubicBezTo>
+                  <a:cubicBezTo>
+                    <a:pt x="314740" y="72887"/>
+                    <a:pt x="298729" y="70768"/>
+                    <a:pt x="288235" y="79513"/>
+                  </a:cubicBezTo>
+                  <a:cubicBezTo>
+                    <a:pt x="256150" y="106250"/>
+                    <a:pt x="267682" y="150130"/>
+                    <a:pt x="288235" y="178904"/>
+                  </a:cubicBezTo>
+                  <a:cubicBezTo>
+                    <a:pt x="294325" y="187429"/>
+                    <a:pt x="308114" y="185530"/>
+                    <a:pt x="318053" y="188843"/>
+                  </a:cubicBezTo>
+                  <a:cubicBezTo>
+                    <a:pt x="321366" y="215347"/>
+                    <a:pt x="323214" y="242076"/>
+                    <a:pt x="327992" y="268356"/>
+                  </a:cubicBezTo>
+                  <a:cubicBezTo>
+                    <a:pt x="336158" y="313272"/>
+                    <a:pt x="382952" y="358202"/>
+                    <a:pt x="278296" y="218660"/>
+                  </a:cubicBezTo>
+                  <a:cubicBezTo>
+                    <a:pt x="291548" y="212034"/>
+                    <a:pt x="307576" y="188305"/>
+                    <a:pt x="318053" y="198782"/>
+                  </a:cubicBezTo>
+                  <a:cubicBezTo>
+                    <a:pt x="334618" y="215347"/>
+                    <a:pt x="327992" y="244929"/>
+                    <a:pt x="327992" y="268356"/>
+                  </a:cubicBezTo>
+                  <a:cubicBezTo>
+                    <a:pt x="327992" y="332314"/>
+                    <a:pt x="325119" y="327332"/>
+                    <a:pt x="298174" y="367747"/>
+                  </a:cubicBezTo>
+                  <a:cubicBezTo>
+                    <a:pt x="278296" y="351182"/>
+                    <a:pt x="255850" y="337285"/>
+                    <a:pt x="238540" y="318052"/>
+                  </a:cubicBezTo>
+                  <a:cubicBezTo>
+                    <a:pt x="225617" y="303693"/>
+                    <a:pt x="200083" y="285635"/>
+                    <a:pt x="208722" y="268356"/>
+                  </a:cubicBezTo>
+                  <a:cubicBezTo>
+                    <a:pt x="217734" y="250331"/>
+                    <a:pt x="248479" y="261730"/>
+                    <a:pt x="268357" y="258417"/>
+                  </a:cubicBezTo>
+                  <a:cubicBezTo>
+                    <a:pt x="284922" y="248478"/>
+                    <a:pt x="300774" y="237239"/>
+                    <a:pt x="318053" y="228600"/>
+                  </a:cubicBezTo>
+                  <a:cubicBezTo>
+                    <a:pt x="327424" y="223915"/>
+                    <a:pt x="341781" y="227185"/>
+                    <a:pt x="347870" y="218660"/>
+                  </a:cubicBezTo>
+                  <a:cubicBezTo>
+                    <a:pt x="368796" y="189364"/>
+                    <a:pt x="367748" y="174685"/>
+                    <a:pt x="367748" y="149087"/>
+                  </a:cubicBezTo>
+                </a:path>
+              </a:pathLst>
+            </a:custGeom>
+            <a:solidFill>
+              <a:schemeClr val="bg1"/>
+            </a:solidFill>
+            <a:ln w="38100">
+              <a:solidFill>
+                <a:schemeClr val="tx1"/>
+              </a:solidFill>
+            </a:ln>
+          </p:spPr>
+          <p:style>
+            <a:lnRef idx="2">
+              <a:schemeClr val="accent1">
+                <a:shade val="15000"/>
+              </a:schemeClr>
+            </a:lnRef>
+            <a:fillRef idx="1">
+              <a:schemeClr val="accent1"/>
+            </a:fillRef>
+            <a:effectRef idx="0">
+              <a:schemeClr val="accent1"/>
+            </a:effectRef>
+            <a:fontRef idx="minor">
+              <a:schemeClr val="lt1"/>
+            </a:fontRef>
+          </p:style>
+          <p:txBody>
+            <a:bodyPr rtlCol="0" anchor="ctr"/>
+            <a:lstStyle/>
+            <a:p>
+              <a:pPr algn="ctr"/>
+              <a:endParaRPr lang="en-GB"/>
+            </a:p>
+          </p:txBody>
+        </p:sp>
+        <p:sp>
+          <p:nvSpPr>
+            <p:cNvPr id="34" name="Freeform: Shape 33">
+              <a:extLst>
+                <a:ext uri="{FF2B5EF4-FFF2-40B4-BE49-F238E27FC236}">
+                  <a16:creationId xmlns:a16="http://schemas.microsoft.com/office/drawing/2014/main" id="{7A4B7FAF-E7B6-2329-1478-BF444D930ADE}"/>
+                </a:ext>
+              </a:extLst>
+            </p:cNvPr>
+            <p:cNvSpPr/>
+            <p:nvPr/>
+          </p:nvSpPr>
+          <p:spPr>
+            <a:xfrm>
+              <a:off x="7478823" y="2648967"/>
+              <a:ext cx="871373" cy="1105683"/>
+            </a:xfrm>
+            <a:custGeom>
+              <a:avLst/>
+              <a:gdLst>
+                <a:gd name="connsiteX0" fmla="*/ 0 w 865350"/>
+                <a:gd name="connsiteY0" fmla="*/ 278295 h 785191"/>
+                <a:gd name="connsiteX1" fmla="*/ 79514 w 865350"/>
+                <a:gd name="connsiteY1" fmla="*/ 258417 h 785191"/>
+                <a:gd name="connsiteX2" fmla="*/ 149087 w 865350"/>
+                <a:gd name="connsiteY2" fmla="*/ 178904 h 785191"/>
+                <a:gd name="connsiteX3" fmla="*/ 159027 w 865350"/>
+                <a:gd name="connsiteY3" fmla="*/ 139147 h 785191"/>
+                <a:gd name="connsiteX4" fmla="*/ 39757 w 865350"/>
+                <a:gd name="connsiteY4" fmla="*/ 119269 h 785191"/>
+                <a:gd name="connsiteX5" fmla="*/ 79514 w 865350"/>
+                <a:gd name="connsiteY5" fmla="*/ 149087 h 785191"/>
+                <a:gd name="connsiteX6" fmla="*/ 129209 w 865350"/>
+                <a:gd name="connsiteY6" fmla="*/ 89452 h 785191"/>
+                <a:gd name="connsiteX7" fmla="*/ 178905 w 865350"/>
+                <a:gd name="connsiteY7" fmla="*/ 159026 h 785191"/>
+                <a:gd name="connsiteX8" fmla="*/ 327992 w 865350"/>
+                <a:gd name="connsiteY8" fmla="*/ 149087 h 785191"/>
+                <a:gd name="connsiteX9" fmla="*/ 288235 w 865350"/>
+                <a:gd name="connsiteY9" fmla="*/ 129208 h 785191"/>
+                <a:gd name="connsiteX10" fmla="*/ 258418 w 865350"/>
+                <a:gd name="connsiteY10" fmla="*/ 159026 h 785191"/>
+                <a:gd name="connsiteX11" fmla="*/ 288235 w 865350"/>
+                <a:gd name="connsiteY11" fmla="*/ 168965 h 785191"/>
+                <a:gd name="connsiteX12" fmla="*/ 298174 w 865350"/>
+                <a:gd name="connsiteY12" fmla="*/ 29817 h 785191"/>
+                <a:gd name="connsiteX13" fmla="*/ 308114 w 865350"/>
+                <a:gd name="connsiteY13" fmla="*/ 69574 h 785191"/>
+                <a:gd name="connsiteX14" fmla="*/ 347870 w 865350"/>
+                <a:gd name="connsiteY14" fmla="*/ 79513 h 785191"/>
+                <a:gd name="connsiteX15" fmla="*/ 377687 w 865350"/>
+                <a:gd name="connsiteY15" fmla="*/ 29817 h 785191"/>
+                <a:gd name="connsiteX16" fmla="*/ 337931 w 865350"/>
+                <a:gd name="connsiteY16" fmla="*/ 0 h 785191"/>
+                <a:gd name="connsiteX17" fmla="*/ 347870 w 865350"/>
+                <a:gd name="connsiteY17" fmla="*/ 59634 h 785191"/>
+                <a:gd name="connsiteX18" fmla="*/ 506896 w 865350"/>
+                <a:gd name="connsiteY18" fmla="*/ 69574 h 785191"/>
+                <a:gd name="connsiteX19" fmla="*/ 457200 w 865350"/>
+                <a:gd name="connsiteY19" fmla="*/ 39756 h 785191"/>
+                <a:gd name="connsiteX20" fmla="*/ 427383 w 865350"/>
+                <a:gd name="connsiteY20" fmla="*/ 109330 h 785191"/>
+                <a:gd name="connsiteX21" fmla="*/ 655983 w 865350"/>
+                <a:gd name="connsiteY21" fmla="*/ 168965 h 785191"/>
+                <a:gd name="connsiteX22" fmla="*/ 606287 w 865350"/>
+                <a:gd name="connsiteY22" fmla="*/ 99391 h 785191"/>
+                <a:gd name="connsiteX23" fmla="*/ 536714 w 865350"/>
+                <a:gd name="connsiteY23" fmla="*/ 79513 h 785191"/>
+                <a:gd name="connsiteX24" fmla="*/ 556592 w 865350"/>
+                <a:gd name="connsiteY24" fmla="*/ 139147 h 785191"/>
+                <a:gd name="connsiteX25" fmla="*/ 655983 w 865350"/>
+                <a:gd name="connsiteY25" fmla="*/ 159026 h 785191"/>
+                <a:gd name="connsiteX26" fmla="*/ 675861 w 865350"/>
+                <a:gd name="connsiteY26" fmla="*/ 89452 h 785191"/>
+                <a:gd name="connsiteX27" fmla="*/ 636105 w 865350"/>
+                <a:gd name="connsiteY27" fmla="*/ 79513 h 785191"/>
+                <a:gd name="connsiteX28" fmla="*/ 705679 w 865350"/>
+                <a:gd name="connsiteY28" fmla="*/ 159026 h 785191"/>
+                <a:gd name="connsiteX29" fmla="*/ 725557 w 865350"/>
+                <a:gd name="connsiteY29" fmla="*/ 119269 h 785191"/>
+                <a:gd name="connsiteX30" fmla="*/ 646044 w 865350"/>
+                <a:gd name="connsiteY30" fmla="*/ 159026 h 785191"/>
+                <a:gd name="connsiteX31" fmla="*/ 735496 w 865350"/>
+                <a:gd name="connsiteY31" fmla="*/ 298174 h 785191"/>
+                <a:gd name="connsiteX32" fmla="*/ 765314 w 865350"/>
+                <a:gd name="connsiteY32" fmla="*/ 268356 h 785191"/>
+                <a:gd name="connsiteX33" fmla="*/ 725557 w 865350"/>
+                <a:gd name="connsiteY33" fmla="*/ 298174 h 785191"/>
+                <a:gd name="connsiteX34" fmla="*/ 725557 w 865350"/>
+                <a:gd name="connsiteY34" fmla="*/ 308113 h 785191"/>
+                <a:gd name="connsiteX35" fmla="*/ 655983 w 865350"/>
+                <a:gd name="connsiteY35" fmla="*/ 347869 h 785191"/>
+                <a:gd name="connsiteX36" fmla="*/ 765314 w 865350"/>
+                <a:gd name="connsiteY36" fmla="*/ 427382 h 785191"/>
+                <a:gd name="connsiteX37" fmla="*/ 735496 w 865350"/>
+                <a:gd name="connsiteY37" fmla="*/ 397565 h 785191"/>
+                <a:gd name="connsiteX38" fmla="*/ 834887 w 865350"/>
+                <a:gd name="connsiteY38" fmla="*/ 546652 h 785191"/>
+                <a:gd name="connsiteX39" fmla="*/ 864705 w 865350"/>
+                <a:gd name="connsiteY39" fmla="*/ 477078 h 785191"/>
+                <a:gd name="connsiteX40" fmla="*/ 824948 w 865350"/>
+                <a:gd name="connsiteY40" fmla="*/ 496956 h 785191"/>
+                <a:gd name="connsiteX41" fmla="*/ 815009 w 865350"/>
+                <a:gd name="connsiteY41" fmla="*/ 536713 h 785191"/>
+                <a:gd name="connsiteX42" fmla="*/ 834887 w 865350"/>
+                <a:gd name="connsiteY42" fmla="*/ 566530 h 785191"/>
+                <a:gd name="connsiteX43" fmla="*/ 795131 w 865350"/>
+                <a:gd name="connsiteY43" fmla="*/ 556591 h 785191"/>
+                <a:gd name="connsiteX44" fmla="*/ 785192 w 865350"/>
+                <a:gd name="connsiteY44" fmla="*/ 636104 h 785191"/>
+                <a:gd name="connsiteX45" fmla="*/ 765314 w 865350"/>
+                <a:gd name="connsiteY45" fmla="*/ 675860 h 785191"/>
+                <a:gd name="connsiteX46" fmla="*/ 735496 w 865350"/>
+                <a:gd name="connsiteY46" fmla="*/ 665921 h 785191"/>
+                <a:gd name="connsiteX47" fmla="*/ 725557 w 865350"/>
+                <a:gd name="connsiteY47" fmla="*/ 755374 h 785191"/>
+                <a:gd name="connsiteX48" fmla="*/ 735496 w 865350"/>
+                <a:gd name="connsiteY48" fmla="*/ 785191 h 785191"/>
+                <a:gd name="connsiteX49" fmla="*/ 735496 w 865350"/>
+                <a:gd name="connsiteY49" fmla="*/ 636104 h 785191"/>
+                <a:gd name="connsiteX50" fmla="*/ 795131 w 865350"/>
+                <a:gd name="connsiteY50" fmla="*/ 616226 h 785191"/>
+                <a:gd name="connsiteX51" fmla="*/ 735496 w 865350"/>
+                <a:gd name="connsiteY51" fmla="*/ 496956 h 785191"/>
+                <a:gd name="connsiteX52" fmla="*/ 755374 w 865350"/>
+                <a:gd name="connsiteY52" fmla="*/ 467139 h 785191"/>
+                <a:gd name="connsiteX53" fmla="*/ 715618 w 865350"/>
+                <a:gd name="connsiteY53" fmla="*/ 427382 h 785191"/>
+                <a:gd name="connsiteX54" fmla="*/ 685800 w 865350"/>
+                <a:gd name="connsiteY54" fmla="*/ 377687 h 785191"/>
+                <a:gd name="connsiteX55" fmla="*/ 586409 w 865350"/>
+                <a:gd name="connsiteY55" fmla="*/ 327991 h 785191"/>
+                <a:gd name="connsiteX56" fmla="*/ 546653 w 865350"/>
+                <a:gd name="connsiteY56" fmla="*/ 318052 h 785191"/>
+                <a:gd name="connsiteX57" fmla="*/ 516835 w 865350"/>
+                <a:gd name="connsiteY57" fmla="*/ 308113 h 785191"/>
+                <a:gd name="connsiteX58" fmla="*/ 447261 w 865350"/>
+                <a:gd name="connsiteY58" fmla="*/ 268356 h 785191"/>
+                <a:gd name="connsiteX59" fmla="*/ 496957 w 865350"/>
+                <a:gd name="connsiteY59" fmla="*/ 248478 h 785191"/>
+                <a:gd name="connsiteX60" fmla="*/ 526774 w 865350"/>
+                <a:gd name="connsiteY60" fmla="*/ 238539 h 785191"/>
+                <a:gd name="connsiteX61" fmla="*/ 546653 w 865350"/>
+                <a:gd name="connsiteY61" fmla="*/ 188843 h 785191"/>
+                <a:gd name="connsiteX62" fmla="*/ 566531 w 865350"/>
+                <a:gd name="connsiteY62" fmla="*/ 159026 h 785191"/>
+                <a:gd name="connsiteX63" fmla="*/ 616227 w 865350"/>
+                <a:gd name="connsiteY63" fmla="*/ 308113 h 785191"/>
+                <a:gd name="connsiteX64" fmla="*/ 606287 w 865350"/>
+                <a:gd name="connsiteY64" fmla="*/ 337930 h 785191"/>
+                <a:gd name="connsiteX65" fmla="*/ 506896 w 865350"/>
+                <a:gd name="connsiteY65" fmla="*/ 159026 h 785191"/>
+                <a:gd name="connsiteX66" fmla="*/ 496957 w 865350"/>
+                <a:gd name="connsiteY66" fmla="*/ 89452 h 785191"/>
+                <a:gd name="connsiteX67" fmla="*/ 327992 w 865350"/>
+                <a:gd name="connsiteY67" fmla="*/ 69574 h 785191"/>
+                <a:gd name="connsiteX68" fmla="*/ 288235 w 865350"/>
+                <a:gd name="connsiteY68" fmla="*/ 79513 h 785191"/>
+                <a:gd name="connsiteX69" fmla="*/ 288235 w 865350"/>
+                <a:gd name="connsiteY69" fmla="*/ 178904 h 785191"/>
+                <a:gd name="connsiteX70" fmla="*/ 318053 w 865350"/>
+                <a:gd name="connsiteY70" fmla="*/ 188843 h 785191"/>
+                <a:gd name="connsiteX71" fmla="*/ 327992 w 865350"/>
+                <a:gd name="connsiteY71" fmla="*/ 268356 h 785191"/>
+                <a:gd name="connsiteX72" fmla="*/ 278296 w 865350"/>
+                <a:gd name="connsiteY72" fmla="*/ 218660 h 785191"/>
+                <a:gd name="connsiteX73" fmla="*/ 318053 w 865350"/>
+                <a:gd name="connsiteY73" fmla="*/ 198782 h 785191"/>
+                <a:gd name="connsiteX74" fmla="*/ 327992 w 865350"/>
+                <a:gd name="connsiteY74" fmla="*/ 268356 h 785191"/>
+                <a:gd name="connsiteX75" fmla="*/ 298174 w 865350"/>
+                <a:gd name="connsiteY75" fmla="*/ 367747 h 785191"/>
+                <a:gd name="connsiteX76" fmla="*/ 238540 w 865350"/>
+                <a:gd name="connsiteY76" fmla="*/ 318052 h 785191"/>
+                <a:gd name="connsiteX77" fmla="*/ 208722 w 865350"/>
+                <a:gd name="connsiteY77" fmla="*/ 268356 h 785191"/>
+                <a:gd name="connsiteX78" fmla="*/ 268357 w 865350"/>
+                <a:gd name="connsiteY78" fmla="*/ 258417 h 785191"/>
+                <a:gd name="connsiteX79" fmla="*/ 318053 w 865350"/>
+                <a:gd name="connsiteY79" fmla="*/ 228600 h 785191"/>
+                <a:gd name="connsiteX80" fmla="*/ 347870 w 865350"/>
+                <a:gd name="connsiteY80" fmla="*/ 218660 h 785191"/>
+                <a:gd name="connsiteX81" fmla="*/ 367748 w 865350"/>
+                <a:gd name="connsiteY81" fmla="*/ 149087 h 785191"/>
+              </a:gdLst>
+              <a:ahLst/>
+              <a:cxnLst>
+                <a:cxn ang="0">
+                  <a:pos x="connsiteX0" y="connsiteY0"/>
+                </a:cxn>
+                <a:cxn ang="0">
+                  <a:pos x="connsiteX1" y="connsiteY1"/>
+                </a:cxn>
+                <a:cxn ang="0">
+                  <a:pos x="connsiteX2" y="connsiteY2"/>
+                </a:cxn>
+                <a:cxn ang="0">
+                  <a:pos x="connsiteX3" y="connsiteY3"/>
+                </a:cxn>
+                <a:cxn ang="0">
+                  <a:pos x="connsiteX4" y="connsiteY4"/>
+                </a:cxn>
+                <a:cxn ang="0">
+                  <a:pos x="connsiteX5" y="connsiteY5"/>
+                </a:cxn>
+                <a:cxn ang="0">
+                  <a:pos x="connsiteX6" y="connsiteY6"/>
+                </a:cxn>
+                <a:cxn ang="0">
+                  <a:pos x="connsiteX7" y="connsiteY7"/>
+                </a:cxn>
+                <a:cxn ang="0">
+                  <a:pos x="connsiteX8" y="connsiteY8"/>
+                </a:cxn>
+                <a:cxn ang="0">
+                  <a:pos x="connsiteX9" y="connsiteY9"/>
+                </a:cxn>
+                <a:cxn ang="0">
+                  <a:pos x="connsiteX10" y="connsiteY10"/>
+                </a:cxn>
+                <a:cxn ang="0">
+                  <a:pos x="connsiteX11" y="connsiteY11"/>
+                </a:cxn>
+                <a:cxn ang="0">
+                  <a:pos x="connsiteX12" y="connsiteY12"/>
+                </a:cxn>
+                <a:cxn ang="0">
+                  <a:pos x="connsiteX13" y="connsiteY13"/>
+                </a:cxn>
+                <a:cxn ang="0">
+                  <a:pos x="connsiteX14" y="connsiteY14"/>
+                </a:cxn>
+                <a:cxn ang="0">
+                  <a:pos x="connsiteX15" y="connsiteY15"/>
+                </a:cxn>
+                <a:cxn ang="0">
+                  <a:pos x="connsiteX16" y="connsiteY16"/>
+                </a:cxn>
+                <a:cxn ang="0">
+                  <a:pos x="connsiteX17" y="connsiteY17"/>
+                </a:cxn>
+                <a:cxn ang="0">
+                  <a:pos x="connsiteX18" y="connsiteY18"/>
+                </a:cxn>
+                <a:cxn ang="0">
+                  <a:pos x="connsiteX19" y="connsiteY19"/>
+                </a:cxn>
+                <a:cxn ang="0">
+                  <a:pos x="connsiteX20" y="connsiteY20"/>
+                </a:cxn>
+                <a:cxn ang="0">
+                  <a:pos x="connsiteX21" y="connsiteY21"/>
+                </a:cxn>
+                <a:cxn ang="0">
+                  <a:pos x="connsiteX22" y="connsiteY22"/>
+                </a:cxn>
+                <a:cxn ang="0">
+                  <a:pos x="connsiteX23" y="connsiteY23"/>
+                </a:cxn>
+                <a:cxn ang="0">
+                  <a:pos x="connsiteX24" y="connsiteY24"/>
+                </a:cxn>
+                <a:cxn ang="0">
+                  <a:pos x="connsiteX25" y="connsiteY25"/>
+                </a:cxn>
+                <a:cxn ang="0">
+                  <a:pos x="connsiteX26" y="connsiteY26"/>
+                </a:cxn>
+                <a:cxn ang="0">
+                  <a:pos x="connsiteX27" y="connsiteY27"/>
+                </a:cxn>
+                <a:cxn ang="0">
+                  <a:pos x="connsiteX28" y="connsiteY28"/>
+                </a:cxn>
+                <a:cxn ang="0">
+                  <a:pos x="connsiteX29" y="connsiteY29"/>
+                </a:cxn>
+                <a:cxn ang="0">
+                  <a:pos x="connsiteX30" y="connsiteY30"/>
+                </a:cxn>
+                <a:cxn ang="0">
+                  <a:pos x="connsiteX31" y="connsiteY31"/>
+                </a:cxn>
+                <a:cxn ang="0">
+                  <a:pos x="connsiteX32" y="connsiteY32"/>
+                </a:cxn>
+                <a:cxn ang="0">
+                  <a:pos x="connsiteX33" y="connsiteY33"/>
+                </a:cxn>
+                <a:cxn ang="0">
+                  <a:pos x="connsiteX34" y="connsiteY34"/>
+                </a:cxn>
+                <a:cxn ang="0">
+                  <a:pos x="connsiteX35" y="connsiteY35"/>
+                </a:cxn>
+                <a:cxn ang="0">
+                  <a:pos x="connsiteX36" y="connsiteY36"/>
+                </a:cxn>
+                <a:cxn ang="0">
+                  <a:pos x="connsiteX37" y="connsiteY37"/>
+                </a:cxn>
+                <a:cxn ang="0">
+                  <a:pos x="connsiteX38" y="connsiteY38"/>
+                </a:cxn>
+                <a:cxn ang="0">
+                  <a:pos x="connsiteX39" y="connsiteY39"/>
+                </a:cxn>
+                <a:cxn ang="0">
+                  <a:pos x="connsiteX40" y="connsiteY40"/>
+                </a:cxn>
+                <a:cxn ang="0">
+                  <a:pos x="connsiteX41" y="connsiteY41"/>
+                </a:cxn>
+                <a:cxn ang="0">
+                  <a:pos x="connsiteX42" y="connsiteY42"/>
+                </a:cxn>
+                <a:cxn ang="0">
+                  <a:pos x="connsiteX43" y="connsiteY43"/>
+                </a:cxn>
+                <a:cxn ang="0">
+                  <a:pos x="connsiteX44" y="connsiteY44"/>
+                </a:cxn>
+                <a:cxn ang="0">
+                  <a:pos x="connsiteX45" y="connsiteY45"/>
+                </a:cxn>
+                <a:cxn ang="0">
+                  <a:pos x="connsiteX46" y="connsiteY46"/>
+                </a:cxn>
+                <a:cxn ang="0">
+                  <a:pos x="connsiteX47" y="connsiteY47"/>
+                </a:cxn>
+                <a:cxn ang="0">
+                  <a:pos x="connsiteX48" y="connsiteY48"/>
+                </a:cxn>
+                <a:cxn ang="0">
+                  <a:pos x="connsiteX49" y="connsiteY49"/>
+                </a:cxn>
+                <a:cxn ang="0">
+                  <a:pos x="connsiteX50" y="connsiteY50"/>
+                </a:cxn>
+                <a:cxn ang="0">
+                  <a:pos x="connsiteX51" y="connsiteY51"/>
+                </a:cxn>
+                <a:cxn ang="0">
+                  <a:pos x="connsiteX52" y="connsiteY52"/>
+                </a:cxn>
+                <a:cxn ang="0">
+                  <a:pos x="connsiteX53" y="connsiteY53"/>
+                </a:cxn>
+                <a:cxn ang="0">
+                  <a:pos x="connsiteX54" y="connsiteY54"/>
+                </a:cxn>
+                <a:cxn ang="0">
+                  <a:pos x="connsiteX55" y="connsiteY55"/>
+                </a:cxn>
+                <a:cxn ang="0">
+                  <a:pos x="connsiteX56" y="connsiteY56"/>
+                </a:cxn>
+                <a:cxn ang="0">
+                  <a:pos x="connsiteX57" y="connsiteY57"/>
+                </a:cxn>
+                <a:cxn ang="0">
+                  <a:pos x="connsiteX58" y="connsiteY58"/>
+                </a:cxn>
+                <a:cxn ang="0">
+                  <a:pos x="connsiteX59" y="connsiteY59"/>
+                </a:cxn>
+                <a:cxn ang="0">
+                  <a:pos x="connsiteX60" y="connsiteY60"/>
+                </a:cxn>
+                <a:cxn ang="0">
+                  <a:pos x="connsiteX61" y="connsiteY61"/>
+                </a:cxn>
+                <a:cxn ang="0">
+                  <a:pos x="connsiteX62" y="connsiteY62"/>
+                </a:cxn>
+                <a:cxn ang="0">
+                  <a:pos x="connsiteX63" y="connsiteY63"/>
+                </a:cxn>
+                <a:cxn ang="0">
+                  <a:pos x="connsiteX64" y="connsiteY64"/>
+                </a:cxn>
+                <a:cxn ang="0">
+                  <a:pos x="connsiteX65" y="connsiteY65"/>
+                </a:cxn>
+                <a:cxn ang="0">
+                  <a:pos x="connsiteX66" y="connsiteY66"/>
+                </a:cxn>
+                <a:cxn ang="0">
+                  <a:pos x="connsiteX67" y="connsiteY67"/>
+                </a:cxn>
+                <a:cxn ang="0">
+                  <a:pos x="connsiteX68" y="connsiteY68"/>
+                </a:cxn>
+                <a:cxn ang="0">
+                  <a:pos x="connsiteX69" y="connsiteY69"/>
+                </a:cxn>
+                <a:cxn ang="0">
+                  <a:pos x="connsiteX70" y="connsiteY70"/>
+                </a:cxn>
+                <a:cxn ang="0">
+                  <a:pos x="connsiteX71" y="connsiteY71"/>
+                </a:cxn>
+                <a:cxn ang="0">
+                  <a:pos x="connsiteX72" y="connsiteY72"/>
+                </a:cxn>
+                <a:cxn ang="0">
+                  <a:pos x="connsiteX73" y="connsiteY73"/>
+                </a:cxn>
+                <a:cxn ang="0">
+                  <a:pos x="connsiteX74" y="connsiteY74"/>
+                </a:cxn>
+                <a:cxn ang="0">
+                  <a:pos x="connsiteX75" y="connsiteY75"/>
+                </a:cxn>
+                <a:cxn ang="0">
+                  <a:pos x="connsiteX76" y="connsiteY76"/>
+                </a:cxn>
+                <a:cxn ang="0">
+                  <a:pos x="connsiteX77" y="connsiteY77"/>
+                </a:cxn>
+                <a:cxn ang="0">
+                  <a:pos x="connsiteX78" y="connsiteY78"/>
+                </a:cxn>
+                <a:cxn ang="0">
+                  <a:pos x="connsiteX79" y="connsiteY79"/>
+                </a:cxn>
+                <a:cxn ang="0">
+                  <a:pos x="connsiteX80" y="connsiteY80"/>
+                </a:cxn>
+                <a:cxn ang="0">
+                  <a:pos x="connsiteX81" y="connsiteY81"/>
+                </a:cxn>
+              </a:cxnLst>
+              <a:rect l="l" t="t" r="r" b="b"/>
+              <a:pathLst>
+                <a:path w="865350" h="785191">
+                  <a:moveTo>
+                    <a:pt x="0" y="278295"/>
+                  </a:moveTo>
+                  <a:cubicBezTo>
+                    <a:pt x="3967" y="277502"/>
+                    <a:pt x="68401" y="266752"/>
+                    <a:pt x="79514" y="258417"/>
+                  </a:cubicBezTo>
+                  <a:cubicBezTo>
+                    <a:pt x="118274" y="229347"/>
+                    <a:pt x="126097" y="213389"/>
+                    <a:pt x="149087" y="178904"/>
+                  </a:cubicBezTo>
+                  <a:cubicBezTo>
+                    <a:pt x="152400" y="165652"/>
+                    <a:pt x="168686" y="148806"/>
+                    <a:pt x="159027" y="139147"/>
+                  </a:cubicBezTo>
+                  <a:cubicBezTo>
+                    <a:pt x="112876" y="92996"/>
+                    <a:pt x="84703" y="108033"/>
+                    <a:pt x="39757" y="119269"/>
+                  </a:cubicBezTo>
+                  <a:cubicBezTo>
+                    <a:pt x="53009" y="129208"/>
+                    <a:pt x="62949" y="149087"/>
+                    <a:pt x="79514" y="149087"/>
+                  </a:cubicBezTo>
+                  <a:cubicBezTo>
+                    <a:pt x="92268" y="149087"/>
+                    <a:pt x="123213" y="98446"/>
+                    <a:pt x="129209" y="89452"/>
+                  </a:cubicBezTo>
+                  <a:cubicBezTo>
+                    <a:pt x="145774" y="112643"/>
+                    <a:pt x="153758" y="145614"/>
+                    <a:pt x="178905" y="159026"/>
+                  </a:cubicBezTo>
+                  <a:cubicBezTo>
+                    <a:pt x="241660" y="192495"/>
+                    <a:pt x="276526" y="169673"/>
+                    <a:pt x="327992" y="149087"/>
+                  </a:cubicBezTo>
+                  <a:cubicBezTo>
+                    <a:pt x="314740" y="142461"/>
+                    <a:pt x="302903" y="127113"/>
+                    <a:pt x="288235" y="129208"/>
+                  </a:cubicBezTo>
+                  <a:cubicBezTo>
+                    <a:pt x="274320" y="131196"/>
+                    <a:pt x="258418" y="144970"/>
+                    <a:pt x="258418" y="159026"/>
+                  </a:cubicBezTo>
+                  <a:cubicBezTo>
+                    <a:pt x="258418" y="169503"/>
+                    <a:pt x="278296" y="165652"/>
+                    <a:pt x="288235" y="168965"/>
+                  </a:cubicBezTo>
+                  <a:cubicBezTo>
+                    <a:pt x="380809" y="150451"/>
+                    <a:pt x="346392" y="174474"/>
+                    <a:pt x="298174" y="29817"/>
+                  </a:cubicBezTo>
+                  <a:cubicBezTo>
+                    <a:pt x="293854" y="16858"/>
+                    <a:pt x="298455" y="59915"/>
+                    <a:pt x="308114" y="69574"/>
+                  </a:cubicBezTo>
+                  <a:cubicBezTo>
+                    <a:pt x="317773" y="79233"/>
+                    <a:pt x="334618" y="76200"/>
+                    <a:pt x="347870" y="79513"/>
+                  </a:cubicBezTo>
+                  <a:cubicBezTo>
+                    <a:pt x="355922" y="71460"/>
+                    <a:pt x="386288" y="47019"/>
+                    <a:pt x="377687" y="29817"/>
+                  </a:cubicBezTo>
+                  <a:cubicBezTo>
+                    <a:pt x="370279" y="15001"/>
+                    <a:pt x="351183" y="9939"/>
+                    <a:pt x="337931" y="0"/>
+                  </a:cubicBezTo>
+                  <a:cubicBezTo>
+                    <a:pt x="341244" y="19878"/>
+                    <a:pt x="333620" y="45384"/>
+                    <a:pt x="347870" y="59634"/>
+                  </a:cubicBezTo>
+                  <a:cubicBezTo>
+                    <a:pt x="400417" y="112181"/>
+                    <a:pt x="450636" y="83639"/>
+                    <a:pt x="506896" y="69574"/>
+                  </a:cubicBezTo>
+                  <a:cubicBezTo>
+                    <a:pt x="490331" y="59635"/>
+                    <a:pt x="474479" y="31117"/>
+                    <a:pt x="457200" y="39756"/>
+                  </a:cubicBezTo>
+                  <a:cubicBezTo>
+                    <a:pt x="434632" y="51040"/>
+                    <a:pt x="416099" y="86762"/>
+                    <a:pt x="427383" y="109330"/>
+                  </a:cubicBezTo>
+                  <a:cubicBezTo>
+                    <a:pt x="460042" y="174649"/>
+                    <a:pt x="615650" y="166084"/>
+                    <a:pt x="655983" y="168965"/>
+                  </a:cubicBezTo>
+                  <a:cubicBezTo>
+                    <a:pt x="639418" y="145774"/>
+                    <a:pt x="629087" y="116491"/>
+                    <a:pt x="606287" y="99391"/>
+                  </a:cubicBezTo>
+                  <a:cubicBezTo>
+                    <a:pt x="586992" y="84920"/>
+                    <a:pt x="555548" y="64446"/>
+                    <a:pt x="536714" y="79513"/>
+                  </a:cubicBezTo>
+                  <a:cubicBezTo>
+                    <a:pt x="520352" y="92602"/>
+                    <a:pt x="539158" y="127524"/>
+                    <a:pt x="556592" y="139147"/>
+                  </a:cubicBezTo>
+                  <a:cubicBezTo>
+                    <a:pt x="584704" y="157888"/>
+                    <a:pt x="622853" y="152400"/>
+                    <a:pt x="655983" y="159026"/>
+                  </a:cubicBezTo>
+                  <a:cubicBezTo>
+                    <a:pt x="682177" y="141563"/>
+                    <a:pt x="713144" y="134192"/>
+                    <a:pt x="675861" y="89452"/>
+                  </a:cubicBezTo>
+                  <a:cubicBezTo>
+                    <a:pt x="667116" y="78958"/>
+                    <a:pt x="649357" y="82826"/>
+                    <a:pt x="636105" y="79513"/>
+                  </a:cubicBezTo>
+                  <a:cubicBezTo>
+                    <a:pt x="659296" y="106017"/>
+                    <a:pt x="673496" y="144723"/>
+                    <a:pt x="705679" y="159026"/>
+                  </a:cubicBezTo>
+                  <a:cubicBezTo>
+                    <a:pt x="719218" y="165043"/>
+                    <a:pt x="740373" y="119269"/>
+                    <a:pt x="725557" y="119269"/>
+                  </a:cubicBezTo>
+                  <a:cubicBezTo>
+                    <a:pt x="695924" y="119269"/>
+                    <a:pt x="672548" y="145774"/>
+                    <a:pt x="646044" y="159026"/>
+                  </a:cubicBezTo>
+                  <a:cubicBezTo>
+                    <a:pt x="660000" y="221830"/>
+                    <a:pt x="652361" y="281547"/>
+                    <a:pt x="735496" y="298174"/>
+                  </a:cubicBezTo>
+                  <a:cubicBezTo>
+                    <a:pt x="749279" y="300931"/>
+                    <a:pt x="779370" y="268356"/>
+                    <a:pt x="765314" y="268356"/>
+                  </a:cubicBezTo>
+                  <a:cubicBezTo>
+                    <a:pt x="748749" y="268356"/>
+                    <a:pt x="738809" y="288235"/>
+                    <a:pt x="725557" y="298174"/>
+                  </a:cubicBezTo>
+                  <a:cubicBezTo>
+                    <a:pt x="777373" y="401805"/>
+                    <a:pt x="732211" y="307374"/>
+                    <a:pt x="725557" y="308113"/>
+                  </a:cubicBezTo>
+                  <a:cubicBezTo>
+                    <a:pt x="699010" y="311063"/>
+                    <a:pt x="679174" y="334617"/>
+                    <a:pt x="655983" y="347869"/>
+                  </a:cubicBezTo>
+                  <a:cubicBezTo>
+                    <a:pt x="667355" y="363789"/>
+                    <a:pt x="712949" y="462292"/>
+                    <a:pt x="765314" y="427382"/>
+                  </a:cubicBezTo>
+                  <a:cubicBezTo>
+                    <a:pt x="777009" y="419585"/>
+                    <a:pt x="728414" y="385424"/>
+                    <a:pt x="735496" y="397565"/>
+                  </a:cubicBezTo>
+                  <a:cubicBezTo>
+                    <a:pt x="765590" y="449156"/>
+                    <a:pt x="801757" y="496956"/>
+                    <a:pt x="834887" y="546652"/>
+                  </a:cubicBezTo>
+                  <a:cubicBezTo>
+                    <a:pt x="844826" y="523461"/>
+                    <a:pt x="869653" y="501820"/>
+                    <a:pt x="864705" y="477078"/>
+                  </a:cubicBezTo>
+                  <a:cubicBezTo>
+                    <a:pt x="861799" y="462549"/>
+                    <a:pt x="834433" y="485574"/>
+                    <a:pt x="824948" y="496956"/>
+                  </a:cubicBezTo>
+                  <a:cubicBezTo>
+                    <a:pt x="816203" y="507450"/>
+                    <a:pt x="818322" y="523461"/>
+                    <a:pt x="815009" y="536713"/>
+                  </a:cubicBezTo>
+                  <a:cubicBezTo>
+                    <a:pt x="821635" y="546652"/>
+                    <a:pt x="843334" y="558083"/>
+                    <a:pt x="834887" y="566530"/>
+                  </a:cubicBezTo>
+                  <a:cubicBezTo>
+                    <a:pt x="825228" y="576189"/>
+                    <a:pt x="803071" y="545475"/>
+                    <a:pt x="795131" y="556591"/>
+                  </a:cubicBezTo>
+                  <a:cubicBezTo>
+                    <a:pt x="779606" y="578326"/>
+                    <a:pt x="791670" y="610191"/>
+                    <a:pt x="785192" y="636104"/>
+                  </a:cubicBezTo>
+                  <a:cubicBezTo>
+                    <a:pt x="781599" y="650478"/>
+                    <a:pt x="771940" y="662608"/>
+                    <a:pt x="765314" y="675860"/>
+                  </a:cubicBezTo>
+                  <a:cubicBezTo>
+                    <a:pt x="755375" y="672547"/>
+                    <a:pt x="740181" y="656550"/>
+                    <a:pt x="735496" y="665921"/>
+                  </a:cubicBezTo>
+                  <a:cubicBezTo>
+                    <a:pt x="722079" y="692755"/>
+                    <a:pt x="725557" y="725373"/>
+                    <a:pt x="725557" y="755374"/>
+                  </a:cubicBezTo>
+                  <a:cubicBezTo>
+                    <a:pt x="725557" y="765851"/>
+                    <a:pt x="735496" y="785191"/>
+                    <a:pt x="735496" y="785191"/>
+                  </a:cubicBezTo>
+                  <a:cubicBezTo>
+                    <a:pt x="728642" y="744067"/>
+                    <a:pt x="711397" y="673974"/>
+                    <a:pt x="735496" y="636104"/>
+                  </a:cubicBezTo>
+                  <a:cubicBezTo>
+                    <a:pt x="746745" y="618426"/>
+                    <a:pt x="775253" y="622852"/>
+                    <a:pt x="795131" y="616226"/>
+                  </a:cubicBezTo>
+                  <a:cubicBezTo>
+                    <a:pt x="771846" y="583627"/>
+                    <a:pt x="729549" y="544533"/>
+                    <a:pt x="735496" y="496956"/>
+                  </a:cubicBezTo>
+                  <a:cubicBezTo>
+                    <a:pt x="736978" y="485103"/>
+                    <a:pt x="748748" y="477078"/>
+                    <a:pt x="755374" y="467139"/>
+                  </a:cubicBezTo>
+                  <a:cubicBezTo>
+                    <a:pt x="728871" y="387626"/>
+                    <a:pt x="768625" y="480388"/>
+                    <a:pt x="715618" y="427382"/>
+                  </a:cubicBezTo>
+                  <a:cubicBezTo>
+                    <a:pt x="701958" y="413722"/>
+                    <a:pt x="701112" y="389465"/>
+                    <a:pt x="685800" y="377687"/>
+                  </a:cubicBezTo>
+                  <a:cubicBezTo>
+                    <a:pt x="656440" y="355103"/>
+                    <a:pt x="620455" y="342582"/>
+                    <a:pt x="586409" y="327991"/>
+                  </a:cubicBezTo>
+                  <a:cubicBezTo>
+                    <a:pt x="573854" y="322610"/>
+                    <a:pt x="559787" y="321805"/>
+                    <a:pt x="546653" y="318052"/>
+                  </a:cubicBezTo>
+                  <a:cubicBezTo>
+                    <a:pt x="536579" y="315174"/>
+                    <a:pt x="526465" y="312240"/>
+                    <a:pt x="516835" y="308113"/>
+                  </a:cubicBezTo>
+                  <a:cubicBezTo>
+                    <a:pt x="481532" y="292983"/>
+                    <a:pt x="477203" y="288316"/>
+                    <a:pt x="447261" y="268356"/>
+                  </a:cubicBezTo>
+                  <a:cubicBezTo>
+                    <a:pt x="463826" y="261730"/>
+                    <a:pt x="480252" y="254742"/>
+                    <a:pt x="496957" y="248478"/>
+                  </a:cubicBezTo>
+                  <a:cubicBezTo>
+                    <a:pt x="506767" y="244799"/>
+                    <a:pt x="520067" y="246587"/>
+                    <a:pt x="526774" y="238539"/>
+                  </a:cubicBezTo>
+                  <a:cubicBezTo>
+                    <a:pt x="538196" y="224833"/>
+                    <a:pt x="538674" y="204801"/>
+                    <a:pt x="546653" y="188843"/>
+                  </a:cubicBezTo>
+                  <a:cubicBezTo>
+                    <a:pt x="551995" y="178159"/>
+                    <a:pt x="559905" y="168965"/>
+                    <a:pt x="566531" y="159026"/>
+                  </a:cubicBezTo>
+                  <a:cubicBezTo>
+                    <a:pt x="599245" y="289884"/>
+                    <a:pt x="573616" y="244198"/>
+                    <a:pt x="616227" y="308113"/>
+                  </a:cubicBezTo>
+                  <a:cubicBezTo>
+                    <a:pt x="612914" y="318052"/>
+                    <a:pt x="613695" y="345338"/>
+                    <a:pt x="606287" y="337930"/>
+                  </a:cubicBezTo>
+                  <a:cubicBezTo>
+                    <a:pt x="558792" y="290435"/>
+                    <a:pt x="532922" y="219751"/>
+                    <a:pt x="506896" y="159026"/>
+                  </a:cubicBezTo>
+                  <a:cubicBezTo>
+                    <a:pt x="503583" y="135835"/>
+                    <a:pt x="505657" y="111203"/>
+                    <a:pt x="496957" y="89452"/>
+                  </a:cubicBezTo>
+                  <a:cubicBezTo>
+                    <a:pt x="470833" y="24140"/>
+                    <a:pt x="360168" y="67276"/>
+                    <a:pt x="327992" y="69574"/>
+                  </a:cubicBezTo>
+                  <a:cubicBezTo>
+                    <a:pt x="314740" y="72887"/>
+                    <a:pt x="298729" y="70768"/>
+                    <a:pt x="288235" y="79513"/>
+                  </a:cubicBezTo>
+                  <a:cubicBezTo>
+                    <a:pt x="256150" y="106250"/>
+                    <a:pt x="267682" y="150130"/>
+                    <a:pt x="288235" y="178904"/>
+                  </a:cubicBezTo>
+                  <a:cubicBezTo>
+                    <a:pt x="294325" y="187429"/>
+                    <a:pt x="308114" y="185530"/>
+                    <a:pt x="318053" y="188843"/>
+                  </a:cubicBezTo>
+                  <a:cubicBezTo>
+                    <a:pt x="321366" y="215347"/>
+                    <a:pt x="323214" y="242076"/>
+                    <a:pt x="327992" y="268356"/>
+                  </a:cubicBezTo>
+                  <a:cubicBezTo>
+                    <a:pt x="336158" y="313272"/>
+                    <a:pt x="382952" y="358202"/>
+                    <a:pt x="278296" y="218660"/>
+                  </a:cubicBezTo>
+                  <a:cubicBezTo>
+                    <a:pt x="291548" y="212034"/>
+                    <a:pt x="307576" y="188305"/>
+                    <a:pt x="318053" y="198782"/>
+                  </a:cubicBezTo>
+                  <a:cubicBezTo>
+                    <a:pt x="334618" y="215347"/>
+                    <a:pt x="327992" y="244929"/>
+                    <a:pt x="327992" y="268356"/>
+                  </a:cubicBezTo>
+                  <a:cubicBezTo>
+                    <a:pt x="327992" y="332314"/>
+                    <a:pt x="325119" y="327332"/>
+                    <a:pt x="298174" y="367747"/>
+                  </a:cubicBezTo>
+                  <a:cubicBezTo>
+                    <a:pt x="278296" y="351182"/>
+                    <a:pt x="255850" y="337285"/>
+                    <a:pt x="238540" y="318052"/>
+                  </a:cubicBezTo>
+                  <a:cubicBezTo>
+                    <a:pt x="225617" y="303693"/>
+                    <a:pt x="200083" y="285635"/>
+                    <a:pt x="208722" y="268356"/>
+                  </a:cubicBezTo>
+                  <a:cubicBezTo>
+                    <a:pt x="217734" y="250331"/>
+                    <a:pt x="248479" y="261730"/>
+                    <a:pt x="268357" y="258417"/>
+                  </a:cubicBezTo>
+                  <a:cubicBezTo>
+                    <a:pt x="284922" y="248478"/>
+                    <a:pt x="300774" y="237239"/>
+                    <a:pt x="318053" y="228600"/>
+                  </a:cubicBezTo>
+                  <a:cubicBezTo>
+                    <a:pt x="327424" y="223915"/>
+                    <a:pt x="341781" y="227185"/>
+                    <a:pt x="347870" y="218660"/>
+                  </a:cubicBezTo>
+                  <a:cubicBezTo>
+                    <a:pt x="368796" y="189364"/>
+                    <a:pt x="367748" y="174685"/>
+                    <a:pt x="367748" y="149087"/>
+                  </a:cubicBezTo>
+                </a:path>
+              </a:pathLst>
+            </a:custGeom>
+            <a:solidFill>
+              <a:schemeClr val="bg1"/>
+            </a:solidFill>
+            <a:ln w="38100">
+              <a:solidFill>
+                <a:schemeClr val="tx1"/>
+              </a:solidFill>
+            </a:ln>
+          </p:spPr>
+          <p:style>
+            <a:lnRef idx="2">
+              <a:schemeClr val="accent1">
+                <a:shade val="15000"/>
+              </a:schemeClr>
+            </a:lnRef>
+            <a:fillRef idx="1">
+              <a:schemeClr val="accent1"/>
+            </a:fillRef>
+            <a:effectRef idx="0">
+              <a:schemeClr val="accent1"/>
+            </a:effectRef>
+            <a:fontRef idx="minor">
+              <a:schemeClr val="lt1"/>
+            </a:fontRef>
+          </p:style>
+          <p:txBody>
+            <a:bodyPr rtlCol="0" anchor="ctr"/>
+            <a:lstStyle/>
+            <a:p>
+              <a:pPr algn="ctr"/>
+              <a:endParaRPr lang="en-GB"/>
+            </a:p>
+          </p:txBody>
+        </p:sp>
+      </p:grpSp>
+    </p:spTree>
+    <p:extLst>
+      <p:ext uri="{BB962C8B-B14F-4D97-AF65-F5344CB8AC3E}">
+        <p14:creationId xmlns:p14="http://schemas.microsoft.com/office/powerpoint/2010/main" val="571363097"/>
+      </p:ext>
+    </p:extLst>
+  </p:cSld>
+  <p:clrMapOvr>
+    <a:masterClrMapping/>
+  </p:clrMapOvr>
+</p:sld>
+</file>
+
+<file path=ppt/slides/slide5.xml><?xml version="1.0" encoding="utf-8"?>
+<p:sld xmlns:a="http://schemas.openxmlformats.org/drawingml/2006/main" xmlns:r="http://schemas.openxmlformats.org/officeDocument/2006/relationships" xmlns:p="http://schemas.openxmlformats.org/presentationml/2006/main">
+  <p:cSld>
+    <p:spTree>
+      <p:nvGrpSpPr>
+        <p:cNvPr id="1" name=""/>
+        <p:cNvGrpSpPr/>
+        <p:nvPr/>
+      </p:nvGrpSpPr>
+      <p:grpSpPr>
+        <a:xfrm>
+          <a:off x="0" y="0"/>
+          <a:ext cx="0" cy="0"/>
+          <a:chOff x="0" y="0"/>
+          <a:chExt cx="0" cy="0"/>
+        </a:xfrm>
+      </p:grpSpPr>
+      <p:sp>
+        <p:nvSpPr>
+          <p:cNvPr id="2" name="TextBox 1">
+            <a:extLst>
+              <a:ext uri="{FF2B5EF4-FFF2-40B4-BE49-F238E27FC236}">
+                <a16:creationId xmlns:a16="http://schemas.microsoft.com/office/drawing/2014/main" id="{6B21C1F9-CEDA-CE88-3B9D-677D923FD41E}"/>
+              </a:ext>
+            </a:extLst>
+          </p:cNvPr>
+          <p:cNvSpPr txBox="1"/>
+          <p:nvPr/>
+        </p:nvSpPr>
+        <p:spPr>
+          <a:xfrm>
+            <a:off x="7915275" y="2009775"/>
+            <a:ext cx="4057650" cy="369332"/>
+          </a:xfrm>
+          <a:prstGeom prst="rect">
+            <a:avLst/>
+          </a:prstGeom>
+          <a:noFill/>
+        </p:spPr>
+        <p:txBody>
+          <a:bodyPr wrap="square" rtlCol="0">
+            <a:spAutoFit/>
+          </a:bodyPr>
+          <a:lstStyle/>
+          <a:p>
+            <a:r>
+              <a:rPr lang="en-US" dirty="0" err="1"/>
+              <a:t>icbseicon</a:t>
+            </a:r>
+            <a:endParaRPr lang="en-GB" dirty="0"/>
+          </a:p>
+        </p:txBody>
+      </p:sp>
+      <p:pic>
+        <p:nvPicPr>
+          <p:cNvPr id="5" name="Picture 4">
+            <a:extLst>
+              <a:ext uri="{FF2B5EF4-FFF2-40B4-BE49-F238E27FC236}">
+                <a16:creationId xmlns:a16="http://schemas.microsoft.com/office/drawing/2014/main" id="{FA57D96E-DD79-B6C5-7612-040F8642C9C4}"/>
+              </a:ext>
+            </a:extLst>
+          </p:cNvPr>
+          <p:cNvPicPr>
+            <a:picLocks noChangeAspect="1"/>
+          </p:cNvPicPr>
+          <p:nvPr/>
+        </p:nvPicPr>
+        <p:blipFill>
+          <a:blip r:embed="rId2"/>
+          <a:stretch>
+            <a:fillRect/>
+          </a:stretch>
+        </p:blipFill>
+        <p:spPr>
+          <a:xfrm>
+            <a:off x="1249001" y="1471326"/>
+            <a:ext cx="3975152" cy="2938749"/>
+          </a:xfrm>
+          <a:prstGeom prst="rect">
+            <a:avLst/>
+          </a:prstGeom>
+        </p:spPr>
+      </p:pic>
+      <p:grpSp>
+        <p:nvGrpSpPr>
+          <p:cNvPr id="43" name="Group 42">
+            <a:extLst>
+              <a:ext uri="{FF2B5EF4-FFF2-40B4-BE49-F238E27FC236}">
+                <a16:creationId xmlns:a16="http://schemas.microsoft.com/office/drawing/2014/main" id="{177ABB03-6F24-B8AB-267E-62F9FA666C0B}"/>
+              </a:ext>
+            </a:extLst>
+          </p:cNvPr>
+          <p:cNvGrpSpPr/>
+          <p:nvPr/>
+        </p:nvGrpSpPr>
+        <p:grpSpPr>
+          <a:xfrm>
+            <a:off x="7117492" y="3189372"/>
+            <a:ext cx="1975824" cy="2515289"/>
+            <a:chOff x="7117492" y="3189372"/>
+            <a:chExt cx="1975824" cy="2515289"/>
+          </a:xfrm>
+        </p:grpSpPr>
+        <p:sp>
+          <p:nvSpPr>
+            <p:cNvPr id="39" name="Rectangle 38">
+              <a:extLst>
+                <a:ext uri="{FF2B5EF4-FFF2-40B4-BE49-F238E27FC236}">
+                  <a16:creationId xmlns:a16="http://schemas.microsoft.com/office/drawing/2014/main" id="{6DBAE622-4710-5D06-1CF5-8DC67DE53D79}"/>
+                </a:ext>
+              </a:extLst>
+            </p:cNvPr>
+            <p:cNvSpPr/>
+            <p:nvPr/>
+          </p:nvSpPr>
+          <p:spPr>
+            <a:xfrm rot="2421265">
+              <a:off x="8883953" y="4881556"/>
+              <a:ext cx="132455" cy="173355"/>
+            </a:xfrm>
+            <a:prstGeom prst="rect">
+              <a:avLst/>
+            </a:prstGeom>
+            <a:solidFill>
+              <a:schemeClr val="bg1"/>
+            </a:solidFill>
+            <a:ln w="28575">
+              <a:solidFill>
+                <a:schemeClr val="tx1"/>
+              </a:solidFill>
+            </a:ln>
+          </p:spPr>
+          <p:style>
+            <a:lnRef idx="2">
+              <a:schemeClr val="accent1">
+                <a:shade val="15000"/>
+              </a:schemeClr>
+            </a:lnRef>
+            <a:fillRef idx="1">
+              <a:schemeClr val="accent1"/>
+            </a:fillRef>
+            <a:effectRef idx="0">
+              <a:schemeClr val="accent1"/>
+            </a:effectRef>
+            <a:fontRef idx="minor">
+              <a:schemeClr val="lt1"/>
+            </a:fontRef>
+          </p:style>
+          <p:txBody>
+            <a:bodyPr rtlCol="0" anchor="ctr"/>
+            <a:lstStyle/>
+            <a:p>
+              <a:pPr algn="ctr"/>
+              <a:endParaRPr lang="en-GB"/>
+            </a:p>
+          </p:txBody>
+        </p:sp>
+        <p:sp>
+          <p:nvSpPr>
+            <p:cNvPr id="8" name="Rectangle: Rounded Corners 7">
+              <a:extLst>
+                <a:ext uri="{FF2B5EF4-FFF2-40B4-BE49-F238E27FC236}">
+                  <a16:creationId xmlns:a16="http://schemas.microsoft.com/office/drawing/2014/main" id="{E36E74D7-9A10-EE59-FC6F-25C4A4595BB8}"/>
+                </a:ext>
+              </a:extLst>
+            </p:cNvPr>
+            <p:cNvSpPr/>
+            <p:nvPr/>
+          </p:nvSpPr>
+          <p:spPr>
+            <a:xfrm>
+              <a:off x="7117492" y="3189372"/>
+              <a:ext cx="1705232" cy="2309385"/>
+            </a:xfrm>
+            <a:prstGeom prst="roundRect">
+              <a:avLst/>
+            </a:prstGeom>
+            <a:solidFill>
+              <a:schemeClr val="bg1"/>
+            </a:solidFill>
+            <a:ln w="38100">
+              <a:solidFill>
+                <a:schemeClr val="tx1"/>
+              </a:solidFill>
+            </a:ln>
+          </p:spPr>
+          <p:style>
+            <a:lnRef idx="2">
+              <a:schemeClr val="accent1">
+                <a:shade val="15000"/>
+              </a:schemeClr>
+            </a:lnRef>
+            <a:fillRef idx="1">
+              <a:schemeClr val="accent1"/>
+            </a:fillRef>
+            <a:effectRef idx="0">
+              <a:schemeClr val="accent1"/>
+            </a:effectRef>
+            <a:fontRef idx="minor">
+              <a:schemeClr val="lt1"/>
+            </a:fontRef>
+          </p:style>
+          <p:txBody>
+            <a:bodyPr rtlCol="0" anchor="ctr"/>
+            <a:lstStyle/>
+            <a:p>
+              <a:pPr algn="ctr"/>
+              <a:endParaRPr lang="en-GB"/>
+            </a:p>
+          </p:txBody>
+        </p:sp>
+        <p:sp>
+          <p:nvSpPr>
+            <p:cNvPr id="10" name="Rectangle 9">
+              <a:extLst>
+                <a:ext uri="{FF2B5EF4-FFF2-40B4-BE49-F238E27FC236}">
+                  <a16:creationId xmlns:a16="http://schemas.microsoft.com/office/drawing/2014/main" id="{75269E97-5B2A-6C01-B251-C0300BC215F2}"/>
+                </a:ext>
+              </a:extLst>
+            </p:cNvPr>
+            <p:cNvSpPr/>
+            <p:nvPr/>
+          </p:nvSpPr>
+          <p:spPr>
+            <a:xfrm>
+              <a:off x="7315201" y="3583460"/>
+              <a:ext cx="160638" cy="135924"/>
+            </a:xfrm>
+            <a:prstGeom prst="rect">
+              <a:avLst/>
+            </a:prstGeom>
+            <a:solidFill>
+              <a:schemeClr val="tx1"/>
+            </a:solidFill>
+          </p:spPr>
+          <p:style>
+            <a:lnRef idx="2">
+              <a:schemeClr val="dk1">
+                <a:shade val="15000"/>
+              </a:schemeClr>
+            </a:lnRef>
+            <a:fillRef idx="1">
+              <a:schemeClr val="dk1"/>
+            </a:fillRef>
+            <a:effectRef idx="0">
+              <a:schemeClr val="dk1"/>
+            </a:effectRef>
+            <a:fontRef idx="minor">
+              <a:schemeClr val="lt1"/>
+            </a:fontRef>
+          </p:style>
+          <p:txBody>
+            <a:bodyPr rtlCol="0" anchor="ctr"/>
+            <a:lstStyle/>
+            <a:p>
+              <a:pPr algn="ctr"/>
+              <a:endParaRPr lang="en-GB"/>
+            </a:p>
+          </p:txBody>
+        </p:sp>
+        <p:sp>
+          <p:nvSpPr>
+            <p:cNvPr id="11" name="Rectangle 10">
+              <a:extLst>
+                <a:ext uri="{FF2B5EF4-FFF2-40B4-BE49-F238E27FC236}">
+                  <a16:creationId xmlns:a16="http://schemas.microsoft.com/office/drawing/2014/main" id="{12FFDBFD-2DAE-0869-902B-292B36F02C33}"/>
+                </a:ext>
+              </a:extLst>
+            </p:cNvPr>
+            <p:cNvSpPr/>
+            <p:nvPr/>
+          </p:nvSpPr>
+          <p:spPr>
+            <a:xfrm>
+              <a:off x="7315201" y="4047286"/>
+              <a:ext cx="160638" cy="135924"/>
+            </a:xfrm>
+            <a:prstGeom prst="rect">
+              <a:avLst/>
+            </a:prstGeom>
+            <a:solidFill>
+              <a:schemeClr val="tx1"/>
+            </a:solidFill>
+            <a:ln>
+              <a:solidFill>
+                <a:schemeClr val="tx1"/>
+              </a:solidFill>
+            </a:ln>
+          </p:spPr>
+          <p:style>
+            <a:lnRef idx="2">
+              <a:schemeClr val="dk1">
+                <a:shade val="15000"/>
+              </a:schemeClr>
+            </a:lnRef>
+            <a:fillRef idx="1">
+              <a:schemeClr val="dk1"/>
+            </a:fillRef>
+            <a:effectRef idx="0">
+              <a:schemeClr val="dk1"/>
+            </a:effectRef>
+            <a:fontRef idx="minor">
+              <a:schemeClr val="lt1"/>
+            </a:fontRef>
+          </p:style>
+          <p:txBody>
+            <a:bodyPr rtlCol="0" anchor="ctr"/>
+            <a:lstStyle/>
+            <a:p>
+              <a:pPr algn="ctr"/>
+              <a:endParaRPr lang="en-GB"/>
+            </a:p>
+          </p:txBody>
+        </p:sp>
+        <p:sp>
+          <p:nvSpPr>
+            <p:cNvPr id="12" name="Rectangle 11">
+              <a:extLst>
+                <a:ext uri="{FF2B5EF4-FFF2-40B4-BE49-F238E27FC236}">
+                  <a16:creationId xmlns:a16="http://schemas.microsoft.com/office/drawing/2014/main" id="{CDCC769F-75C0-F42C-AEB9-40EF48E31772}"/>
+                </a:ext>
+              </a:extLst>
+            </p:cNvPr>
+            <p:cNvSpPr/>
+            <p:nvPr/>
+          </p:nvSpPr>
+          <p:spPr>
+            <a:xfrm>
+              <a:off x="7315201" y="4511112"/>
+              <a:ext cx="160638" cy="135924"/>
+            </a:xfrm>
+            <a:prstGeom prst="rect">
+              <a:avLst/>
+            </a:prstGeom>
+            <a:solidFill>
+              <a:schemeClr val="tx1"/>
+            </a:solidFill>
+            <a:ln>
+              <a:solidFill>
+                <a:schemeClr val="tx1"/>
+              </a:solidFill>
+            </a:ln>
+          </p:spPr>
+          <p:style>
+            <a:lnRef idx="2">
+              <a:schemeClr val="dk1">
+                <a:shade val="15000"/>
+              </a:schemeClr>
+            </a:lnRef>
+            <a:fillRef idx="1">
+              <a:schemeClr val="dk1"/>
+            </a:fillRef>
+            <a:effectRef idx="0">
+              <a:schemeClr val="dk1"/>
+            </a:effectRef>
+            <a:fontRef idx="minor">
+              <a:schemeClr val="lt1"/>
+            </a:fontRef>
+          </p:style>
+          <p:txBody>
+            <a:bodyPr rtlCol="0" anchor="ctr"/>
+            <a:lstStyle/>
+            <a:p>
+              <a:pPr algn="ctr"/>
+              <a:endParaRPr lang="en-GB"/>
+            </a:p>
+          </p:txBody>
+        </p:sp>
+        <p:sp>
+          <p:nvSpPr>
+            <p:cNvPr id="13" name="Rectangle 12">
+              <a:extLst>
+                <a:ext uri="{FF2B5EF4-FFF2-40B4-BE49-F238E27FC236}">
+                  <a16:creationId xmlns:a16="http://schemas.microsoft.com/office/drawing/2014/main" id="{35935BFB-4F93-E018-6B70-325EC2874AE6}"/>
+                </a:ext>
+              </a:extLst>
+            </p:cNvPr>
+            <p:cNvSpPr/>
+            <p:nvPr/>
+          </p:nvSpPr>
+          <p:spPr>
+            <a:xfrm>
+              <a:off x="7315201" y="4974939"/>
+              <a:ext cx="160638" cy="135924"/>
+            </a:xfrm>
+            <a:prstGeom prst="rect">
+              <a:avLst/>
+            </a:prstGeom>
+            <a:solidFill>
+              <a:schemeClr val="tx1"/>
+            </a:solidFill>
+            <a:ln>
+              <a:solidFill>
+                <a:schemeClr val="tx1"/>
+              </a:solidFill>
+            </a:ln>
+          </p:spPr>
+          <p:style>
+            <a:lnRef idx="2">
+              <a:schemeClr val="dk1">
+                <a:shade val="15000"/>
+              </a:schemeClr>
+            </a:lnRef>
+            <a:fillRef idx="1">
+              <a:schemeClr val="dk1"/>
+            </a:fillRef>
+            <a:effectRef idx="0">
+              <a:schemeClr val="dk1"/>
+            </a:effectRef>
+            <a:fontRef idx="minor">
+              <a:schemeClr val="lt1"/>
+            </a:fontRef>
+          </p:style>
+          <p:txBody>
+            <a:bodyPr rtlCol="0" anchor="ctr"/>
+            <a:lstStyle/>
+            <a:p>
+              <a:pPr algn="ctr"/>
+              <a:endParaRPr lang="en-GB"/>
+            </a:p>
+          </p:txBody>
+        </p:sp>
+        <p:cxnSp>
+          <p:nvCxnSpPr>
+            <p:cNvPr id="15" name="Straight Connector 14">
+              <a:extLst>
+                <a:ext uri="{FF2B5EF4-FFF2-40B4-BE49-F238E27FC236}">
+                  <a16:creationId xmlns:a16="http://schemas.microsoft.com/office/drawing/2014/main" id="{6FFF42A6-34B3-D596-F320-2E94350F1BCA}"/>
+                </a:ext>
+              </a:extLst>
+            </p:cNvPr>
+            <p:cNvCxnSpPr>
+              <a:cxnSpLocks/>
+            </p:cNvCxnSpPr>
+            <p:nvPr/>
+          </p:nvCxnSpPr>
+          <p:spPr>
+            <a:xfrm>
+              <a:off x="7673545" y="3588094"/>
+              <a:ext cx="806048" cy="0"/>
+            </a:xfrm>
+            <a:prstGeom prst="line">
+              <a:avLst/>
+            </a:prstGeom>
+            <a:ln w="38100" cap="rnd"/>
+          </p:spPr>
+          <p:style>
+            <a:lnRef idx="2">
+              <a:schemeClr val="dk1"/>
+            </a:lnRef>
+            <a:fillRef idx="0">
+              <a:schemeClr val="dk1"/>
+            </a:fillRef>
+            <a:effectRef idx="1">
+              <a:schemeClr val="dk1"/>
+            </a:effectRef>
+            <a:fontRef idx="minor">
+              <a:schemeClr val="tx1"/>
+            </a:fontRef>
+          </p:style>
+        </p:cxnSp>
+        <p:cxnSp>
+          <p:nvCxnSpPr>
+            <p:cNvPr id="18" name="Straight Connector 17">
+              <a:extLst>
+                <a:ext uri="{FF2B5EF4-FFF2-40B4-BE49-F238E27FC236}">
+                  <a16:creationId xmlns:a16="http://schemas.microsoft.com/office/drawing/2014/main" id="{3A462214-DB4A-B0DA-13E9-408FC1CEB448}"/>
+                </a:ext>
+              </a:extLst>
+            </p:cNvPr>
+            <p:cNvCxnSpPr>
+              <a:cxnSpLocks/>
+            </p:cNvCxnSpPr>
+            <p:nvPr/>
+          </p:nvCxnSpPr>
+          <p:spPr>
+            <a:xfrm>
+              <a:off x="7673545" y="4512658"/>
+              <a:ext cx="806048" cy="0"/>
+            </a:xfrm>
+            <a:prstGeom prst="line">
+              <a:avLst/>
+            </a:prstGeom>
+            <a:ln w="38100" cap="rnd">
+              <a:solidFill>
+                <a:schemeClr val="tx1"/>
+              </a:solidFill>
+            </a:ln>
+          </p:spPr>
+          <p:style>
+            <a:lnRef idx="2">
+              <a:schemeClr val="dk1"/>
+            </a:lnRef>
+            <a:fillRef idx="0">
+              <a:schemeClr val="dk1"/>
+            </a:fillRef>
+            <a:effectRef idx="1">
+              <a:schemeClr val="dk1"/>
+            </a:effectRef>
+            <a:fontRef idx="minor">
+              <a:schemeClr val="tx1"/>
+            </a:fontRef>
+          </p:style>
+        </p:cxnSp>
+        <p:cxnSp>
+          <p:nvCxnSpPr>
+            <p:cNvPr id="19" name="Straight Connector 18">
+              <a:extLst>
+                <a:ext uri="{FF2B5EF4-FFF2-40B4-BE49-F238E27FC236}">
+                  <a16:creationId xmlns:a16="http://schemas.microsoft.com/office/drawing/2014/main" id="{F22AEBD4-2BE8-96DF-CACB-C7322FE442CE}"/>
+                </a:ext>
+              </a:extLst>
+            </p:cNvPr>
+            <p:cNvCxnSpPr>
+              <a:cxnSpLocks/>
+            </p:cNvCxnSpPr>
+            <p:nvPr/>
+          </p:nvCxnSpPr>
+          <p:spPr>
+            <a:xfrm>
+              <a:off x="7673545" y="4050376"/>
+              <a:ext cx="806048" cy="0"/>
+            </a:xfrm>
+            <a:prstGeom prst="line">
+              <a:avLst/>
+            </a:prstGeom>
+            <a:ln w="38100" cap="rnd">
+              <a:solidFill>
+                <a:schemeClr val="tx1"/>
+              </a:solidFill>
+            </a:ln>
+          </p:spPr>
+          <p:style>
+            <a:lnRef idx="2">
+              <a:schemeClr val="dk1"/>
+            </a:lnRef>
+            <a:fillRef idx="0">
+              <a:schemeClr val="dk1"/>
+            </a:fillRef>
+            <a:effectRef idx="1">
+              <a:schemeClr val="dk1"/>
+            </a:effectRef>
+            <a:fontRef idx="minor">
+              <a:schemeClr val="tx1"/>
+            </a:fontRef>
+          </p:style>
+        </p:cxnSp>
+        <p:cxnSp>
+          <p:nvCxnSpPr>
+            <p:cNvPr id="20" name="Straight Connector 19">
+              <a:extLst>
+                <a:ext uri="{FF2B5EF4-FFF2-40B4-BE49-F238E27FC236}">
+                  <a16:creationId xmlns:a16="http://schemas.microsoft.com/office/drawing/2014/main" id="{F338888B-05BC-74A5-CC5B-8C1CB8BFA4DA}"/>
+                </a:ext>
+              </a:extLst>
+            </p:cNvPr>
+            <p:cNvCxnSpPr>
+              <a:cxnSpLocks/>
+            </p:cNvCxnSpPr>
+            <p:nvPr/>
+          </p:nvCxnSpPr>
+          <p:spPr>
+            <a:xfrm>
+              <a:off x="7673545" y="4974939"/>
+              <a:ext cx="806048" cy="0"/>
+            </a:xfrm>
+            <a:prstGeom prst="line">
+              <a:avLst/>
+            </a:prstGeom>
+            <a:ln w="38100" cap="rnd">
+              <a:solidFill>
+                <a:schemeClr val="tx1"/>
+              </a:solidFill>
+            </a:ln>
+          </p:spPr>
+          <p:style>
+            <a:lnRef idx="2">
+              <a:schemeClr val="dk1"/>
+            </a:lnRef>
+            <a:fillRef idx="0">
+              <a:schemeClr val="dk1"/>
+            </a:fillRef>
+            <a:effectRef idx="1">
+              <a:schemeClr val="dk1"/>
+            </a:effectRef>
+            <a:fontRef idx="minor">
+              <a:schemeClr val="tx1"/>
+            </a:fontRef>
+          </p:style>
+        </p:cxnSp>
+        <p:cxnSp>
+          <p:nvCxnSpPr>
+            <p:cNvPr id="24" name="Straight Connector 23">
+              <a:extLst>
+                <a:ext uri="{FF2B5EF4-FFF2-40B4-BE49-F238E27FC236}">
+                  <a16:creationId xmlns:a16="http://schemas.microsoft.com/office/drawing/2014/main" id="{E14C7844-FE3B-38E5-506F-541E7DA79702}"/>
+                </a:ext>
+              </a:extLst>
+            </p:cNvPr>
+            <p:cNvCxnSpPr>
+              <a:cxnSpLocks/>
+            </p:cNvCxnSpPr>
+            <p:nvPr/>
+          </p:nvCxnSpPr>
+          <p:spPr>
+            <a:xfrm>
+              <a:off x="7925042" y="3687879"/>
+              <a:ext cx="554551" cy="0"/>
+            </a:xfrm>
+            <a:prstGeom prst="line">
+              <a:avLst/>
+            </a:prstGeom>
+            <a:ln w="38100" cap="rnd"/>
+          </p:spPr>
+          <p:style>
+            <a:lnRef idx="2">
+              <a:schemeClr val="dk1"/>
+            </a:lnRef>
+            <a:fillRef idx="0">
+              <a:schemeClr val="dk1"/>
+            </a:fillRef>
+            <a:effectRef idx="1">
+              <a:schemeClr val="dk1"/>
+            </a:effectRef>
+            <a:fontRef idx="minor">
+              <a:schemeClr val="tx1"/>
+            </a:fontRef>
+          </p:style>
+        </p:cxnSp>
+        <p:cxnSp>
+          <p:nvCxnSpPr>
+            <p:cNvPr id="27" name="Straight Connector 26">
+              <a:extLst>
+                <a:ext uri="{FF2B5EF4-FFF2-40B4-BE49-F238E27FC236}">
+                  <a16:creationId xmlns:a16="http://schemas.microsoft.com/office/drawing/2014/main" id="{D610581A-C15F-A985-49B8-C116E2C13820}"/>
+                </a:ext>
+              </a:extLst>
+            </p:cNvPr>
+            <p:cNvCxnSpPr>
+              <a:cxnSpLocks/>
+            </p:cNvCxnSpPr>
+            <p:nvPr/>
+          </p:nvCxnSpPr>
+          <p:spPr>
+            <a:xfrm>
+              <a:off x="7925042" y="4147985"/>
+              <a:ext cx="554551" cy="0"/>
+            </a:xfrm>
+            <a:prstGeom prst="line">
+              <a:avLst/>
+            </a:prstGeom>
+            <a:ln w="38100" cap="rnd">
+              <a:solidFill>
+                <a:schemeClr val="tx1"/>
+              </a:solidFill>
+            </a:ln>
+          </p:spPr>
+          <p:style>
+            <a:lnRef idx="2">
+              <a:schemeClr val="dk1"/>
+            </a:lnRef>
+            <a:fillRef idx="0">
+              <a:schemeClr val="dk1"/>
+            </a:fillRef>
+            <a:effectRef idx="1">
+              <a:schemeClr val="dk1"/>
+            </a:effectRef>
+            <a:fontRef idx="minor">
+              <a:schemeClr val="tx1"/>
+            </a:fontRef>
+          </p:style>
+        </p:cxnSp>
+        <p:cxnSp>
+          <p:nvCxnSpPr>
+            <p:cNvPr id="28" name="Straight Connector 27">
+              <a:extLst>
+                <a:ext uri="{FF2B5EF4-FFF2-40B4-BE49-F238E27FC236}">
+                  <a16:creationId xmlns:a16="http://schemas.microsoft.com/office/drawing/2014/main" id="{AA5946CC-4548-71F0-5C50-ACF1C13FEDBB}"/>
+                </a:ext>
+              </a:extLst>
+            </p:cNvPr>
+            <p:cNvCxnSpPr>
+              <a:cxnSpLocks/>
+            </p:cNvCxnSpPr>
+            <p:nvPr/>
+          </p:nvCxnSpPr>
+          <p:spPr>
+            <a:xfrm>
+              <a:off x="7925042" y="4608091"/>
+              <a:ext cx="554551" cy="0"/>
+            </a:xfrm>
+            <a:prstGeom prst="line">
+              <a:avLst/>
+            </a:prstGeom>
+            <a:ln w="38100" cap="rnd">
+              <a:solidFill>
+                <a:schemeClr val="tx1"/>
+              </a:solidFill>
+            </a:ln>
+          </p:spPr>
+          <p:style>
+            <a:lnRef idx="2">
+              <a:schemeClr val="dk1"/>
+            </a:lnRef>
+            <a:fillRef idx="0">
+              <a:schemeClr val="dk1"/>
+            </a:fillRef>
+            <a:effectRef idx="1">
+              <a:schemeClr val="dk1"/>
+            </a:effectRef>
+            <a:fontRef idx="minor">
+              <a:schemeClr val="tx1"/>
+            </a:fontRef>
+          </p:style>
+        </p:cxnSp>
+        <p:cxnSp>
+          <p:nvCxnSpPr>
+            <p:cNvPr id="29" name="Straight Connector 28">
+              <a:extLst>
+                <a:ext uri="{FF2B5EF4-FFF2-40B4-BE49-F238E27FC236}">
+                  <a16:creationId xmlns:a16="http://schemas.microsoft.com/office/drawing/2014/main" id="{B6D4CEAF-4E28-2843-CFC7-F262BD0F3A40}"/>
+                </a:ext>
+              </a:extLst>
+            </p:cNvPr>
+            <p:cNvCxnSpPr>
+              <a:cxnSpLocks/>
+            </p:cNvCxnSpPr>
+            <p:nvPr/>
+          </p:nvCxnSpPr>
+          <p:spPr>
+            <a:xfrm>
+              <a:off x="7925042" y="5068198"/>
+              <a:ext cx="554551" cy="0"/>
+            </a:xfrm>
+            <a:prstGeom prst="line">
+              <a:avLst/>
+            </a:prstGeom>
+            <a:ln w="38100" cap="rnd">
+              <a:solidFill>
+                <a:schemeClr val="tx1"/>
+              </a:solidFill>
+            </a:ln>
+          </p:spPr>
+          <p:style>
+            <a:lnRef idx="2">
+              <a:schemeClr val="dk1"/>
+            </a:lnRef>
+            <a:fillRef idx="0">
+              <a:schemeClr val="dk1"/>
+            </a:fillRef>
+            <a:effectRef idx="1">
+              <a:schemeClr val="dk1"/>
+            </a:effectRef>
+            <a:fontRef idx="minor">
+              <a:schemeClr val="tx1"/>
+            </a:fontRef>
+          </p:style>
+        </p:cxnSp>
+        <p:cxnSp>
+          <p:nvCxnSpPr>
+            <p:cNvPr id="30" name="Straight Connector 29">
+              <a:extLst>
+                <a:ext uri="{FF2B5EF4-FFF2-40B4-BE49-F238E27FC236}">
+                  <a16:creationId xmlns:a16="http://schemas.microsoft.com/office/drawing/2014/main" id="{8F23E21E-2B9C-792F-AAE0-2991745477D9}"/>
+                </a:ext>
+              </a:extLst>
+            </p:cNvPr>
+            <p:cNvCxnSpPr>
+              <a:cxnSpLocks/>
+            </p:cNvCxnSpPr>
+            <p:nvPr/>
+          </p:nvCxnSpPr>
+          <p:spPr>
+            <a:xfrm>
+              <a:off x="7925042" y="3787664"/>
+              <a:ext cx="554551" cy="0"/>
+            </a:xfrm>
+            <a:prstGeom prst="line">
+              <a:avLst/>
+            </a:prstGeom>
+            <a:ln w="38100" cap="rnd"/>
+          </p:spPr>
+          <p:style>
+            <a:lnRef idx="2">
+              <a:schemeClr val="dk1"/>
+            </a:lnRef>
+            <a:fillRef idx="0">
+              <a:schemeClr val="dk1"/>
+            </a:fillRef>
+            <a:effectRef idx="1">
+              <a:schemeClr val="dk1"/>
+            </a:effectRef>
+            <a:fontRef idx="minor">
+              <a:schemeClr val="tx1"/>
+            </a:fontRef>
+          </p:style>
+        </p:cxnSp>
+        <p:cxnSp>
+          <p:nvCxnSpPr>
+            <p:cNvPr id="31" name="Straight Connector 30">
+              <a:extLst>
+                <a:ext uri="{FF2B5EF4-FFF2-40B4-BE49-F238E27FC236}">
+                  <a16:creationId xmlns:a16="http://schemas.microsoft.com/office/drawing/2014/main" id="{F3E7F433-D670-2DCC-45CE-AA4DFA6D6672}"/>
+                </a:ext>
+              </a:extLst>
+            </p:cNvPr>
+            <p:cNvCxnSpPr>
+              <a:cxnSpLocks/>
+            </p:cNvCxnSpPr>
+            <p:nvPr/>
+          </p:nvCxnSpPr>
+          <p:spPr>
+            <a:xfrm>
+              <a:off x="7925042" y="4343205"/>
+              <a:ext cx="554551" cy="0"/>
+            </a:xfrm>
+            <a:prstGeom prst="line">
+              <a:avLst/>
+            </a:prstGeom>
+            <a:ln w="38100" cap="rnd">
+              <a:solidFill>
+                <a:schemeClr val="tx1"/>
+              </a:solidFill>
+            </a:ln>
+          </p:spPr>
+          <p:style>
+            <a:lnRef idx="2">
+              <a:schemeClr val="dk1"/>
+            </a:lnRef>
+            <a:fillRef idx="0">
+              <a:schemeClr val="dk1"/>
+            </a:fillRef>
+            <a:effectRef idx="1">
+              <a:schemeClr val="dk1"/>
+            </a:effectRef>
+            <a:fontRef idx="minor">
+              <a:schemeClr val="tx1"/>
+            </a:fontRef>
+          </p:style>
+        </p:cxnSp>
+        <p:cxnSp>
+          <p:nvCxnSpPr>
+            <p:cNvPr id="32" name="Straight Connector 31">
+              <a:extLst>
+                <a:ext uri="{FF2B5EF4-FFF2-40B4-BE49-F238E27FC236}">
+                  <a16:creationId xmlns:a16="http://schemas.microsoft.com/office/drawing/2014/main" id="{A32BD25A-A31B-1EAD-4919-C2D0AE73231B}"/>
+                </a:ext>
+              </a:extLst>
+            </p:cNvPr>
+            <p:cNvCxnSpPr>
+              <a:cxnSpLocks/>
+            </p:cNvCxnSpPr>
+            <p:nvPr/>
+          </p:nvCxnSpPr>
+          <p:spPr>
+            <a:xfrm>
+              <a:off x="7925042" y="4798961"/>
+              <a:ext cx="554551" cy="0"/>
+            </a:xfrm>
+            <a:prstGeom prst="line">
+              <a:avLst/>
+            </a:prstGeom>
+            <a:ln w="38100" cap="rnd">
+              <a:solidFill>
+                <a:schemeClr val="tx1"/>
+              </a:solidFill>
+            </a:ln>
+          </p:spPr>
+          <p:style>
+            <a:lnRef idx="2">
+              <a:schemeClr val="dk1"/>
+            </a:lnRef>
+            <a:fillRef idx="0">
+              <a:schemeClr val="dk1"/>
+            </a:fillRef>
+            <a:effectRef idx="1">
+              <a:schemeClr val="dk1"/>
+            </a:effectRef>
+            <a:fontRef idx="minor">
+              <a:schemeClr val="tx1"/>
+            </a:fontRef>
+          </p:style>
+        </p:cxnSp>
+        <p:cxnSp>
+          <p:nvCxnSpPr>
+            <p:cNvPr id="33" name="Straight Connector 32">
+              <a:extLst>
+                <a:ext uri="{FF2B5EF4-FFF2-40B4-BE49-F238E27FC236}">
+                  <a16:creationId xmlns:a16="http://schemas.microsoft.com/office/drawing/2014/main" id="{93098A2A-AA6B-BF93-9A54-452F5A77CE30}"/>
+                </a:ext>
+              </a:extLst>
+            </p:cNvPr>
+            <p:cNvCxnSpPr>
+              <a:cxnSpLocks/>
+            </p:cNvCxnSpPr>
+            <p:nvPr/>
+          </p:nvCxnSpPr>
+          <p:spPr>
+            <a:xfrm>
+              <a:off x="7925042" y="5254717"/>
+              <a:ext cx="554551" cy="0"/>
+            </a:xfrm>
+            <a:prstGeom prst="line">
+              <a:avLst/>
+            </a:prstGeom>
+            <a:ln w="38100" cap="rnd">
+              <a:solidFill>
+                <a:schemeClr val="tx1"/>
+              </a:solidFill>
+            </a:ln>
+          </p:spPr>
+          <p:style>
+            <a:lnRef idx="2">
+              <a:schemeClr val="dk1"/>
+            </a:lnRef>
+            <a:fillRef idx="0">
+              <a:schemeClr val="dk1"/>
+            </a:fillRef>
+            <a:effectRef idx="1">
+              <a:schemeClr val="dk1"/>
+            </a:effectRef>
+            <a:fontRef idx="minor">
+              <a:schemeClr val="tx1"/>
+            </a:fontRef>
+          </p:style>
+        </p:cxnSp>
+        <p:cxnSp>
+          <p:nvCxnSpPr>
+            <p:cNvPr id="34" name="Straight Connector 33">
+              <a:extLst>
+                <a:ext uri="{FF2B5EF4-FFF2-40B4-BE49-F238E27FC236}">
+                  <a16:creationId xmlns:a16="http://schemas.microsoft.com/office/drawing/2014/main" id="{9A65B134-2019-EE78-88E7-4FA5F104A3C3}"/>
+                </a:ext>
+              </a:extLst>
+            </p:cNvPr>
+            <p:cNvCxnSpPr>
+              <a:cxnSpLocks/>
+            </p:cNvCxnSpPr>
+            <p:nvPr/>
+          </p:nvCxnSpPr>
+          <p:spPr>
+            <a:xfrm>
+              <a:off x="7925042" y="3887449"/>
+              <a:ext cx="554551" cy="0"/>
+            </a:xfrm>
+            <a:prstGeom prst="line">
+              <a:avLst/>
+            </a:prstGeom>
+            <a:ln w="38100" cap="rnd"/>
+          </p:spPr>
+          <p:style>
+            <a:lnRef idx="2">
+              <a:schemeClr val="dk1"/>
+            </a:lnRef>
+            <a:fillRef idx="0">
+              <a:schemeClr val="dk1"/>
+            </a:fillRef>
+            <a:effectRef idx="1">
+              <a:schemeClr val="dk1"/>
+            </a:effectRef>
+            <a:fontRef idx="minor">
+              <a:schemeClr val="tx1"/>
+            </a:fontRef>
+          </p:style>
+        </p:cxnSp>
+        <p:cxnSp>
+          <p:nvCxnSpPr>
+            <p:cNvPr id="35" name="Straight Connector 34">
+              <a:extLst>
+                <a:ext uri="{FF2B5EF4-FFF2-40B4-BE49-F238E27FC236}">
+                  <a16:creationId xmlns:a16="http://schemas.microsoft.com/office/drawing/2014/main" id="{0536AE07-5D67-FA5A-12C3-B5958331C220}"/>
+                </a:ext>
+              </a:extLst>
+            </p:cNvPr>
+            <p:cNvCxnSpPr>
+              <a:cxnSpLocks/>
+            </p:cNvCxnSpPr>
+            <p:nvPr/>
+          </p:nvCxnSpPr>
+          <p:spPr>
+            <a:xfrm>
+              <a:off x="7925042" y="4703526"/>
+              <a:ext cx="554551" cy="0"/>
+            </a:xfrm>
+            <a:prstGeom prst="line">
+              <a:avLst/>
+            </a:prstGeom>
+            <a:ln w="38100" cap="rnd">
+              <a:solidFill>
+                <a:schemeClr val="tx1"/>
+              </a:solidFill>
+            </a:ln>
+          </p:spPr>
+          <p:style>
+            <a:lnRef idx="2">
+              <a:schemeClr val="dk1"/>
+            </a:lnRef>
+            <a:fillRef idx="0">
+              <a:schemeClr val="dk1"/>
+            </a:fillRef>
+            <a:effectRef idx="1">
+              <a:schemeClr val="dk1"/>
+            </a:effectRef>
+            <a:fontRef idx="minor">
+              <a:schemeClr val="tx1"/>
+            </a:fontRef>
+          </p:style>
+        </p:cxnSp>
+        <p:cxnSp>
+          <p:nvCxnSpPr>
+            <p:cNvPr id="36" name="Straight Connector 35">
+              <a:extLst>
+                <a:ext uri="{FF2B5EF4-FFF2-40B4-BE49-F238E27FC236}">
+                  <a16:creationId xmlns:a16="http://schemas.microsoft.com/office/drawing/2014/main" id="{845B17B7-751B-DFDD-91DA-D81813788EA1}"/>
+                </a:ext>
+              </a:extLst>
+            </p:cNvPr>
+            <p:cNvCxnSpPr>
+              <a:cxnSpLocks/>
+            </p:cNvCxnSpPr>
+            <p:nvPr/>
+          </p:nvCxnSpPr>
+          <p:spPr>
+            <a:xfrm>
+              <a:off x="7925042" y="4245595"/>
+              <a:ext cx="554551" cy="0"/>
+            </a:xfrm>
+            <a:prstGeom prst="line">
+              <a:avLst/>
+            </a:prstGeom>
+            <a:ln w="38100" cap="rnd">
+              <a:solidFill>
+                <a:schemeClr val="tx1"/>
+              </a:solidFill>
+            </a:ln>
+          </p:spPr>
+          <p:style>
+            <a:lnRef idx="2">
+              <a:schemeClr val="dk1"/>
+            </a:lnRef>
+            <a:fillRef idx="0">
+              <a:schemeClr val="dk1"/>
+            </a:fillRef>
+            <a:effectRef idx="1">
+              <a:schemeClr val="dk1"/>
+            </a:effectRef>
+            <a:fontRef idx="minor">
+              <a:schemeClr val="tx1"/>
+            </a:fontRef>
+          </p:style>
+        </p:cxnSp>
+        <p:cxnSp>
+          <p:nvCxnSpPr>
+            <p:cNvPr id="37" name="Straight Connector 36">
+              <a:extLst>
+                <a:ext uri="{FF2B5EF4-FFF2-40B4-BE49-F238E27FC236}">
+                  <a16:creationId xmlns:a16="http://schemas.microsoft.com/office/drawing/2014/main" id="{27FCBC4E-D8FD-0792-179A-2D0732C001D3}"/>
+                </a:ext>
+              </a:extLst>
+            </p:cNvPr>
+            <p:cNvCxnSpPr>
+              <a:cxnSpLocks/>
+            </p:cNvCxnSpPr>
+            <p:nvPr/>
+          </p:nvCxnSpPr>
+          <p:spPr>
+            <a:xfrm>
+              <a:off x="7925042" y="5161457"/>
+              <a:ext cx="554551" cy="0"/>
+            </a:xfrm>
+            <a:prstGeom prst="line">
+              <a:avLst/>
+            </a:prstGeom>
+            <a:ln w="38100" cap="rnd">
+              <a:solidFill>
+                <a:schemeClr val="tx1"/>
+              </a:solidFill>
+            </a:ln>
+          </p:spPr>
+          <p:style>
+            <a:lnRef idx="2">
+              <a:schemeClr val="dk1"/>
+            </a:lnRef>
+            <a:fillRef idx="0">
+              <a:schemeClr val="dk1"/>
+            </a:fillRef>
+            <a:effectRef idx="1">
+              <a:schemeClr val="dk1"/>
+            </a:effectRef>
+            <a:fontRef idx="minor">
+              <a:schemeClr val="tx1"/>
+            </a:fontRef>
+          </p:style>
+        </p:cxnSp>
+        <p:sp>
+          <p:nvSpPr>
+            <p:cNvPr id="40" name="Rectangle 39">
+              <a:extLst>
+                <a:ext uri="{FF2B5EF4-FFF2-40B4-BE49-F238E27FC236}">
+                  <a16:creationId xmlns:a16="http://schemas.microsoft.com/office/drawing/2014/main" id="{B0314F7C-5791-299A-70D6-E8C08FD59BA7}"/>
+                </a:ext>
+              </a:extLst>
+            </p:cNvPr>
+            <p:cNvSpPr/>
+            <p:nvPr/>
+          </p:nvSpPr>
+          <p:spPr>
+            <a:xfrm rot="2421265" flipH="1" flipV="1">
+              <a:off x="8242866" y="4957953"/>
+              <a:ext cx="266466" cy="138976"/>
+            </a:xfrm>
+            <a:prstGeom prst="rect">
+              <a:avLst/>
+            </a:prstGeom>
+            <a:solidFill>
+              <a:schemeClr val="bg1"/>
+            </a:solidFill>
+            <a:ln w="28575">
+              <a:solidFill>
+                <a:schemeClr val="tx1"/>
+              </a:solidFill>
+            </a:ln>
+          </p:spPr>
+          <p:style>
+            <a:lnRef idx="2">
+              <a:schemeClr val="accent1">
+                <a:shade val="15000"/>
+              </a:schemeClr>
+            </a:lnRef>
+            <a:fillRef idx="1">
+              <a:schemeClr val="accent1"/>
+            </a:fillRef>
+            <a:effectRef idx="0">
+              <a:schemeClr val="accent1"/>
+            </a:effectRef>
+            <a:fontRef idx="minor">
+              <a:schemeClr val="lt1"/>
+            </a:fontRef>
+          </p:style>
+          <p:txBody>
+            <a:bodyPr rtlCol="0" anchor="ctr"/>
+            <a:lstStyle/>
+            <a:p>
+              <a:pPr algn="ctr"/>
+              <a:endParaRPr lang="en-GB"/>
+            </a:p>
+          </p:txBody>
+        </p:sp>
+        <p:sp>
+          <p:nvSpPr>
+            <p:cNvPr id="41" name="Rectangle 40">
+              <a:extLst>
+                <a:ext uri="{FF2B5EF4-FFF2-40B4-BE49-F238E27FC236}">
+                  <a16:creationId xmlns:a16="http://schemas.microsoft.com/office/drawing/2014/main" id="{B56A3E2E-543E-5032-6AB0-7D34A647A787}"/>
+                </a:ext>
+              </a:extLst>
+            </p:cNvPr>
+            <p:cNvSpPr/>
+            <p:nvPr/>
+          </p:nvSpPr>
+          <p:spPr>
+            <a:xfrm rot="21398663">
+              <a:off x="8523172" y="4718847"/>
+              <a:ext cx="237343" cy="236439"/>
+            </a:xfrm>
+            <a:prstGeom prst="rect">
+              <a:avLst/>
+            </a:prstGeom>
+            <a:solidFill>
+              <a:schemeClr val="bg1"/>
+            </a:solidFill>
+            <a:ln w="28575">
+              <a:solidFill>
+                <a:schemeClr val="tx1"/>
+              </a:solidFill>
+            </a:ln>
+          </p:spPr>
+          <p:style>
+            <a:lnRef idx="2">
+              <a:schemeClr val="accent1">
+                <a:shade val="15000"/>
+              </a:schemeClr>
+            </a:lnRef>
+            <a:fillRef idx="1">
+              <a:schemeClr val="accent1"/>
+            </a:fillRef>
+            <a:effectRef idx="0">
+              <a:schemeClr val="accent1"/>
+            </a:effectRef>
+            <a:fontRef idx="minor">
+              <a:schemeClr val="lt1"/>
+            </a:fontRef>
+          </p:style>
+          <p:txBody>
+            <a:bodyPr rtlCol="0" anchor="ctr"/>
+            <a:lstStyle/>
+            <a:p>
+              <a:pPr algn="ctr"/>
+              <a:endParaRPr lang="en-GB"/>
+            </a:p>
+          </p:txBody>
+        </p:sp>
+        <p:grpSp>
+          <p:nvGrpSpPr>
+            <p:cNvPr id="38" name="Group 37">
+              <a:extLst>
+                <a:ext uri="{FF2B5EF4-FFF2-40B4-BE49-F238E27FC236}">
+                  <a16:creationId xmlns:a16="http://schemas.microsoft.com/office/drawing/2014/main" id="{3D06829D-DE26-5FCD-EFBF-020C2642F5E8}"/>
+                </a:ext>
+              </a:extLst>
+            </p:cNvPr>
+            <p:cNvGrpSpPr/>
+            <p:nvPr/>
+          </p:nvGrpSpPr>
+          <p:grpSpPr>
+            <a:xfrm>
+              <a:off x="8261281" y="4894396"/>
+              <a:ext cx="832035" cy="810265"/>
+              <a:chOff x="9287143" y="4798961"/>
+              <a:chExt cx="832035" cy="810265"/>
+            </a:xfrm>
+          </p:grpSpPr>
+          <p:sp>
+            <p:nvSpPr>
+              <p:cNvPr id="3" name="Oval 2">
+                <a:extLst>
+                  <a:ext uri="{FF2B5EF4-FFF2-40B4-BE49-F238E27FC236}">
+                    <a16:creationId xmlns:a16="http://schemas.microsoft.com/office/drawing/2014/main" id="{96A4BACB-7FA6-006C-73C4-14399A404779}"/>
+                  </a:ext>
+                </a:extLst>
+              </p:cNvPr>
+              <p:cNvSpPr/>
+              <p:nvPr/>
+            </p:nvSpPr>
+            <p:spPr>
+              <a:xfrm>
+                <a:off x="9287143" y="4798961"/>
+                <a:ext cx="832035" cy="810265"/>
+              </a:xfrm>
+              <a:prstGeom prst="ellipse">
+                <a:avLst/>
+              </a:prstGeom>
+              <a:solidFill>
+                <a:schemeClr val="bg1"/>
+              </a:solidFill>
+              <a:ln w="38100">
+                <a:solidFill>
+                  <a:schemeClr val="tx1"/>
+                </a:solidFill>
+              </a:ln>
+            </p:spPr>
+            <p:style>
+              <a:lnRef idx="2">
+                <a:schemeClr val="accent1">
+                  <a:shade val="15000"/>
+                </a:schemeClr>
+              </a:lnRef>
+              <a:fillRef idx="1">
+                <a:schemeClr val="accent1"/>
+              </a:fillRef>
+              <a:effectRef idx="0">
+                <a:schemeClr val="accent1"/>
+              </a:effectRef>
+              <a:fontRef idx="minor">
+                <a:schemeClr val="lt1"/>
+              </a:fontRef>
+            </p:style>
+            <p:txBody>
+              <a:bodyPr rtlCol="0" anchor="ctr"/>
+              <a:lstStyle/>
+              <a:p>
+                <a:pPr algn="ctr"/>
+                <a:endParaRPr lang="en-GB"/>
+              </a:p>
+            </p:txBody>
+          </p:sp>
+          <p:sp>
+            <p:nvSpPr>
+              <p:cNvPr id="4" name="Oval 3">
+                <a:extLst>
+                  <a:ext uri="{FF2B5EF4-FFF2-40B4-BE49-F238E27FC236}">
+                    <a16:creationId xmlns:a16="http://schemas.microsoft.com/office/drawing/2014/main" id="{C383064D-2D14-39C4-23EC-142E882CB7F0}"/>
+                  </a:ext>
+                </a:extLst>
+              </p:cNvPr>
+              <p:cNvSpPr/>
+              <p:nvPr/>
+            </p:nvSpPr>
+            <p:spPr>
+              <a:xfrm>
+                <a:off x="9360030" y="4892550"/>
+                <a:ext cx="679635" cy="634378"/>
+              </a:xfrm>
+              <a:prstGeom prst="ellipse">
+                <a:avLst/>
+              </a:prstGeom>
+              <a:solidFill>
+                <a:schemeClr val="bg1"/>
+              </a:solidFill>
+              <a:ln w="38100">
+                <a:solidFill>
+                  <a:schemeClr val="tx1"/>
+                </a:solidFill>
+              </a:ln>
+            </p:spPr>
+            <p:style>
+              <a:lnRef idx="2">
+                <a:schemeClr val="accent1">
+                  <a:shade val="15000"/>
+                </a:schemeClr>
+              </a:lnRef>
+              <a:fillRef idx="1">
+                <a:schemeClr val="accent1"/>
+              </a:fillRef>
+              <a:effectRef idx="0">
+                <a:schemeClr val="accent1"/>
+              </a:effectRef>
+              <a:fontRef idx="minor">
+                <a:schemeClr val="lt1"/>
+              </a:fontRef>
+            </p:style>
+            <p:txBody>
+              <a:bodyPr rtlCol="0" anchor="ctr"/>
+              <a:lstStyle/>
+              <a:p>
+                <a:pPr algn="ctr"/>
+                <a:endParaRPr lang="en-GB"/>
+              </a:p>
+            </p:txBody>
+          </p:sp>
+          <p:cxnSp>
+            <p:nvCxnSpPr>
+              <p:cNvPr id="6" name="Straight Connector 5">
+                <a:extLst>
+                  <a:ext uri="{FF2B5EF4-FFF2-40B4-BE49-F238E27FC236}">
+                    <a16:creationId xmlns:a16="http://schemas.microsoft.com/office/drawing/2014/main" id="{21ACC12C-A869-020E-2CA0-E8B78D560682}"/>
+                  </a:ext>
+                </a:extLst>
+              </p:cNvPr>
+              <p:cNvCxnSpPr>
+                <a:cxnSpLocks/>
+              </p:cNvCxnSpPr>
+              <p:nvPr/>
+            </p:nvCxnSpPr>
+            <p:spPr>
+              <a:xfrm flipH="1" flipV="1">
+                <a:off x="9643851" y="5053660"/>
+                <a:ext cx="55996" cy="199092"/>
+              </a:xfrm>
+              <a:prstGeom prst="line">
+                <a:avLst/>
+              </a:prstGeom>
+              <a:ln w="38100" cap="rnd">
+                <a:solidFill>
+                  <a:schemeClr val="tx1"/>
+                </a:solidFill>
+              </a:ln>
+            </p:spPr>
+            <p:style>
+              <a:lnRef idx="2">
+                <a:schemeClr val="dk1"/>
+              </a:lnRef>
+              <a:fillRef idx="0">
+                <a:schemeClr val="dk1"/>
+              </a:fillRef>
+              <a:effectRef idx="1">
+                <a:schemeClr val="dk1"/>
+              </a:effectRef>
+              <a:fontRef idx="minor">
+                <a:schemeClr val="tx1"/>
+              </a:fontRef>
+            </p:style>
+          </p:cxnSp>
+          <p:cxnSp>
+            <p:nvCxnSpPr>
+              <p:cNvPr id="7" name="Straight Connector 6">
+                <a:extLst>
+                  <a:ext uri="{FF2B5EF4-FFF2-40B4-BE49-F238E27FC236}">
+                    <a16:creationId xmlns:a16="http://schemas.microsoft.com/office/drawing/2014/main" id="{A3E6F076-C964-E10B-C646-BA3E9694752F}"/>
+                  </a:ext>
+                </a:extLst>
+              </p:cNvPr>
+              <p:cNvCxnSpPr>
+                <a:cxnSpLocks/>
+              </p:cNvCxnSpPr>
+              <p:nvPr/>
+            </p:nvCxnSpPr>
+            <p:spPr>
+              <a:xfrm flipV="1">
+                <a:off x="9694739" y="5204093"/>
+                <a:ext cx="218160" cy="48659"/>
+              </a:xfrm>
+              <a:prstGeom prst="line">
+                <a:avLst/>
+              </a:prstGeom>
+              <a:ln w="38100" cap="rnd">
+                <a:solidFill>
+                  <a:schemeClr val="tx1"/>
+                </a:solidFill>
+              </a:ln>
+            </p:spPr>
+            <p:style>
+              <a:lnRef idx="2">
+                <a:schemeClr val="dk1"/>
+              </a:lnRef>
+              <a:fillRef idx="0">
+                <a:schemeClr val="dk1"/>
+              </a:fillRef>
+              <a:effectRef idx="1">
+                <a:schemeClr val="dk1"/>
+              </a:effectRef>
+              <a:fontRef idx="minor">
+                <a:schemeClr val="tx1"/>
+              </a:fontRef>
+            </p:style>
+          </p:cxnSp>
+        </p:grpSp>
+        <p:cxnSp>
+          <p:nvCxnSpPr>
+            <p:cNvPr id="42" name="Straight Connector 41">
+              <a:extLst>
+                <a:ext uri="{FF2B5EF4-FFF2-40B4-BE49-F238E27FC236}">
+                  <a16:creationId xmlns:a16="http://schemas.microsoft.com/office/drawing/2014/main" id="{7DF15C0F-0740-161D-569D-C5EC7701455C}"/>
+                </a:ext>
+              </a:extLst>
+            </p:cNvPr>
+            <p:cNvCxnSpPr>
+              <a:cxnSpLocks/>
+            </p:cNvCxnSpPr>
+            <p:nvPr/>
+          </p:nvCxnSpPr>
+          <p:spPr>
+            <a:xfrm>
+              <a:off x="8357805" y="4717560"/>
+              <a:ext cx="554551" cy="0"/>
+            </a:xfrm>
+            <a:prstGeom prst="line">
+              <a:avLst/>
+            </a:prstGeom>
+            <a:ln w="57150" cap="rnd">
+              <a:solidFill>
+                <a:schemeClr val="tx1"/>
+              </a:solidFill>
+            </a:ln>
+          </p:spPr>
+          <p:style>
+            <a:lnRef idx="2">
+              <a:schemeClr val="dk1"/>
+            </a:lnRef>
+            <a:fillRef idx="0">
+              <a:schemeClr val="dk1"/>
+            </a:fillRef>
+            <a:effectRef idx="1">
+              <a:schemeClr val="dk1"/>
+            </a:effectRef>
+            <a:fontRef idx="minor">
+              <a:schemeClr val="tx1"/>
+            </a:fontRef>
+          </p:style>
+        </p:cxnSp>
+      </p:grpSp>
+    </p:spTree>
+    <p:extLst>
+      <p:ext uri="{BB962C8B-B14F-4D97-AF65-F5344CB8AC3E}">
+        <p14:creationId xmlns:p14="http://schemas.microsoft.com/office/powerpoint/2010/main" val="7369211"/>
+      </p:ext>
+    </p:extLst>
+  </p:cSld>
+  <p:clrMapOvr>
+    <a:masterClrMapping/>
+  </p:clrMapOvr>
+</p:sld>
+</file>
+
+<file path=ppt/slides/slide6.xml><?xml version="1.0" encoding="utf-8"?>
+<p:sld xmlns:a="http://schemas.openxmlformats.org/drawingml/2006/main" xmlns:r="http://schemas.openxmlformats.org/officeDocument/2006/relationships" xmlns:p="http://schemas.openxmlformats.org/presentationml/2006/main">
+  <p:cSld>
+    <p:spTree>
+      <p:nvGrpSpPr>
+        <p:cNvPr id="1" name=""/>
+        <p:cNvGrpSpPr/>
+        <p:nvPr/>
+      </p:nvGrpSpPr>
+      <p:grpSpPr>
+        <a:xfrm>
+          <a:off x="0" y="0"/>
+          <a:ext cx="0" cy="0"/>
+          <a:chOff x="0" y="0"/>
+          <a:chExt cx="0" cy="0"/>
+        </a:xfrm>
+      </p:grpSpPr>
+      <p:sp>
+        <p:nvSpPr>
+          <p:cNvPr id="2" name="TextBox 1">
+            <a:extLst>
+              <a:ext uri="{FF2B5EF4-FFF2-40B4-BE49-F238E27FC236}">
+                <a16:creationId xmlns:a16="http://schemas.microsoft.com/office/drawing/2014/main" id="{6B21C1F9-CEDA-CE88-3B9D-677D923FD41E}"/>
+              </a:ext>
+            </a:extLst>
+          </p:cNvPr>
+          <p:cNvSpPr txBox="1"/>
+          <p:nvPr/>
+        </p:nvSpPr>
+        <p:spPr>
+          <a:xfrm>
+            <a:off x="7962900" y="1990725"/>
+            <a:ext cx="4057650" cy="369332"/>
+          </a:xfrm>
+          <a:prstGeom prst="rect">
+            <a:avLst/>
+          </a:prstGeom>
+          <a:noFill/>
+        </p:spPr>
+        <p:txBody>
+          <a:bodyPr wrap="square" rtlCol="0">
+            <a:spAutoFit/>
+          </a:bodyPr>
+          <a:lstStyle/>
+          <a:p>
+            <a:r>
+              <a:rPr lang="en-US" dirty="0" err="1"/>
+              <a:t>homeicon</a:t>
+            </a:r>
+            <a:endParaRPr lang="en-GB" dirty="0"/>
+          </a:p>
+        </p:txBody>
+      </p:sp>
+      <p:pic>
+        <p:nvPicPr>
+          <p:cNvPr id="4" name="Graphic 3" descr="House outline">
+            <a:extLst>
+              <a:ext uri="{FF2B5EF4-FFF2-40B4-BE49-F238E27FC236}">
+                <a16:creationId xmlns:a16="http://schemas.microsoft.com/office/drawing/2014/main" id="{5AE62267-4F68-8C78-D410-14575D93FA0B}"/>
+              </a:ext>
+            </a:extLst>
+          </p:cNvPr>
+          <p:cNvPicPr>
+            <a:picLocks noChangeAspect="1"/>
+          </p:cNvPicPr>
+          <p:nvPr/>
+        </p:nvPicPr>
+        <p:blipFill>
+          <a:blip r:embed="rId2">
+            <a:extLst>
+              <a:ext uri="{96DAC541-7B7A-43D3-8B79-37D633B846F1}">
+                <asvg:svgBlip xmlns:asvg="http://schemas.microsoft.com/office/drawing/2016/SVG/main" r:embed="rId3"/>
+              </a:ext>
+            </a:extLst>
+          </a:blip>
+          <a:stretch>
+            <a:fillRect/>
+          </a:stretch>
+        </p:blipFill>
+        <p:spPr>
+          <a:xfrm>
+            <a:off x="5991225" y="1718191"/>
+            <a:ext cx="914400" cy="914400"/>
+          </a:xfrm>
+          <a:prstGeom prst="rect">
+            <a:avLst/>
+          </a:prstGeom>
+        </p:spPr>
+      </p:pic>
+      <p:pic>
+        <p:nvPicPr>
+          <p:cNvPr id="6" name="Graphic 5" descr="Hamburger Menu Icon with solid fill">
+            <a:extLst>
+              <a:ext uri="{FF2B5EF4-FFF2-40B4-BE49-F238E27FC236}">
+                <a16:creationId xmlns:a16="http://schemas.microsoft.com/office/drawing/2014/main" id="{1ED0FDCB-9A29-2A17-EF87-E5EDE96BDA18}"/>
+              </a:ext>
+            </a:extLst>
+          </p:cNvPr>
+          <p:cNvPicPr>
+            <a:picLocks noChangeAspect="1"/>
+          </p:cNvPicPr>
+          <p:nvPr/>
+        </p:nvPicPr>
+        <p:blipFill>
+          <a:blip r:embed="rId4">
+            <a:extLst>
+              <a:ext uri="{96DAC541-7B7A-43D3-8B79-37D633B846F1}">
+                <asvg:svgBlip xmlns:asvg="http://schemas.microsoft.com/office/drawing/2016/SVG/main" r:embed="rId5"/>
+              </a:ext>
+            </a:extLst>
+          </a:blip>
+          <a:stretch>
+            <a:fillRect/>
+          </a:stretch>
+        </p:blipFill>
+        <p:spPr>
+          <a:xfrm>
+            <a:off x="5991225" y="2971800"/>
+            <a:ext cx="914400" cy="914400"/>
+          </a:xfrm>
+          <a:prstGeom prst="rect">
+            <a:avLst/>
+          </a:prstGeom>
+        </p:spPr>
+      </p:pic>
+      <p:sp>
+        <p:nvSpPr>
+          <p:cNvPr id="7" name="TextBox 6">
+            <a:extLst>
+              <a:ext uri="{FF2B5EF4-FFF2-40B4-BE49-F238E27FC236}">
+                <a16:creationId xmlns:a16="http://schemas.microsoft.com/office/drawing/2014/main" id="{EC271AD6-61DA-F6DF-18A6-8551DA40CDA5}"/>
+              </a:ext>
+            </a:extLst>
+          </p:cNvPr>
+          <p:cNvSpPr txBox="1"/>
+          <p:nvPr/>
+        </p:nvSpPr>
+        <p:spPr>
+          <a:xfrm>
+            <a:off x="7962900" y="3059668"/>
+            <a:ext cx="4057650" cy="369332"/>
+          </a:xfrm>
+          <a:prstGeom prst="rect">
+            <a:avLst/>
+          </a:prstGeom>
+          <a:noFill/>
+        </p:spPr>
+        <p:txBody>
+          <a:bodyPr wrap="square" rtlCol="0">
+            <a:spAutoFit/>
+          </a:bodyPr>
+          <a:lstStyle/>
+          <a:p>
+            <a:r>
+              <a:rPr lang="en-US" dirty="0" err="1"/>
+              <a:t>menuicon</a:t>
+            </a:r>
+            <a:endParaRPr lang="en-GB" dirty="0"/>
+          </a:p>
+        </p:txBody>
+      </p:sp>
+      <p:grpSp>
+        <p:nvGrpSpPr>
+          <p:cNvPr id="12" name="Group 11">
+            <a:extLst>
+              <a:ext uri="{FF2B5EF4-FFF2-40B4-BE49-F238E27FC236}">
+                <a16:creationId xmlns:a16="http://schemas.microsoft.com/office/drawing/2014/main" id="{736B70E4-23E5-91CF-9FBF-7C618F6EB012}"/>
+              </a:ext>
+            </a:extLst>
+          </p:cNvPr>
+          <p:cNvGrpSpPr/>
+          <p:nvPr/>
+        </p:nvGrpSpPr>
+        <p:grpSpPr>
+          <a:xfrm>
+            <a:off x="2261419" y="2871019"/>
+            <a:ext cx="796413" cy="727587"/>
+            <a:chOff x="2261419" y="2871019"/>
+            <a:chExt cx="796413" cy="727587"/>
+          </a:xfrm>
+        </p:grpSpPr>
+        <p:sp>
+          <p:nvSpPr>
+            <p:cNvPr id="3" name="Rectangle: Rounded Corners 2">
+              <a:extLst>
+                <a:ext uri="{FF2B5EF4-FFF2-40B4-BE49-F238E27FC236}">
+                  <a16:creationId xmlns:a16="http://schemas.microsoft.com/office/drawing/2014/main" id="{EDA3B8A4-2615-BDF6-98E4-02E6679671C0}"/>
+                </a:ext>
+              </a:extLst>
+            </p:cNvPr>
+            <p:cNvSpPr/>
+            <p:nvPr/>
+          </p:nvSpPr>
+          <p:spPr>
+            <a:xfrm>
+              <a:off x="2261419" y="2871019"/>
+              <a:ext cx="796413" cy="727587"/>
+            </a:xfrm>
+            <a:prstGeom prst="roundRect">
+              <a:avLst/>
+            </a:prstGeom>
+            <a:solidFill>
+              <a:schemeClr val="tx1"/>
+            </a:solidFill>
+            <a:ln>
+              <a:noFill/>
+            </a:ln>
+          </p:spPr>
+          <p:style>
+            <a:lnRef idx="2">
+              <a:schemeClr val="accent1">
+                <a:shade val="15000"/>
+              </a:schemeClr>
+            </a:lnRef>
+            <a:fillRef idx="1">
+              <a:schemeClr val="accent1"/>
+            </a:fillRef>
+            <a:effectRef idx="0">
+              <a:schemeClr val="accent1"/>
+            </a:effectRef>
+            <a:fontRef idx="minor">
+              <a:schemeClr val="lt1"/>
+            </a:fontRef>
+          </p:style>
+          <p:txBody>
+            <a:bodyPr rtlCol="0" anchor="ctr"/>
+            <a:lstStyle/>
+            <a:p>
+              <a:pPr algn="ctr"/>
+              <a:endParaRPr lang="en-GB"/>
+            </a:p>
+          </p:txBody>
+        </p:sp>
+        <p:cxnSp>
+          <p:nvCxnSpPr>
+            <p:cNvPr id="8" name="Straight Connector 7">
+              <a:extLst>
+                <a:ext uri="{FF2B5EF4-FFF2-40B4-BE49-F238E27FC236}">
+                  <a16:creationId xmlns:a16="http://schemas.microsoft.com/office/drawing/2014/main" id="{A5F7E5AB-23C3-361D-033E-48065A59E6A2}"/>
+                </a:ext>
+              </a:extLst>
+            </p:cNvPr>
+            <p:cNvCxnSpPr>
+              <a:cxnSpLocks/>
+            </p:cNvCxnSpPr>
+            <p:nvPr/>
+          </p:nvCxnSpPr>
+          <p:spPr>
+            <a:xfrm>
+              <a:off x="2388744" y="3059668"/>
+              <a:ext cx="528080" cy="0"/>
+            </a:xfrm>
+            <a:prstGeom prst="line">
+              <a:avLst/>
+            </a:prstGeom>
+            <a:ln w="76200" cap="rnd">
+              <a:solidFill>
+                <a:schemeClr val="bg1"/>
+              </a:solidFill>
+            </a:ln>
+          </p:spPr>
+          <p:style>
+            <a:lnRef idx="2">
+              <a:schemeClr val="accent1"/>
+            </a:lnRef>
+            <a:fillRef idx="0">
+              <a:schemeClr val="accent1"/>
+            </a:fillRef>
+            <a:effectRef idx="1">
+              <a:schemeClr val="accent1"/>
+            </a:effectRef>
+            <a:fontRef idx="minor">
+              <a:schemeClr val="tx1"/>
+            </a:fontRef>
+          </p:style>
+        </p:cxnSp>
+        <p:cxnSp>
+          <p:nvCxnSpPr>
+            <p:cNvPr id="10" name="Straight Connector 9">
+              <a:extLst>
+                <a:ext uri="{FF2B5EF4-FFF2-40B4-BE49-F238E27FC236}">
+                  <a16:creationId xmlns:a16="http://schemas.microsoft.com/office/drawing/2014/main" id="{643148ED-A742-9719-BE56-A010CC92C5DA}"/>
+                </a:ext>
+              </a:extLst>
+            </p:cNvPr>
+            <p:cNvCxnSpPr>
+              <a:cxnSpLocks/>
+            </p:cNvCxnSpPr>
+            <p:nvPr/>
+          </p:nvCxnSpPr>
+          <p:spPr>
+            <a:xfrm>
+              <a:off x="2388744" y="3242452"/>
+              <a:ext cx="528080" cy="0"/>
+            </a:xfrm>
+            <a:prstGeom prst="line">
+              <a:avLst/>
+            </a:prstGeom>
+            <a:ln w="76200" cap="rnd">
+              <a:solidFill>
+                <a:schemeClr val="bg1"/>
+              </a:solidFill>
+            </a:ln>
+          </p:spPr>
+          <p:style>
+            <a:lnRef idx="2">
+              <a:schemeClr val="accent1"/>
+            </a:lnRef>
+            <a:fillRef idx="0">
+              <a:schemeClr val="accent1"/>
+            </a:fillRef>
+            <a:effectRef idx="1">
+              <a:schemeClr val="accent1"/>
+            </a:effectRef>
+            <a:fontRef idx="minor">
+              <a:schemeClr val="tx1"/>
+            </a:fontRef>
+          </p:style>
+        </p:cxnSp>
+        <p:cxnSp>
+          <p:nvCxnSpPr>
+            <p:cNvPr id="11" name="Straight Connector 10">
+              <a:extLst>
+                <a:ext uri="{FF2B5EF4-FFF2-40B4-BE49-F238E27FC236}">
+                  <a16:creationId xmlns:a16="http://schemas.microsoft.com/office/drawing/2014/main" id="{7056EE14-A0B5-3C29-8A0B-D71CF27738F2}"/>
+                </a:ext>
+              </a:extLst>
+            </p:cNvPr>
+            <p:cNvCxnSpPr>
+              <a:cxnSpLocks/>
+            </p:cNvCxnSpPr>
+            <p:nvPr/>
+          </p:nvCxnSpPr>
+          <p:spPr>
+            <a:xfrm>
+              <a:off x="2388744" y="3425235"/>
+              <a:ext cx="528080" cy="0"/>
+            </a:xfrm>
+            <a:prstGeom prst="line">
+              <a:avLst/>
+            </a:prstGeom>
+            <a:ln w="76200" cap="rnd">
+              <a:solidFill>
+                <a:schemeClr val="bg1"/>
+              </a:solidFill>
+            </a:ln>
+          </p:spPr>
+          <p:style>
+            <a:lnRef idx="2">
+              <a:schemeClr val="accent1"/>
+            </a:lnRef>
+            <a:fillRef idx="0">
+              <a:schemeClr val="accent1"/>
+            </a:fillRef>
+            <a:effectRef idx="1">
+              <a:schemeClr val="accent1"/>
+            </a:effectRef>
+            <a:fontRef idx="minor">
+              <a:schemeClr val="tx1"/>
+            </a:fontRef>
+          </p:style>
+        </p:cxnSp>
+      </p:grpSp>
+      <p:grpSp>
+        <p:nvGrpSpPr>
+          <p:cNvPr id="14" name="Group 13">
+            <a:extLst>
+              <a:ext uri="{FF2B5EF4-FFF2-40B4-BE49-F238E27FC236}">
+                <a16:creationId xmlns:a16="http://schemas.microsoft.com/office/drawing/2014/main" id="{980C5523-E66A-D819-60C0-0DB5548FAD9C}"/>
+              </a:ext>
+            </a:extLst>
+          </p:cNvPr>
+          <p:cNvGrpSpPr/>
+          <p:nvPr/>
+        </p:nvGrpSpPr>
+        <p:grpSpPr>
+          <a:xfrm>
+            <a:off x="2261419" y="4424516"/>
+            <a:ext cx="521110" cy="580103"/>
+            <a:chOff x="2261419" y="4424516"/>
+            <a:chExt cx="521110" cy="580103"/>
+          </a:xfrm>
+        </p:grpSpPr>
+        <p:sp>
+          <p:nvSpPr>
+            <p:cNvPr id="5" name="Oval 4">
+              <a:extLst>
+                <a:ext uri="{FF2B5EF4-FFF2-40B4-BE49-F238E27FC236}">
+                  <a16:creationId xmlns:a16="http://schemas.microsoft.com/office/drawing/2014/main" id="{21B924CE-89C5-13B1-E0DD-1495D590BCBB}"/>
+                </a:ext>
+              </a:extLst>
+            </p:cNvPr>
+            <p:cNvSpPr/>
+            <p:nvPr/>
+          </p:nvSpPr>
+          <p:spPr>
+            <a:xfrm>
+              <a:off x="2261419" y="4424516"/>
+              <a:ext cx="521110" cy="580103"/>
+            </a:xfrm>
+            <a:prstGeom prst="ellipse">
+              <a:avLst/>
+            </a:prstGeom>
+            <a:solidFill>
+              <a:schemeClr val="tx1"/>
+            </a:solidFill>
+            <a:ln w="76200">
+              <a:solidFill>
+                <a:schemeClr val="bg1"/>
+              </a:solidFill>
+            </a:ln>
+          </p:spPr>
+          <p:style>
+            <a:lnRef idx="2">
+              <a:schemeClr val="accent1">
+                <a:shade val="15000"/>
+              </a:schemeClr>
+            </a:lnRef>
+            <a:fillRef idx="1">
+              <a:schemeClr val="accent1"/>
+            </a:fillRef>
+            <a:effectRef idx="0">
+              <a:schemeClr val="accent1"/>
+            </a:effectRef>
+            <a:fontRef idx="minor">
+              <a:schemeClr val="lt1"/>
+            </a:fontRef>
+          </p:style>
+          <p:txBody>
+            <a:bodyPr rtlCol="0" anchor="ctr"/>
+            <a:lstStyle/>
+            <a:p>
+              <a:pPr algn="ctr"/>
+              <a:endParaRPr lang="en-GB"/>
+            </a:p>
+          </p:txBody>
+        </p:sp>
+        <p:sp>
+          <p:nvSpPr>
+            <p:cNvPr id="9" name="TextBox 8">
+              <a:extLst>
+                <a:ext uri="{FF2B5EF4-FFF2-40B4-BE49-F238E27FC236}">
+                  <a16:creationId xmlns:a16="http://schemas.microsoft.com/office/drawing/2014/main" id="{AE959619-5D1E-ACBB-72A1-ED651197C651}"/>
+                </a:ext>
+              </a:extLst>
+            </p:cNvPr>
+            <p:cNvSpPr txBox="1"/>
+            <p:nvPr/>
+          </p:nvSpPr>
+          <p:spPr>
+            <a:xfrm>
+              <a:off x="2300748" y="4452957"/>
+              <a:ext cx="442452" cy="523220"/>
+            </a:xfrm>
+            <a:prstGeom prst="rect">
+              <a:avLst/>
+            </a:prstGeom>
+            <a:noFill/>
+          </p:spPr>
+          <p:txBody>
+            <a:bodyPr wrap="square" rtlCol="0">
+              <a:spAutoFit/>
+            </a:bodyPr>
+            <a:lstStyle/>
+            <a:p>
+              <a:pPr algn="ctr"/>
+              <a:r>
+                <a:rPr lang="en-US" sz="2800" b="1" dirty="0">
+                  <a:solidFill>
+                    <a:schemeClr val="bg1"/>
+                  </a:solidFill>
+                </a:rPr>
+                <a:t>?</a:t>
+              </a:r>
+              <a:endParaRPr lang="en-GB" sz="2800" b="1" dirty="0">
+                <a:solidFill>
+                  <a:schemeClr val="bg1"/>
+                </a:solidFill>
+              </a:endParaRPr>
+            </a:p>
+          </p:txBody>
+        </p:sp>
+      </p:grpSp>
+    </p:spTree>
+    <p:extLst>
+      <p:ext uri="{BB962C8B-B14F-4D97-AF65-F5344CB8AC3E}">
+        <p14:creationId xmlns:p14="http://schemas.microsoft.com/office/powerpoint/2010/main" val="906686344"/>
       </p:ext>
     </p:extLst>
   </p:cSld>
